--- a/Presentation1.pptx
+++ b/Presentation1.pptx
@@ -9,9 +9,8 @@
     <p:sldId id="257" r:id="rId3"/>
     <p:sldId id="259" r:id="rId4"/>
     <p:sldId id="260" r:id="rId5"/>
-    <p:sldId id="264" r:id="rId6"/>
-    <p:sldId id="265" r:id="rId7"/>
-    <p:sldId id="266" r:id="rId8"/>
+    <p:sldId id="266" r:id="rId6"/>
+    <p:sldId id="267" r:id="rId7"/>
   </p:sldIdLst>
   <p:sldSz cx="12192000" cy="6858000"/>
   <p:notesSz cx="6858000" cy="9144000"/>
@@ -110,6 +109,11 @@
       </a:defRPr>
     </a:lvl9pPr>
   </p:defaultTextStyle>
+  <p:extLst>
+    <p:ext uri="{EFAFB233-063F-42B5-8137-9DF3F51BA10A}">
+      <p15:sldGuideLst xmlns:p15="http://schemas.microsoft.com/office/powerpoint/2012/main"/>
+    </p:ext>
+  </p:extLst>
 </p:presentation>
 </file>
 
@@ -260,7 +264,7 @@
           <a:p>
             <a:fld id="{C8884790-3C39-4752-B815-42B388734FEF}" type="datetimeFigureOut">
               <a:rPr lang="en-US" smtClean="0"/>
-              <a:t>6/29/2019</a:t>
+              <a:t>6/30/2019</a:t>
             </a:fld>
             <a:endParaRPr lang="en-US"/>
           </a:p>
@@ -458,7 +462,7 @@
           <a:p>
             <a:fld id="{C8884790-3C39-4752-B815-42B388734FEF}" type="datetimeFigureOut">
               <a:rPr lang="en-US" smtClean="0"/>
-              <a:t>6/29/2019</a:t>
+              <a:t>6/30/2019</a:t>
             </a:fld>
             <a:endParaRPr lang="en-US"/>
           </a:p>
@@ -666,7 +670,7 @@
           <a:p>
             <a:fld id="{C8884790-3C39-4752-B815-42B388734FEF}" type="datetimeFigureOut">
               <a:rPr lang="en-US" smtClean="0"/>
-              <a:t>6/29/2019</a:t>
+              <a:t>6/30/2019</a:t>
             </a:fld>
             <a:endParaRPr lang="en-US"/>
           </a:p>
@@ -864,7 +868,7 @@
           <a:p>
             <a:fld id="{C8884790-3C39-4752-B815-42B388734FEF}" type="datetimeFigureOut">
               <a:rPr lang="en-US" smtClean="0"/>
-              <a:t>6/29/2019</a:t>
+              <a:t>6/30/2019</a:t>
             </a:fld>
             <a:endParaRPr lang="en-US"/>
           </a:p>
@@ -1139,7 +1143,7 @@
           <a:p>
             <a:fld id="{C8884790-3C39-4752-B815-42B388734FEF}" type="datetimeFigureOut">
               <a:rPr lang="en-US" smtClean="0"/>
-              <a:t>6/29/2019</a:t>
+              <a:t>6/30/2019</a:t>
             </a:fld>
             <a:endParaRPr lang="en-US"/>
           </a:p>
@@ -1404,7 +1408,7 @@
           <a:p>
             <a:fld id="{C8884790-3C39-4752-B815-42B388734FEF}" type="datetimeFigureOut">
               <a:rPr lang="en-US" smtClean="0"/>
-              <a:t>6/29/2019</a:t>
+              <a:t>6/30/2019</a:t>
             </a:fld>
             <a:endParaRPr lang="en-US"/>
           </a:p>
@@ -1816,7 +1820,7 @@
           <a:p>
             <a:fld id="{C8884790-3C39-4752-B815-42B388734FEF}" type="datetimeFigureOut">
               <a:rPr lang="en-US" smtClean="0"/>
-              <a:t>6/29/2019</a:t>
+              <a:t>6/30/2019</a:t>
             </a:fld>
             <a:endParaRPr lang="en-US"/>
           </a:p>
@@ -1957,7 +1961,7 @@
           <a:p>
             <a:fld id="{C8884790-3C39-4752-B815-42B388734FEF}" type="datetimeFigureOut">
               <a:rPr lang="en-US" smtClean="0"/>
-              <a:t>6/29/2019</a:t>
+              <a:t>6/30/2019</a:t>
             </a:fld>
             <a:endParaRPr lang="en-US"/>
           </a:p>
@@ -2070,7 +2074,7 @@
           <a:p>
             <a:fld id="{C8884790-3C39-4752-B815-42B388734FEF}" type="datetimeFigureOut">
               <a:rPr lang="en-US" smtClean="0"/>
-              <a:t>6/29/2019</a:t>
+              <a:t>6/30/2019</a:t>
             </a:fld>
             <a:endParaRPr lang="en-US"/>
           </a:p>
@@ -2381,7 +2385,7 @@
           <a:p>
             <a:fld id="{C8884790-3C39-4752-B815-42B388734FEF}" type="datetimeFigureOut">
               <a:rPr lang="en-US" smtClean="0"/>
-              <a:t>6/29/2019</a:t>
+              <a:t>6/30/2019</a:t>
             </a:fld>
             <a:endParaRPr lang="en-US"/>
           </a:p>
@@ -2669,7 +2673,7 @@
           <a:p>
             <a:fld id="{C8884790-3C39-4752-B815-42B388734FEF}" type="datetimeFigureOut">
               <a:rPr lang="en-US" smtClean="0"/>
-              <a:t>6/29/2019</a:t>
+              <a:t>6/30/2019</a:t>
             </a:fld>
             <a:endParaRPr lang="en-US"/>
           </a:p>
@@ -2910,7 +2914,7 @@
           <a:p>
             <a:fld id="{C8884790-3C39-4752-B815-42B388734FEF}" type="datetimeFigureOut">
               <a:rPr lang="en-US" smtClean="0"/>
-              <a:t>6/29/2019</a:t>
+              <a:t>6/30/2019</a:t>
             </a:fld>
             <a:endParaRPr lang="en-US"/>
           </a:p>
@@ -4830,10 +4834,10 @@
       </p:grpSpPr>
       <p:grpSp>
         <p:nvGrpSpPr>
-          <p:cNvPr id="15" name="Group 14">
-            <a:extLst>
-              <a:ext uri="{FF2B5EF4-FFF2-40B4-BE49-F238E27FC236}">
-                <a16:creationId xmlns:a16="http://schemas.microsoft.com/office/drawing/2014/main" id="{533944E2-2586-425A-B77A-55384999AB49}"/>
+          <p:cNvPr id="2" name="Group 1">
+            <a:extLst>
+              <a:ext uri="{FF2B5EF4-FFF2-40B4-BE49-F238E27FC236}">
+                <a16:creationId xmlns:a16="http://schemas.microsoft.com/office/drawing/2014/main" id="{720E16F0-2E25-4405-A2D7-B7F2C84A6E50}"/>
               </a:ext>
             </a:extLst>
           </p:cNvPr>
@@ -4842,18 +4846,18 @@
         </p:nvGrpSpPr>
         <p:grpSpPr>
           <a:xfrm>
-            <a:off x="4584040" y="701831"/>
-            <a:ext cx="2742258" cy="1304522"/>
-            <a:chOff x="4584040" y="701831"/>
-            <a:chExt cx="2742258" cy="1304522"/>
+            <a:off x="4588639" y="701831"/>
+            <a:ext cx="2726561" cy="5936977"/>
+            <a:chOff x="4588639" y="701831"/>
+            <a:chExt cx="2726561" cy="5936977"/>
           </a:xfrm>
         </p:grpSpPr>
         <p:sp>
           <p:nvSpPr>
-            <p:cNvPr id="16" name="Freeform: Shape 15">
+            <p:cNvPr id="57" name="Rectangle: Rounded Corners 56">
               <a:extLst>
                 <a:ext uri="{FF2B5EF4-FFF2-40B4-BE49-F238E27FC236}">
-                  <a16:creationId xmlns:a16="http://schemas.microsoft.com/office/drawing/2014/main" id="{E7188DB1-46ED-4C37-AB82-D17E11B4AC31}"/>
+                  <a16:creationId xmlns:a16="http://schemas.microsoft.com/office/drawing/2014/main" id="{D6EC756B-54D1-4FBD-9261-46F6E042B275}"/>
                 </a:ext>
               </a:extLst>
             </p:cNvPr>
@@ -4863,115 +4867,20 @@
           <p:spPr>
             <a:xfrm>
               <a:off x="4589756" y="701831"/>
-              <a:ext cx="2725444" cy="1304522"/>
+              <a:ext cx="2725444" cy="5860988"/>
             </a:xfrm>
-            <a:custGeom>
-              <a:avLst/>
-              <a:gdLst>
-                <a:gd name="connsiteX0" fmla="*/ 331768 w 2725444"/>
-                <a:gd name="connsiteY0" fmla="*/ 0 h 1304522"/>
-                <a:gd name="connsiteX1" fmla="*/ 2393676 w 2725444"/>
-                <a:gd name="connsiteY1" fmla="*/ 0 h 1304522"/>
-                <a:gd name="connsiteX2" fmla="*/ 2725444 w 2725444"/>
-                <a:gd name="connsiteY2" fmla="*/ 331768 h 1304522"/>
-                <a:gd name="connsiteX3" fmla="*/ 2725444 w 2725444"/>
-                <a:gd name="connsiteY3" fmla="*/ 974843 h 1304522"/>
-                <a:gd name="connsiteX4" fmla="*/ 2593773 w 2725444"/>
-                <a:gd name="connsiteY4" fmla="*/ 1045093 h 1304522"/>
-                <a:gd name="connsiteX5" fmla="*/ 1362722 w 2725444"/>
-                <a:gd name="connsiteY5" fmla="*/ 1304522 h 1304522"/>
-                <a:gd name="connsiteX6" fmla="*/ 131672 w 2725444"/>
-                <a:gd name="connsiteY6" fmla="*/ 1045093 h 1304522"/>
-                <a:gd name="connsiteX7" fmla="*/ 0 w 2725444"/>
-                <a:gd name="connsiteY7" fmla="*/ 974843 h 1304522"/>
-                <a:gd name="connsiteX8" fmla="*/ 0 w 2725444"/>
-                <a:gd name="connsiteY8" fmla="*/ 331768 h 1304522"/>
-                <a:gd name="connsiteX9" fmla="*/ 331768 w 2725444"/>
-                <a:gd name="connsiteY9" fmla="*/ 0 h 1304522"/>
-              </a:gdLst>
-              <a:ahLst/>
-              <a:cxnLst>
-                <a:cxn ang="0">
-                  <a:pos x="connsiteX0" y="connsiteY0"/>
-                </a:cxn>
-                <a:cxn ang="0">
-                  <a:pos x="connsiteX1" y="connsiteY1"/>
-                </a:cxn>
-                <a:cxn ang="0">
-                  <a:pos x="connsiteX2" y="connsiteY2"/>
-                </a:cxn>
-                <a:cxn ang="0">
-                  <a:pos x="connsiteX3" y="connsiteY3"/>
-                </a:cxn>
-                <a:cxn ang="0">
-                  <a:pos x="connsiteX4" y="connsiteY4"/>
-                </a:cxn>
-                <a:cxn ang="0">
-                  <a:pos x="connsiteX5" y="connsiteY5"/>
-                </a:cxn>
-                <a:cxn ang="0">
-                  <a:pos x="connsiteX6" y="connsiteY6"/>
-                </a:cxn>
-                <a:cxn ang="0">
-                  <a:pos x="connsiteX7" y="connsiteY7"/>
-                </a:cxn>
-                <a:cxn ang="0">
-                  <a:pos x="connsiteX8" y="connsiteY8"/>
-                </a:cxn>
-                <a:cxn ang="0">
-                  <a:pos x="connsiteX9" y="connsiteY9"/>
-                </a:cxn>
-              </a:cxnLst>
-              <a:rect l="l" t="t" r="r" b="b"/>
-              <a:pathLst>
-                <a:path w="2725444" h="1304522">
-                  <a:moveTo>
-                    <a:pt x="331768" y="0"/>
-                  </a:moveTo>
-                  <a:lnTo>
-                    <a:pt x="2393676" y="0"/>
-                  </a:lnTo>
-                  <a:cubicBezTo>
-                    <a:pt x="2576906" y="0"/>
-                    <a:pt x="2725444" y="148538"/>
-                    <a:pt x="2725444" y="331768"/>
-                  </a:cubicBezTo>
-                  <a:lnTo>
-                    <a:pt x="2725444" y="974843"/>
-                  </a:lnTo>
-                  <a:lnTo>
-                    <a:pt x="2593773" y="1045093"/>
-                  </a:lnTo>
-                  <a:cubicBezTo>
-                    <a:pt x="2259233" y="1207164"/>
-                    <a:pt x="1830346" y="1304522"/>
-                    <a:pt x="1362722" y="1304522"/>
-                  </a:cubicBezTo>
-                  <a:cubicBezTo>
-                    <a:pt x="895099" y="1304522"/>
-                    <a:pt x="466211" y="1207164"/>
-                    <a:pt x="131672" y="1045093"/>
-                  </a:cubicBezTo>
-                  <a:lnTo>
-                    <a:pt x="0" y="974843"/>
-                  </a:lnTo>
-                  <a:lnTo>
-                    <a:pt x="0" y="331768"/>
-                  </a:lnTo>
-                  <a:cubicBezTo>
-                    <a:pt x="0" y="148538"/>
-                    <a:pt x="148538" y="0"/>
-                    <a:pt x="331768" y="0"/>
-                  </a:cubicBezTo>
-                  <a:close/>
-                </a:path>
-              </a:pathLst>
-            </a:custGeom>
+            <a:prstGeom prst="roundRect">
+              <a:avLst>
+                <a:gd name="adj" fmla="val 12173"/>
+              </a:avLst>
+            </a:prstGeom>
             <a:solidFill>
               <a:srgbClr val="D93931"/>
             </a:solidFill>
-            <a:ln>
-              <a:noFill/>
+            <a:ln w="57150">
+              <a:solidFill>
+                <a:schemeClr val="tx1"/>
+              </a:solidFill>
             </a:ln>
           </p:spPr>
           <p:style>
@@ -5001,10 +4910,211 @@
         </p:sp>
         <p:sp>
           <p:nvSpPr>
-            <p:cNvPr id="17" name="Freeform: Shape 16">
+            <p:cNvPr id="59" name="Rectangle: Top Corners Rounded 58">
               <a:extLst>
                 <a:ext uri="{FF2B5EF4-FFF2-40B4-BE49-F238E27FC236}">
-                  <a16:creationId xmlns:a16="http://schemas.microsoft.com/office/drawing/2014/main" id="{8D891AD2-AAE6-4340-B6ED-3F34E0E46052}"/>
+                  <a16:creationId xmlns:a16="http://schemas.microsoft.com/office/drawing/2014/main" id="{80F8EB8B-B472-4FB6-B2CF-62AFF580B170}"/>
+                </a:ext>
+              </a:extLst>
+            </p:cNvPr>
+            <p:cNvSpPr/>
+            <p:nvPr/>
+          </p:nvSpPr>
+          <p:spPr>
+            <a:xfrm flipV="1">
+              <a:off x="5322572" y="701831"/>
+              <a:ext cx="1259810" cy="197727"/>
+            </a:xfrm>
+            <a:prstGeom prst="round2SameRect">
+              <a:avLst>
+                <a:gd name="adj1" fmla="val 50000"/>
+                <a:gd name="adj2" fmla="val 0"/>
+              </a:avLst>
+            </a:prstGeom>
+            <a:solidFill>
+              <a:schemeClr val="tx1"/>
+            </a:solidFill>
+            <a:ln w="57150">
+              <a:solidFill>
+                <a:schemeClr val="tx1"/>
+              </a:solidFill>
+            </a:ln>
+          </p:spPr>
+          <p:style>
+            <a:lnRef idx="2">
+              <a:schemeClr val="accent1">
+                <a:shade val="50000"/>
+              </a:schemeClr>
+            </a:lnRef>
+            <a:fillRef idx="1">
+              <a:schemeClr val="accent1"/>
+            </a:fillRef>
+            <a:effectRef idx="0">
+              <a:schemeClr val="accent1"/>
+            </a:effectRef>
+            <a:fontRef idx="minor">
+              <a:schemeClr val="lt1"/>
+            </a:fontRef>
+          </p:style>
+          <p:txBody>
+            <a:bodyPr rtlCol="0" anchor="ctr"/>
+            <a:lstStyle/>
+            <a:p>
+              <a:pPr algn="ctr"/>
+              <a:endParaRPr lang="en-US"/>
+            </a:p>
+          </p:txBody>
+        </p:sp>
+        <p:pic>
+          <p:nvPicPr>
+            <p:cNvPr id="64" name="Picture 63">
+              <a:extLst>
+                <a:ext uri="{FF2B5EF4-FFF2-40B4-BE49-F238E27FC236}">
+                  <a16:creationId xmlns:a16="http://schemas.microsoft.com/office/drawing/2014/main" id="{6F43FA1A-85BA-49BC-A16E-6D522FFB4377}"/>
+                </a:ext>
+              </a:extLst>
+            </p:cNvPr>
+            <p:cNvPicPr>
+              <a:picLocks noChangeAspect="1"/>
+            </p:cNvPicPr>
+            <p:nvPr/>
+          </p:nvPicPr>
+          <p:blipFill>
+            <a:blip r:embed="rId2">
+              <a:extLst>
+                <a:ext uri="{28A0092B-C50C-407E-A947-70E740481C1C}">
+                  <a14:useLocalDpi xmlns:a14="http://schemas.microsoft.com/office/drawing/2010/main" val="0"/>
+                </a:ext>
+              </a:extLst>
+            </a:blip>
+            <a:stretch>
+              <a:fillRect/>
+            </a:stretch>
+          </p:blipFill>
+          <p:spPr>
+            <a:xfrm rot="5400000">
+              <a:off x="6868433" y="741641"/>
+              <a:ext cx="172146" cy="172146"/>
+            </a:xfrm>
+            <a:prstGeom prst="rect">
+              <a:avLst/>
+            </a:prstGeom>
+          </p:spPr>
+        </p:pic>
+        <p:pic>
+          <p:nvPicPr>
+            <p:cNvPr id="69" name="Picture 68">
+              <a:extLst>
+                <a:ext uri="{FF2B5EF4-FFF2-40B4-BE49-F238E27FC236}">
+                  <a16:creationId xmlns:a16="http://schemas.microsoft.com/office/drawing/2014/main" id="{897CF48B-FBE2-4972-984E-FD888A30CF3F}"/>
+                </a:ext>
+              </a:extLst>
+            </p:cNvPr>
+            <p:cNvPicPr>
+              <a:picLocks noChangeAspect="1"/>
+            </p:cNvPicPr>
+            <p:nvPr/>
+          </p:nvPicPr>
+          <p:blipFill>
+            <a:blip r:embed="rId3">
+              <a:extLst>
+                <a:ext uri="{28A0092B-C50C-407E-A947-70E740481C1C}">
+                  <a14:useLocalDpi xmlns:a14="http://schemas.microsoft.com/office/drawing/2010/main" val="0"/>
+                </a:ext>
+              </a:extLst>
+            </a:blip>
+            <a:stretch>
+              <a:fillRect/>
+            </a:stretch>
+          </p:blipFill>
+          <p:spPr>
+            <a:xfrm>
+              <a:off x="6708563" y="777820"/>
+              <a:ext cx="99789" cy="99789"/>
+            </a:xfrm>
+            <a:prstGeom prst="rect">
+              <a:avLst/>
+            </a:prstGeom>
+          </p:spPr>
+        </p:pic>
+        <p:pic>
+          <p:nvPicPr>
+            <p:cNvPr id="70" name="Picture 69">
+              <a:extLst>
+                <a:ext uri="{FF2B5EF4-FFF2-40B4-BE49-F238E27FC236}">
+                  <a16:creationId xmlns:a16="http://schemas.microsoft.com/office/drawing/2014/main" id="{9A751B97-EBB9-436B-BD8F-875C925F6916}"/>
+                </a:ext>
+              </a:extLst>
+            </p:cNvPr>
+            <p:cNvPicPr>
+              <a:picLocks noChangeAspect="1"/>
+            </p:cNvPicPr>
+            <p:nvPr/>
+          </p:nvPicPr>
+          <p:blipFill>
+            <a:blip r:embed="rId4">
+              <a:extLst>
+                <a:ext uri="{28A0092B-C50C-407E-A947-70E740481C1C}">
+                  <a14:useLocalDpi xmlns:a14="http://schemas.microsoft.com/office/drawing/2010/main" val="0"/>
+                </a:ext>
+              </a:extLst>
+            </a:blip>
+            <a:stretch>
+              <a:fillRect/>
+            </a:stretch>
+          </p:blipFill>
+          <p:spPr>
+            <a:xfrm>
+              <a:off x="4854956" y="760693"/>
+              <a:ext cx="134042" cy="134042"/>
+            </a:xfrm>
+            <a:prstGeom prst="rect">
+              <a:avLst/>
+            </a:prstGeom>
+          </p:spPr>
+        </p:pic>
+        <p:pic>
+          <p:nvPicPr>
+            <p:cNvPr id="71" name="Picture 70">
+              <a:extLst>
+                <a:ext uri="{FF2B5EF4-FFF2-40B4-BE49-F238E27FC236}">
+                  <a16:creationId xmlns:a16="http://schemas.microsoft.com/office/drawing/2014/main" id="{3904AF78-C5A7-479A-8097-F166ED45595C}"/>
+                </a:ext>
+              </a:extLst>
+            </p:cNvPr>
+            <p:cNvPicPr>
+              <a:picLocks noChangeAspect="1"/>
+            </p:cNvPicPr>
+            <p:nvPr/>
+          </p:nvPicPr>
+          <p:blipFill>
+            <a:blip r:embed="rId4">
+              <a:extLst>
+                <a:ext uri="{28A0092B-C50C-407E-A947-70E740481C1C}">
+                  <a14:useLocalDpi xmlns:a14="http://schemas.microsoft.com/office/drawing/2010/main" val="0"/>
+                </a:ext>
+              </a:extLst>
+            </a:blip>
+            <a:stretch>
+              <a:fillRect/>
+            </a:stretch>
+          </p:blipFill>
+          <p:spPr>
+            <a:xfrm>
+              <a:off x="5047951" y="760693"/>
+              <a:ext cx="134042" cy="134042"/>
+            </a:xfrm>
+            <a:prstGeom prst="rect">
+              <a:avLst/>
+            </a:prstGeom>
+          </p:spPr>
+        </p:pic>
+        <p:sp>
+          <p:nvSpPr>
+            <p:cNvPr id="72" name="Freeform: Shape 71">
+              <a:extLst>
+                <a:ext uri="{FF2B5EF4-FFF2-40B4-BE49-F238E27FC236}">
+                  <a16:creationId xmlns:a16="http://schemas.microsoft.com/office/drawing/2014/main" id="{C8791217-DA96-4E48-B015-CA93F19D769D}"/>
                 </a:ext>
               </a:extLst>
             </p:cNvPr>
@@ -5013,34 +5123,32 @@
           </p:nvSpPr>
           <p:spPr>
             <a:xfrm>
-              <a:off x="4589756" y="1205349"/>
-              <a:ext cx="2736542" cy="801004"/>
+              <a:off x="4589755" y="1761628"/>
+              <a:ext cx="2725444" cy="4877180"/>
             </a:xfrm>
             <a:custGeom>
               <a:avLst/>
               <a:gdLst>
-                <a:gd name="connsiteX0" fmla="*/ 615620 w 2725444"/>
-                <a:gd name="connsiteY0" fmla="*/ 917 h 801004"/>
-                <a:gd name="connsiteX1" fmla="*/ 2504282 w 2725444"/>
-                <a:gd name="connsiteY1" fmla="*/ 396015 h 801004"/>
+                <a:gd name="connsiteX0" fmla="*/ 489980 w 2725444"/>
+                <a:gd name="connsiteY0" fmla="*/ 0 h 4877180"/>
+                <a:gd name="connsiteX1" fmla="*/ 2621753 w 2725444"/>
+                <a:gd name="connsiteY1" fmla="*/ 3289110 h 4877180"/>
                 <a:gd name="connsiteX2" fmla="*/ 2725444 w 2725444"/>
-                <a:gd name="connsiteY2" fmla="*/ 401740 h 801004"/>
+                <a:gd name="connsiteY2" fmla="*/ 3272394 h 4877180"/>
                 <a:gd name="connsiteX3" fmla="*/ 2725444 w 2725444"/>
-                <a:gd name="connsiteY3" fmla="*/ 471325 h 801004"/>
-                <a:gd name="connsiteX4" fmla="*/ 2593773 w 2725444"/>
-                <a:gd name="connsiteY4" fmla="*/ 541575 h 801004"/>
-                <a:gd name="connsiteX5" fmla="*/ 1362722 w 2725444"/>
-                <a:gd name="connsiteY5" fmla="*/ 801004 h 801004"/>
-                <a:gd name="connsiteX6" fmla="*/ 131672 w 2725444"/>
-                <a:gd name="connsiteY6" fmla="*/ 541575 h 801004"/>
+                <a:gd name="connsiteY3" fmla="*/ 4545412 h 4877180"/>
+                <a:gd name="connsiteX4" fmla="*/ 2393676 w 2725444"/>
+                <a:gd name="connsiteY4" fmla="*/ 4877180 h 4877180"/>
+                <a:gd name="connsiteX5" fmla="*/ 331768 w 2725444"/>
+                <a:gd name="connsiteY5" fmla="*/ 4877180 h 4877180"/>
+                <a:gd name="connsiteX6" fmla="*/ 0 w 2725444"/>
+                <a:gd name="connsiteY6" fmla="*/ 4545412 h 4877180"/>
                 <a:gd name="connsiteX7" fmla="*/ 0 w 2725444"/>
-                <a:gd name="connsiteY7" fmla="*/ 471325 h 801004"/>
-                <a:gd name="connsiteX8" fmla="*/ 0 w 2725444"/>
-                <a:gd name="connsiteY8" fmla="*/ 46765 h 801004"/>
-                <a:gd name="connsiteX9" fmla="*/ 203443 w 2725444"/>
-                <a:gd name="connsiteY9" fmla="*/ 19351 h 801004"/>
-                <a:gd name="connsiteX10" fmla="*/ 615620 w 2725444"/>
-                <a:gd name="connsiteY10" fmla="*/ 917 h 801004"/>
+                <a:gd name="connsiteY7" fmla="*/ 505458 h 4877180"/>
+                <a:gd name="connsiteX8" fmla="*/ 26238 w 2725444"/>
+                <a:gd name="connsiteY8" fmla="*/ 452429 h 4877180"/>
+                <a:gd name="connsiteX9" fmla="*/ 489980 w 2725444"/>
+                <a:gd name="connsiteY9" fmla="*/ 0 h 4877180"/>
               </a:gdLst>
               <a:ahLst/>
               <a:cxnLst>
@@ -5074,53 +5182,47 @@
                 <a:cxn ang="0">
                   <a:pos x="connsiteX9" y="connsiteY9"/>
                 </a:cxn>
-                <a:cxn ang="0">
-                  <a:pos x="connsiteX10" y="connsiteY10"/>
-                </a:cxn>
               </a:cxnLst>
               <a:rect l="l" t="t" r="r" b="b"/>
               <a:pathLst>
-                <a:path w="2725444" h="801004">
+                <a:path w="2725444" h="4877180">
                   <a:moveTo>
-                    <a:pt x="615620" y="917"/>
+                    <a:pt x="489980" y="0"/>
                   </a:moveTo>
                   <a:cubicBezTo>
-                    <a:pt x="1345357" y="20445"/>
-                    <a:pt x="1574178" y="346039"/>
-                    <a:pt x="2504282" y="396015"/>
+                    <a:pt x="1185896" y="253"/>
+                    <a:pt x="1563475" y="3326110"/>
+                    <a:pt x="2621753" y="3289110"/>
                   </a:cubicBezTo>
                   <a:lnTo>
-                    <a:pt x="2725444" y="401740"/>
+                    <a:pt x="2725444" y="3272394"/>
                   </a:lnTo>
                   <a:lnTo>
-                    <a:pt x="2725444" y="471325"/>
+                    <a:pt x="2725444" y="4545412"/>
+                  </a:lnTo>
+                  <a:cubicBezTo>
+                    <a:pt x="2725444" y="4728642"/>
+                    <a:pt x="2576906" y="4877180"/>
+                    <a:pt x="2393676" y="4877180"/>
+                  </a:cubicBezTo>
+                  <a:lnTo>
+                    <a:pt x="331768" y="4877180"/>
+                  </a:lnTo>
+                  <a:cubicBezTo>
+                    <a:pt x="148538" y="4877180"/>
+                    <a:pt x="0" y="4728642"/>
+                    <a:pt x="0" y="4545412"/>
+                  </a:cubicBezTo>
+                  <a:lnTo>
+                    <a:pt x="0" y="505458"/>
                   </a:lnTo>
                   <a:lnTo>
-                    <a:pt x="2593773" y="541575"/>
+                    <a:pt x="26238" y="452429"/>
                   </a:lnTo>
                   <a:cubicBezTo>
-                    <a:pt x="2259233" y="703646"/>
-                    <a:pt x="1830346" y="801004"/>
-                    <a:pt x="1362722" y="801004"/>
-                  </a:cubicBezTo>
-                  <a:cubicBezTo>
-                    <a:pt x="895099" y="801004"/>
-                    <a:pt x="466211" y="703646"/>
-                    <a:pt x="131672" y="541575"/>
-                  </a:cubicBezTo>
-                  <a:lnTo>
-                    <a:pt x="0" y="471325"/>
-                  </a:lnTo>
-                  <a:lnTo>
-                    <a:pt x="0" y="46765"/>
-                  </a:lnTo>
-                  <a:lnTo>
-                    <a:pt x="203443" y="19351"/>
-                  </a:lnTo>
-                  <a:cubicBezTo>
-                    <a:pt x="358460" y="2909"/>
-                    <a:pt x="493997" y="-2338"/>
-                    <a:pt x="615620" y="917"/>
+                    <a:pt x="198880" y="132923"/>
+                    <a:pt x="350797" y="-50"/>
+                    <a:pt x="489980" y="0"/>
                   </a:cubicBezTo>
                   <a:close/>
                 </a:path>
@@ -5162,295 +5264,10 @@
         </p:sp>
         <p:sp>
           <p:nvSpPr>
-            <p:cNvPr id="18" name="Freeform: Shape 17">
+            <p:cNvPr id="73" name="Freeform: Shape 72">
               <a:extLst>
                 <a:ext uri="{FF2B5EF4-FFF2-40B4-BE49-F238E27FC236}">
-                  <a16:creationId xmlns:a16="http://schemas.microsoft.com/office/drawing/2014/main" id="{B6F09C17-CD7C-45F2-B3E8-3C54CC341F4D}"/>
-                </a:ext>
-              </a:extLst>
-            </p:cNvPr>
-            <p:cNvSpPr/>
-            <p:nvPr/>
-          </p:nvSpPr>
-          <p:spPr>
-            <a:xfrm flipH="1" flipV="1">
-              <a:off x="4584040" y="957072"/>
-              <a:ext cx="2731159" cy="1049281"/>
-            </a:xfrm>
-            <a:custGeom>
-              <a:avLst/>
-              <a:gdLst>
-                <a:gd name="connsiteX0" fmla="*/ 378047 w 2716960"/>
-                <a:gd name="connsiteY0" fmla="*/ 973957 h 975492"/>
-                <a:gd name="connsiteX1" fmla="*/ 159154 w 2716960"/>
-                <a:gd name="connsiteY1" fmla="*/ 957296 h 975492"/>
-                <a:gd name="connsiteX2" fmla="*/ 0 w 2716960"/>
-                <a:gd name="connsiteY2" fmla="*/ 933561 h 975492"/>
-                <a:gd name="connsiteX3" fmla="*/ 0 w 2716960"/>
-                <a:gd name="connsiteY3" fmla="*/ 329679 h 975492"/>
-                <a:gd name="connsiteX4" fmla="*/ 131671 w 2716960"/>
-                <a:gd name="connsiteY4" fmla="*/ 259429 h 975492"/>
-                <a:gd name="connsiteX5" fmla="*/ 1362722 w 2716960"/>
-                <a:gd name="connsiteY5" fmla="*/ 0 h 975492"/>
-                <a:gd name="connsiteX6" fmla="*/ 2593772 w 2716960"/>
-                <a:gd name="connsiteY6" fmla="*/ 259429 h 975492"/>
-                <a:gd name="connsiteX7" fmla="*/ 2716960 w 2716960"/>
-                <a:gd name="connsiteY7" fmla="*/ 325153 h 975492"/>
-                <a:gd name="connsiteX8" fmla="*/ 2716585 w 2716960"/>
-                <a:gd name="connsiteY8" fmla="*/ 459607 h 975492"/>
-                <a:gd name="connsiteX9" fmla="*/ 378047 w 2716960"/>
-                <a:gd name="connsiteY9" fmla="*/ 973957 h 975492"/>
-              </a:gdLst>
-              <a:ahLst/>
-              <a:cxnLst>
-                <a:cxn ang="0">
-                  <a:pos x="connsiteX0" y="connsiteY0"/>
-                </a:cxn>
-                <a:cxn ang="0">
-                  <a:pos x="connsiteX1" y="connsiteY1"/>
-                </a:cxn>
-                <a:cxn ang="0">
-                  <a:pos x="connsiteX2" y="connsiteY2"/>
-                </a:cxn>
-                <a:cxn ang="0">
-                  <a:pos x="connsiteX3" y="connsiteY3"/>
-                </a:cxn>
-                <a:cxn ang="0">
-                  <a:pos x="connsiteX4" y="connsiteY4"/>
-                </a:cxn>
-                <a:cxn ang="0">
-                  <a:pos x="connsiteX5" y="connsiteY5"/>
-                </a:cxn>
-                <a:cxn ang="0">
-                  <a:pos x="connsiteX6" y="connsiteY6"/>
-                </a:cxn>
-                <a:cxn ang="0">
-                  <a:pos x="connsiteX7" y="connsiteY7"/>
-                </a:cxn>
-                <a:cxn ang="0">
-                  <a:pos x="connsiteX8" y="connsiteY8"/>
-                </a:cxn>
-                <a:cxn ang="0">
-                  <a:pos x="connsiteX9" y="connsiteY9"/>
-                </a:cxn>
-              </a:cxnLst>
-              <a:rect l="l" t="t" r="r" b="b"/>
-              <a:pathLst>
-                <a:path w="2716960" h="975492">
-                  <a:moveTo>
-                    <a:pt x="378047" y="973957"/>
-                  </a:moveTo>
-                  <a:cubicBezTo>
-                    <a:pt x="309462" y="971514"/>
-                    <a:pt x="236728" y="966098"/>
-                    <a:pt x="159154" y="957296"/>
-                  </a:cubicBezTo>
-                  <a:lnTo>
-                    <a:pt x="0" y="933561"/>
-                  </a:lnTo>
-                  <a:lnTo>
-                    <a:pt x="0" y="329679"/>
-                  </a:lnTo>
-                  <a:lnTo>
-                    <a:pt x="131671" y="259429"/>
-                  </a:lnTo>
-                  <a:cubicBezTo>
-                    <a:pt x="466211" y="97358"/>
-                    <a:pt x="895098" y="0"/>
-                    <a:pt x="1362722" y="0"/>
-                  </a:cubicBezTo>
-                  <a:cubicBezTo>
-                    <a:pt x="1830345" y="0"/>
-                    <a:pt x="2259233" y="97358"/>
-                    <a:pt x="2593772" y="259429"/>
-                  </a:cubicBezTo>
-                  <a:lnTo>
-                    <a:pt x="2716960" y="325153"/>
-                  </a:lnTo>
-                  <a:lnTo>
-                    <a:pt x="2716585" y="459607"/>
-                  </a:lnTo>
-                  <a:cubicBezTo>
-                    <a:pt x="1485363" y="459607"/>
-                    <a:pt x="1338243" y="1008160"/>
-                    <a:pt x="378047" y="973957"/>
-                  </a:cubicBezTo>
-                  <a:close/>
-                </a:path>
-              </a:pathLst>
-            </a:custGeom>
-            <a:solidFill>
-              <a:srgbClr val="FFFFFF">
-                <a:alpha val="10196"/>
-              </a:srgbClr>
-            </a:solidFill>
-            <a:ln>
-              <a:noFill/>
-            </a:ln>
-          </p:spPr>
-          <p:style>
-            <a:lnRef idx="2">
-              <a:schemeClr val="accent1">
-                <a:shade val="50000"/>
-              </a:schemeClr>
-            </a:lnRef>
-            <a:fillRef idx="1">
-              <a:schemeClr val="accent1"/>
-            </a:fillRef>
-            <a:effectRef idx="0">
-              <a:schemeClr val="accent1"/>
-            </a:effectRef>
-            <a:fontRef idx="minor">
-              <a:schemeClr val="lt1"/>
-            </a:fontRef>
-          </p:style>
-          <p:txBody>
-            <a:bodyPr rtlCol="0" anchor="ctr"/>
-            <a:lstStyle/>
-            <a:p>
-              <a:pPr algn="ctr"/>
-              <a:endParaRPr lang="en-US" dirty="0"/>
-            </a:p>
-          </p:txBody>
-        </p:sp>
-      </p:grpSp>
-      <p:sp>
-        <p:nvSpPr>
-          <p:cNvPr id="13" name="Rectangle: Rounded Corners 12">
-            <a:extLst>
-              <a:ext uri="{FF2B5EF4-FFF2-40B4-BE49-F238E27FC236}">
-                <a16:creationId xmlns:a16="http://schemas.microsoft.com/office/drawing/2014/main" id="{63158E66-F349-454D-B08C-E09113EB757E}"/>
-              </a:ext>
-            </a:extLst>
-          </p:cNvPr>
-          <p:cNvSpPr/>
-          <p:nvPr/>
-        </p:nvSpPr>
-        <p:spPr>
-          <a:xfrm>
-            <a:off x="4589756" y="701831"/>
-            <a:ext cx="2725444" cy="5860988"/>
-          </a:xfrm>
-          <a:prstGeom prst="roundRect">
-            <a:avLst>
-              <a:gd name="adj" fmla="val 12173"/>
-            </a:avLst>
-          </a:prstGeom>
-          <a:noFill/>
-          <a:ln w="57150">
-            <a:solidFill>
-              <a:schemeClr val="tx1"/>
-            </a:solidFill>
-          </a:ln>
-        </p:spPr>
-        <p:style>
-          <a:lnRef idx="2">
-            <a:schemeClr val="accent1">
-              <a:shade val="50000"/>
-            </a:schemeClr>
-          </a:lnRef>
-          <a:fillRef idx="1">
-            <a:schemeClr val="accent1"/>
-          </a:fillRef>
-          <a:effectRef idx="0">
-            <a:schemeClr val="accent1"/>
-          </a:effectRef>
-          <a:fontRef idx="minor">
-            <a:schemeClr val="lt1"/>
-          </a:fontRef>
-        </p:style>
-        <p:txBody>
-          <a:bodyPr rtlCol="0" anchor="ctr"/>
-          <a:lstStyle/>
-          <a:p>
-            <a:pPr algn="ctr"/>
-            <a:endParaRPr lang="en-US"/>
-          </a:p>
-        </p:txBody>
-      </p:sp>
-      <p:sp>
-        <p:nvSpPr>
-          <p:cNvPr id="19" name="Rectangle: Top Corners Rounded 18">
-            <a:extLst>
-              <a:ext uri="{FF2B5EF4-FFF2-40B4-BE49-F238E27FC236}">
-                <a16:creationId xmlns:a16="http://schemas.microsoft.com/office/drawing/2014/main" id="{BE1F38BF-A7D9-472D-8604-9E65F539E2B1}"/>
-              </a:ext>
-            </a:extLst>
-          </p:cNvPr>
-          <p:cNvSpPr/>
-          <p:nvPr/>
-        </p:nvSpPr>
-        <p:spPr>
-          <a:xfrm flipV="1">
-            <a:off x="5322572" y="701831"/>
-            <a:ext cx="1259810" cy="197727"/>
-          </a:xfrm>
-          <a:prstGeom prst="round2SameRect">
-            <a:avLst>
-              <a:gd name="adj1" fmla="val 50000"/>
-              <a:gd name="adj2" fmla="val 0"/>
-            </a:avLst>
-          </a:prstGeom>
-          <a:solidFill>
-            <a:schemeClr val="tx1"/>
-          </a:solidFill>
-          <a:ln w="57150">
-            <a:solidFill>
-              <a:schemeClr val="tx1"/>
-            </a:solidFill>
-          </a:ln>
-        </p:spPr>
-        <p:style>
-          <a:lnRef idx="2">
-            <a:schemeClr val="accent1">
-              <a:shade val="50000"/>
-            </a:schemeClr>
-          </a:lnRef>
-          <a:fillRef idx="1">
-            <a:schemeClr val="accent1"/>
-          </a:fillRef>
-          <a:effectRef idx="0">
-            <a:schemeClr val="accent1"/>
-          </a:effectRef>
-          <a:fontRef idx="minor">
-            <a:schemeClr val="lt1"/>
-          </a:fontRef>
-        </p:style>
-        <p:txBody>
-          <a:bodyPr rtlCol="0" anchor="ctr"/>
-          <a:lstStyle/>
-          <a:p>
-            <a:pPr algn="ctr"/>
-            <a:endParaRPr lang="en-US"/>
-          </a:p>
-        </p:txBody>
-      </p:sp>
-      <p:grpSp>
-        <p:nvGrpSpPr>
-          <p:cNvPr id="5" name="Group 4">
-            <a:extLst>
-              <a:ext uri="{FF2B5EF4-FFF2-40B4-BE49-F238E27FC236}">
-                <a16:creationId xmlns:a16="http://schemas.microsoft.com/office/drawing/2014/main" id="{4C950636-E0E5-4C76-82D9-AFADB94982EB}"/>
-              </a:ext>
-            </a:extLst>
-          </p:cNvPr>
-          <p:cNvGrpSpPr/>
-          <p:nvPr/>
-        </p:nvGrpSpPr>
-        <p:grpSpPr>
-          <a:xfrm>
-            <a:off x="6829943" y="1167888"/>
-            <a:ext cx="283074" cy="227055"/>
-            <a:chOff x="6643507" y="1098670"/>
-            <a:chExt cx="283074" cy="227055"/>
-          </a:xfrm>
-        </p:grpSpPr>
-        <p:sp>
-          <p:nvSpPr>
-            <p:cNvPr id="4" name="Rectangle: Rounded Corners 3">
-              <a:extLst>
-                <a:ext uri="{FF2B5EF4-FFF2-40B4-BE49-F238E27FC236}">
-                  <a16:creationId xmlns:a16="http://schemas.microsoft.com/office/drawing/2014/main" id="{E01667F1-4301-471D-95C3-A3B0420E8140}"/>
+                  <a16:creationId xmlns:a16="http://schemas.microsoft.com/office/drawing/2014/main" id="{F2A872FB-C807-4B49-B383-56FB4F9E5D03}"/>
                 </a:ext>
               </a:extLst>
             </p:cNvPr>
@@ -5459,1333 +5276,26 @@
           </p:nvSpPr>
           <p:spPr>
             <a:xfrm>
-              <a:off x="6643507" y="1098670"/>
-              <a:ext cx="283074" cy="45719"/>
-            </a:xfrm>
-            <a:prstGeom prst="roundRect">
-              <a:avLst>
-                <a:gd name="adj" fmla="val 50000"/>
-              </a:avLst>
-            </a:prstGeom>
-            <a:solidFill>
-              <a:schemeClr val="bg1"/>
-            </a:solidFill>
-            <a:ln>
-              <a:noFill/>
-            </a:ln>
-          </p:spPr>
-          <p:style>
-            <a:lnRef idx="2">
-              <a:schemeClr val="accent1">
-                <a:shade val="50000"/>
-              </a:schemeClr>
-            </a:lnRef>
-            <a:fillRef idx="1">
-              <a:schemeClr val="accent1"/>
-            </a:fillRef>
-            <a:effectRef idx="0">
-              <a:schemeClr val="accent1"/>
-            </a:effectRef>
-            <a:fontRef idx="minor">
-              <a:schemeClr val="lt1"/>
-            </a:fontRef>
-          </p:style>
-          <p:txBody>
-            <a:bodyPr rtlCol="0" anchor="ctr"/>
-            <a:lstStyle/>
-            <a:p>
-              <a:pPr algn="ctr"/>
-              <a:endParaRPr lang="en-US"/>
-            </a:p>
-          </p:txBody>
-        </p:sp>
-        <p:sp>
-          <p:nvSpPr>
-            <p:cNvPr id="14" name="Rectangle: Rounded Corners 13">
-              <a:extLst>
-                <a:ext uri="{FF2B5EF4-FFF2-40B4-BE49-F238E27FC236}">
-                  <a16:creationId xmlns:a16="http://schemas.microsoft.com/office/drawing/2014/main" id="{90E77706-0032-4762-813C-FEB7546B2C60}"/>
-                </a:ext>
-              </a:extLst>
-            </p:cNvPr>
-            <p:cNvSpPr/>
-            <p:nvPr/>
-          </p:nvSpPr>
-          <p:spPr>
-            <a:xfrm>
-              <a:off x="6643507" y="1189338"/>
-              <a:ext cx="283074" cy="45719"/>
-            </a:xfrm>
-            <a:prstGeom prst="roundRect">
-              <a:avLst>
-                <a:gd name="adj" fmla="val 50000"/>
-              </a:avLst>
-            </a:prstGeom>
-            <a:solidFill>
-              <a:schemeClr val="bg1"/>
-            </a:solidFill>
-            <a:ln>
-              <a:noFill/>
-            </a:ln>
-          </p:spPr>
-          <p:style>
-            <a:lnRef idx="2">
-              <a:schemeClr val="accent1">
-                <a:shade val="50000"/>
-              </a:schemeClr>
-            </a:lnRef>
-            <a:fillRef idx="1">
-              <a:schemeClr val="accent1"/>
-            </a:fillRef>
-            <a:effectRef idx="0">
-              <a:schemeClr val="accent1"/>
-            </a:effectRef>
-            <a:fontRef idx="minor">
-              <a:schemeClr val="lt1"/>
-            </a:fontRef>
-          </p:style>
-          <p:txBody>
-            <a:bodyPr rtlCol="0" anchor="ctr"/>
-            <a:lstStyle/>
-            <a:p>
-              <a:pPr algn="ctr"/>
-              <a:endParaRPr lang="en-US"/>
-            </a:p>
-          </p:txBody>
-        </p:sp>
-        <p:sp>
-          <p:nvSpPr>
-            <p:cNvPr id="20" name="Rectangle: Rounded Corners 19">
-              <a:extLst>
-                <a:ext uri="{FF2B5EF4-FFF2-40B4-BE49-F238E27FC236}">
-                  <a16:creationId xmlns:a16="http://schemas.microsoft.com/office/drawing/2014/main" id="{01CA6B35-7149-4503-B2AB-5AAFC3F0AA3A}"/>
-                </a:ext>
-              </a:extLst>
-            </p:cNvPr>
-            <p:cNvSpPr/>
-            <p:nvPr/>
-          </p:nvSpPr>
-          <p:spPr>
-            <a:xfrm>
-              <a:off x="6643507" y="1280006"/>
-              <a:ext cx="283074" cy="45719"/>
-            </a:xfrm>
-            <a:prstGeom prst="roundRect">
-              <a:avLst>
-                <a:gd name="adj" fmla="val 50000"/>
-              </a:avLst>
-            </a:prstGeom>
-            <a:solidFill>
-              <a:schemeClr val="bg1"/>
-            </a:solidFill>
-            <a:ln>
-              <a:noFill/>
-            </a:ln>
-          </p:spPr>
-          <p:style>
-            <a:lnRef idx="2">
-              <a:schemeClr val="accent1">
-                <a:shade val="50000"/>
-              </a:schemeClr>
-            </a:lnRef>
-            <a:fillRef idx="1">
-              <a:schemeClr val="accent1"/>
-            </a:fillRef>
-            <a:effectRef idx="0">
-              <a:schemeClr val="accent1"/>
-            </a:effectRef>
-            <a:fontRef idx="minor">
-              <a:schemeClr val="lt1"/>
-            </a:fontRef>
-          </p:style>
-          <p:txBody>
-            <a:bodyPr rtlCol="0" anchor="ctr"/>
-            <a:lstStyle/>
-            <a:p>
-              <a:pPr algn="ctr"/>
-              <a:endParaRPr lang="en-US"/>
-            </a:p>
-          </p:txBody>
-        </p:sp>
-      </p:grpSp>
-      <p:sp>
-        <p:nvSpPr>
-          <p:cNvPr id="6" name="Rectangle 5">
-            <a:extLst>
-              <a:ext uri="{FF2B5EF4-FFF2-40B4-BE49-F238E27FC236}">
-                <a16:creationId xmlns:a16="http://schemas.microsoft.com/office/drawing/2014/main" id="{19C4D191-882D-45E8-9C15-2FB403D1BF48}"/>
-              </a:ext>
-            </a:extLst>
-          </p:cNvPr>
-          <p:cNvSpPr/>
-          <p:nvPr/>
-        </p:nvSpPr>
-        <p:spPr>
-          <a:xfrm>
-            <a:off x="4684935" y="1112138"/>
-            <a:ext cx="1069525" cy="369332"/>
-          </a:xfrm>
-          <a:prstGeom prst="rect">
-            <a:avLst/>
-          </a:prstGeom>
-          <a:noFill/>
-        </p:spPr>
-        <p:txBody>
-          <a:bodyPr wrap="none" lIns="91440" tIns="45720" rIns="91440" bIns="45720">
-            <a:spAutoFit/>
-          </a:bodyPr>
-          <a:lstStyle/>
-          <a:p>
-            <a:pPr algn="ctr"/>
-            <a:r>
-              <a:rPr lang="en-US" b="0" cap="none" spc="0" dirty="0">
-                <a:ln w="0"/>
-                <a:solidFill>
-                  <a:schemeClr val="bg1"/>
-                </a:solidFill>
-                <a:effectLst>
-                  <a:outerShdw blurRad="38100" dist="25400" dir="5400000" algn="ctr" rotWithShape="0">
-                    <a:srgbClr val="6E747A">
-                      <a:alpha val="43000"/>
-                    </a:srgbClr>
-                  </a:outerShdw>
-                </a:effectLst>
-                <a:latin typeface="Arial Rounded MT Bold" panose="020F0704030504030204" pitchFamily="34" charset="0"/>
-              </a:rPr>
-              <a:t>S h o u t</a:t>
-            </a:r>
-          </a:p>
-        </p:txBody>
-      </p:sp>
-      <p:cxnSp>
-        <p:nvCxnSpPr>
-          <p:cNvPr id="3" name="Straight Connector 2">
-            <a:extLst>
-              <a:ext uri="{FF2B5EF4-FFF2-40B4-BE49-F238E27FC236}">
-                <a16:creationId xmlns:a16="http://schemas.microsoft.com/office/drawing/2014/main" id="{F82738D2-1321-4A1C-8BC5-8F5BB517890D}"/>
-              </a:ext>
-            </a:extLst>
-          </p:cNvPr>
-          <p:cNvCxnSpPr/>
-          <p:nvPr/>
-        </p:nvCxnSpPr>
-        <p:spPr>
-          <a:xfrm>
-            <a:off x="4792093" y="0"/>
-            <a:ext cx="0" cy="6035040"/>
-          </a:xfrm>
-          <a:prstGeom prst="line">
-            <a:avLst/>
-          </a:prstGeom>
-        </p:spPr>
-        <p:style>
-          <a:lnRef idx="1">
-            <a:schemeClr val="accent1"/>
-          </a:lnRef>
-          <a:fillRef idx="0">
-            <a:schemeClr val="accent1"/>
-          </a:fillRef>
-          <a:effectRef idx="0">
-            <a:schemeClr val="accent1"/>
-          </a:effectRef>
-          <a:fontRef idx="minor">
-            <a:schemeClr val="tx1"/>
-          </a:fontRef>
-        </p:style>
-      </p:cxnSp>
-      <p:cxnSp>
-        <p:nvCxnSpPr>
-          <p:cNvPr id="28" name="Straight Connector 27">
-            <a:extLst>
-              <a:ext uri="{FF2B5EF4-FFF2-40B4-BE49-F238E27FC236}">
-                <a16:creationId xmlns:a16="http://schemas.microsoft.com/office/drawing/2014/main" id="{097CC390-6BF0-4611-9B5D-2EDD081AAB38}"/>
-              </a:ext>
-            </a:extLst>
-          </p:cNvPr>
-          <p:cNvCxnSpPr/>
-          <p:nvPr/>
-        </p:nvCxnSpPr>
-        <p:spPr>
-          <a:xfrm>
-            <a:off x="7118733" y="152400"/>
-            <a:ext cx="0" cy="6035040"/>
-          </a:xfrm>
-          <a:prstGeom prst="line">
-            <a:avLst/>
-          </a:prstGeom>
-        </p:spPr>
-        <p:style>
-          <a:lnRef idx="1">
-            <a:schemeClr val="accent1"/>
-          </a:lnRef>
-          <a:fillRef idx="0">
-            <a:schemeClr val="accent1"/>
-          </a:fillRef>
-          <a:effectRef idx="0">
-            <a:schemeClr val="accent1"/>
-          </a:effectRef>
-          <a:fontRef idx="minor">
-            <a:schemeClr val="tx1"/>
-          </a:fontRef>
-        </p:style>
-      </p:cxnSp>
-      <p:sp>
-        <p:nvSpPr>
-          <p:cNvPr id="32" name="Rectangle: Rounded Corners 31">
-            <a:extLst>
-              <a:ext uri="{FF2B5EF4-FFF2-40B4-BE49-F238E27FC236}">
-                <a16:creationId xmlns:a16="http://schemas.microsoft.com/office/drawing/2014/main" id="{71445B64-7955-486A-8029-573779865766}"/>
-              </a:ext>
-            </a:extLst>
-          </p:cNvPr>
-          <p:cNvSpPr/>
-          <p:nvPr/>
-        </p:nvSpPr>
-        <p:spPr>
-          <a:xfrm>
-            <a:off x="4792093" y="2789419"/>
-            <a:ext cx="2331867" cy="586214"/>
-          </a:xfrm>
-          <a:prstGeom prst="roundRect">
-            <a:avLst>
-              <a:gd name="adj" fmla="val 27252"/>
-            </a:avLst>
-          </a:prstGeom>
-          <a:gradFill flip="none" rotWithShape="1">
-            <a:gsLst>
-              <a:gs pos="0">
-                <a:srgbClr val="D93931"/>
-              </a:gs>
-              <a:gs pos="100000">
-                <a:srgbClr val="E1645E"/>
-              </a:gs>
-            </a:gsLst>
-            <a:lin ang="0" scaled="1"/>
-            <a:tileRect/>
-          </a:gradFill>
-          <a:ln>
-            <a:noFill/>
-          </a:ln>
-          <a:effectLst>
-            <a:outerShdw blurRad="304800" dist="165100" dir="480000" sx="77000" sy="77000" algn="ctr" rotWithShape="0">
-              <a:schemeClr val="bg1">
-                <a:alpha val="86000"/>
-              </a:schemeClr>
-            </a:outerShdw>
-          </a:effectLst>
-        </p:spPr>
-        <p:style>
-          <a:lnRef idx="2">
-            <a:schemeClr val="accent1">
-              <a:shade val="50000"/>
-            </a:schemeClr>
-          </a:lnRef>
-          <a:fillRef idx="1">
-            <a:schemeClr val="accent1"/>
-          </a:fillRef>
-          <a:effectRef idx="0">
-            <a:schemeClr val="accent1"/>
-          </a:effectRef>
-          <a:fontRef idx="minor">
-            <a:schemeClr val="lt1"/>
-          </a:fontRef>
-        </p:style>
-        <p:txBody>
-          <a:bodyPr rtlCol="0" anchor="ctr"/>
-          <a:lstStyle/>
-          <a:p>
-            <a:pPr algn="ctr"/>
-            <a:endParaRPr lang="en-US"/>
-          </a:p>
-        </p:txBody>
-      </p:sp>
-      <p:sp>
-        <p:nvSpPr>
-          <p:cNvPr id="35" name="Rectangle: Rounded Corners 34">
-            <a:extLst>
-              <a:ext uri="{FF2B5EF4-FFF2-40B4-BE49-F238E27FC236}">
-                <a16:creationId xmlns:a16="http://schemas.microsoft.com/office/drawing/2014/main" id="{88FF88F5-4FC0-4782-A7C4-0D7581835E71}"/>
-              </a:ext>
-            </a:extLst>
-          </p:cNvPr>
-          <p:cNvSpPr/>
-          <p:nvPr/>
-        </p:nvSpPr>
-        <p:spPr>
-          <a:xfrm>
-            <a:off x="4792093" y="3457371"/>
-            <a:ext cx="2331867" cy="586214"/>
-          </a:xfrm>
-          <a:prstGeom prst="roundRect">
-            <a:avLst>
-              <a:gd name="adj" fmla="val 27252"/>
-            </a:avLst>
-          </a:prstGeom>
-          <a:gradFill flip="none" rotWithShape="1">
-            <a:gsLst>
-              <a:gs pos="0">
-                <a:srgbClr val="D93931"/>
-              </a:gs>
-              <a:gs pos="100000">
-                <a:srgbClr val="E1645E"/>
-              </a:gs>
-            </a:gsLst>
-            <a:lin ang="0" scaled="1"/>
-            <a:tileRect/>
-          </a:gradFill>
-          <a:ln>
-            <a:noFill/>
-          </a:ln>
-          <a:effectLst>
-            <a:outerShdw blurRad="304800" dist="165100" dir="480000" sx="77000" sy="77000" algn="ctr" rotWithShape="0">
-              <a:schemeClr val="bg1">
-                <a:alpha val="86000"/>
-              </a:schemeClr>
-            </a:outerShdw>
-          </a:effectLst>
-        </p:spPr>
-        <p:style>
-          <a:lnRef idx="2">
-            <a:schemeClr val="accent1">
-              <a:shade val="50000"/>
-            </a:schemeClr>
-          </a:lnRef>
-          <a:fillRef idx="1">
-            <a:schemeClr val="accent1"/>
-          </a:fillRef>
-          <a:effectRef idx="0">
-            <a:schemeClr val="accent1"/>
-          </a:effectRef>
-          <a:fontRef idx="minor">
-            <a:schemeClr val="lt1"/>
-          </a:fontRef>
-        </p:style>
-        <p:txBody>
-          <a:bodyPr rtlCol="0" anchor="ctr"/>
-          <a:lstStyle/>
-          <a:p>
-            <a:pPr algn="ctr"/>
-            <a:endParaRPr lang="en-US"/>
-          </a:p>
-        </p:txBody>
-      </p:sp>
-      <p:sp>
-        <p:nvSpPr>
-          <p:cNvPr id="34" name="Rectangle: Rounded Corners 33">
-            <a:extLst>
-              <a:ext uri="{FF2B5EF4-FFF2-40B4-BE49-F238E27FC236}">
-                <a16:creationId xmlns:a16="http://schemas.microsoft.com/office/drawing/2014/main" id="{D3D30DC0-95AA-4692-8FC8-CF63BF60F298}"/>
-              </a:ext>
-            </a:extLst>
-          </p:cNvPr>
-          <p:cNvSpPr/>
-          <p:nvPr/>
-        </p:nvSpPr>
-        <p:spPr>
-          <a:xfrm>
-            <a:off x="4792093" y="2121467"/>
-            <a:ext cx="2331867" cy="586214"/>
-          </a:xfrm>
-          <a:prstGeom prst="roundRect">
-            <a:avLst>
-              <a:gd name="adj" fmla="val 27252"/>
-            </a:avLst>
-          </a:prstGeom>
-          <a:gradFill flip="none" rotWithShape="1">
-            <a:gsLst>
-              <a:gs pos="0">
-                <a:srgbClr val="D93931"/>
-              </a:gs>
-              <a:gs pos="100000">
-                <a:srgbClr val="E1645E"/>
-              </a:gs>
-            </a:gsLst>
-            <a:lin ang="0" scaled="1"/>
-            <a:tileRect/>
-          </a:gradFill>
-          <a:ln>
-            <a:noFill/>
-          </a:ln>
-          <a:effectLst>
-            <a:outerShdw blurRad="304800" dist="165100" dir="480000" sx="77000" sy="77000" algn="ctr" rotWithShape="0">
-              <a:schemeClr val="bg1">
-                <a:alpha val="86000"/>
-              </a:schemeClr>
-            </a:outerShdw>
-          </a:effectLst>
-        </p:spPr>
-        <p:style>
-          <a:lnRef idx="2">
-            <a:schemeClr val="accent1">
-              <a:shade val="50000"/>
-            </a:schemeClr>
-          </a:lnRef>
-          <a:fillRef idx="1">
-            <a:schemeClr val="accent1"/>
-          </a:fillRef>
-          <a:effectRef idx="0">
-            <a:schemeClr val="accent1"/>
-          </a:effectRef>
-          <a:fontRef idx="minor">
-            <a:schemeClr val="lt1"/>
-          </a:fontRef>
-        </p:style>
-        <p:txBody>
-          <a:bodyPr rtlCol="0" anchor="ctr"/>
-          <a:lstStyle/>
-          <a:p>
-            <a:pPr algn="ctr"/>
-            <a:endParaRPr lang="en-US"/>
-          </a:p>
-        </p:txBody>
-      </p:sp>
-      <p:sp>
-        <p:nvSpPr>
-          <p:cNvPr id="30" name="Freeform: Shape 29">
-            <a:extLst>
-              <a:ext uri="{FF2B5EF4-FFF2-40B4-BE49-F238E27FC236}">
-                <a16:creationId xmlns:a16="http://schemas.microsoft.com/office/drawing/2014/main" id="{BF230626-6AA9-420E-95ED-8966DBC152D9}"/>
-              </a:ext>
-            </a:extLst>
-          </p:cNvPr>
-          <p:cNvSpPr/>
-          <p:nvPr/>
-        </p:nvSpPr>
-        <p:spPr>
-          <a:xfrm>
-            <a:off x="5578796" y="2122741"/>
-            <a:ext cx="1542794" cy="586214"/>
-          </a:xfrm>
-          <a:custGeom>
-            <a:avLst/>
-            <a:gdLst>
-              <a:gd name="connsiteX0" fmla="*/ 1173480 w 1542794"/>
-              <a:gd name="connsiteY0" fmla="*/ 0 h 586214"/>
-              <a:gd name="connsiteX1" fmla="*/ 1393982 w 1542794"/>
-              <a:gd name="connsiteY1" fmla="*/ 0 h 586214"/>
-              <a:gd name="connsiteX2" fmla="*/ 1541183 w 1542794"/>
-              <a:gd name="connsiteY2" fmla="*/ 97571 h 586214"/>
-              <a:gd name="connsiteX3" fmla="*/ 1542794 w 1542794"/>
-              <a:gd name="connsiteY3" fmla="*/ 105553 h 586214"/>
-              <a:gd name="connsiteX4" fmla="*/ 1542794 w 1542794"/>
-              <a:gd name="connsiteY4" fmla="*/ 480661 h 586214"/>
-              <a:gd name="connsiteX5" fmla="*/ 1541183 w 1542794"/>
-              <a:gd name="connsiteY5" fmla="*/ 488643 h 586214"/>
-              <a:gd name="connsiteX6" fmla="*/ 1393982 w 1542794"/>
-              <a:gd name="connsiteY6" fmla="*/ 586214 h 586214"/>
-              <a:gd name="connsiteX7" fmla="*/ 0 w 1542794"/>
-              <a:gd name="connsiteY7" fmla="*/ 586214 h 586214"/>
-            </a:gdLst>
-            <a:ahLst/>
-            <a:cxnLst>
-              <a:cxn ang="0">
-                <a:pos x="connsiteX0" y="connsiteY0"/>
-              </a:cxn>
-              <a:cxn ang="0">
-                <a:pos x="connsiteX1" y="connsiteY1"/>
-              </a:cxn>
-              <a:cxn ang="0">
-                <a:pos x="connsiteX2" y="connsiteY2"/>
-              </a:cxn>
-              <a:cxn ang="0">
-                <a:pos x="connsiteX3" y="connsiteY3"/>
-              </a:cxn>
-              <a:cxn ang="0">
-                <a:pos x="connsiteX4" y="connsiteY4"/>
-              </a:cxn>
-              <a:cxn ang="0">
-                <a:pos x="connsiteX5" y="connsiteY5"/>
-              </a:cxn>
-              <a:cxn ang="0">
-                <a:pos x="connsiteX6" y="connsiteY6"/>
-              </a:cxn>
-              <a:cxn ang="0">
-                <a:pos x="connsiteX7" y="connsiteY7"/>
-              </a:cxn>
-            </a:cxnLst>
-            <a:rect l="l" t="t" r="r" b="b"/>
-            <a:pathLst>
-              <a:path w="1542794" h="586214">
-                <a:moveTo>
-                  <a:pt x="1173480" y="0"/>
-                </a:moveTo>
-                <a:lnTo>
-                  <a:pt x="1393982" y="0"/>
-                </a:lnTo>
-                <a:cubicBezTo>
-                  <a:pt x="1460155" y="0"/>
-                  <a:pt x="1516931" y="40233"/>
-                  <a:pt x="1541183" y="97571"/>
-                </a:cubicBezTo>
-                <a:lnTo>
-                  <a:pt x="1542794" y="105553"/>
-                </a:lnTo>
-                <a:lnTo>
-                  <a:pt x="1542794" y="480661"/>
-                </a:lnTo>
-                <a:lnTo>
-                  <a:pt x="1541183" y="488643"/>
-                </a:lnTo>
-                <a:cubicBezTo>
-                  <a:pt x="1516931" y="545981"/>
-                  <a:pt x="1460155" y="586214"/>
-                  <a:pt x="1393982" y="586214"/>
-                </a:cubicBezTo>
-                <a:lnTo>
-                  <a:pt x="0" y="586214"/>
-                </a:lnTo>
-                <a:close/>
-              </a:path>
-            </a:pathLst>
-          </a:custGeom>
-          <a:solidFill>
-            <a:srgbClr val="FFFFFF">
-              <a:alpha val="5098"/>
-            </a:srgbClr>
-          </a:solidFill>
-          <a:ln>
-            <a:noFill/>
-          </a:ln>
-        </p:spPr>
-        <p:style>
-          <a:lnRef idx="2">
-            <a:schemeClr val="accent1">
-              <a:shade val="50000"/>
-            </a:schemeClr>
-          </a:lnRef>
-          <a:fillRef idx="1">
-            <a:schemeClr val="accent1"/>
-          </a:fillRef>
-          <a:effectRef idx="0">
-            <a:schemeClr val="accent1"/>
-          </a:effectRef>
-          <a:fontRef idx="minor">
-            <a:schemeClr val="lt1"/>
-          </a:fontRef>
-        </p:style>
-        <p:txBody>
-          <a:bodyPr rtlCol="0" anchor="ctr"/>
-          <a:lstStyle/>
-          <a:p>
-            <a:pPr algn="ctr"/>
-            <a:endParaRPr lang="en-US"/>
-          </a:p>
-        </p:txBody>
-      </p:sp>
-      <p:sp>
-        <p:nvSpPr>
-          <p:cNvPr id="43" name="Freeform: Shape 42">
-            <a:extLst>
-              <a:ext uri="{FF2B5EF4-FFF2-40B4-BE49-F238E27FC236}">
-                <a16:creationId xmlns:a16="http://schemas.microsoft.com/office/drawing/2014/main" id="{CBFE791D-EE7E-4F42-B698-DC34DAAC2B30}"/>
-              </a:ext>
-            </a:extLst>
-          </p:cNvPr>
-          <p:cNvSpPr/>
-          <p:nvPr/>
-        </p:nvSpPr>
-        <p:spPr>
-          <a:xfrm>
-            <a:off x="5578176" y="2791324"/>
-            <a:ext cx="1542794" cy="586214"/>
-          </a:xfrm>
-          <a:custGeom>
-            <a:avLst/>
-            <a:gdLst>
-              <a:gd name="connsiteX0" fmla="*/ 1173480 w 1542794"/>
-              <a:gd name="connsiteY0" fmla="*/ 0 h 586214"/>
-              <a:gd name="connsiteX1" fmla="*/ 1393982 w 1542794"/>
-              <a:gd name="connsiteY1" fmla="*/ 0 h 586214"/>
-              <a:gd name="connsiteX2" fmla="*/ 1541183 w 1542794"/>
-              <a:gd name="connsiteY2" fmla="*/ 97571 h 586214"/>
-              <a:gd name="connsiteX3" fmla="*/ 1542794 w 1542794"/>
-              <a:gd name="connsiteY3" fmla="*/ 105553 h 586214"/>
-              <a:gd name="connsiteX4" fmla="*/ 1542794 w 1542794"/>
-              <a:gd name="connsiteY4" fmla="*/ 480661 h 586214"/>
-              <a:gd name="connsiteX5" fmla="*/ 1541183 w 1542794"/>
-              <a:gd name="connsiteY5" fmla="*/ 488643 h 586214"/>
-              <a:gd name="connsiteX6" fmla="*/ 1393982 w 1542794"/>
-              <a:gd name="connsiteY6" fmla="*/ 586214 h 586214"/>
-              <a:gd name="connsiteX7" fmla="*/ 0 w 1542794"/>
-              <a:gd name="connsiteY7" fmla="*/ 586214 h 586214"/>
-            </a:gdLst>
-            <a:ahLst/>
-            <a:cxnLst>
-              <a:cxn ang="0">
-                <a:pos x="connsiteX0" y="connsiteY0"/>
-              </a:cxn>
-              <a:cxn ang="0">
-                <a:pos x="connsiteX1" y="connsiteY1"/>
-              </a:cxn>
-              <a:cxn ang="0">
-                <a:pos x="connsiteX2" y="connsiteY2"/>
-              </a:cxn>
-              <a:cxn ang="0">
-                <a:pos x="connsiteX3" y="connsiteY3"/>
-              </a:cxn>
-              <a:cxn ang="0">
-                <a:pos x="connsiteX4" y="connsiteY4"/>
-              </a:cxn>
-              <a:cxn ang="0">
-                <a:pos x="connsiteX5" y="connsiteY5"/>
-              </a:cxn>
-              <a:cxn ang="0">
-                <a:pos x="connsiteX6" y="connsiteY6"/>
-              </a:cxn>
-              <a:cxn ang="0">
-                <a:pos x="connsiteX7" y="connsiteY7"/>
-              </a:cxn>
-            </a:cxnLst>
-            <a:rect l="l" t="t" r="r" b="b"/>
-            <a:pathLst>
-              <a:path w="1542794" h="586214">
-                <a:moveTo>
-                  <a:pt x="1173480" y="0"/>
-                </a:moveTo>
-                <a:lnTo>
-                  <a:pt x="1393982" y="0"/>
-                </a:lnTo>
-                <a:cubicBezTo>
-                  <a:pt x="1460155" y="0"/>
-                  <a:pt x="1516931" y="40233"/>
-                  <a:pt x="1541183" y="97571"/>
-                </a:cubicBezTo>
-                <a:lnTo>
-                  <a:pt x="1542794" y="105553"/>
-                </a:lnTo>
-                <a:lnTo>
-                  <a:pt x="1542794" y="480661"/>
-                </a:lnTo>
-                <a:lnTo>
-                  <a:pt x="1541183" y="488643"/>
-                </a:lnTo>
-                <a:cubicBezTo>
-                  <a:pt x="1516931" y="545981"/>
-                  <a:pt x="1460155" y="586214"/>
-                  <a:pt x="1393982" y="586214"/>
-                </a:cubicBezTo>
-                <a:lnTo>
-                  <a:pt x="0" y="586214"/>
-                </a:lnTo>
-                <a:close/>
-              </a:path>
-            </a:pathLst>
-          </a:custGeom>
-          <a:solidFill>
-            <a:srgbClr val="FFFFFF">
-              <a:alpha val="5098"/>
-            </a:srgbClr>
-          </a:solidFill>
-          <a:ln>
-            <a:noFill/>
-          </a:ln>
-        </p:spPr>
-        <p:style>
-          <a:lnRef idx="2">
-            <a:schemeClr val="accent1">
-              <a:shade val="50000"/>
-            </a:schemeClr>
-          </a:lnRef>
-          <a:fillRef idx="1">
-            <a:schemeClr val="accent1"/>
-          </a:fillRef>
-          <a:effectRef idx="0">
-            <a:schemeClr val="accent1"/>
-          </a:effectRef>
-          <a:fontRef idx="minor">
-            <a:schemeClr val="lt1"/>
-          </a:fontRef>
-        </p:style>
-        <p:txBody>
-          <a:bodyPr rtlCol="0" anchor="ctr"/>
-          <a:lstStyle/>
-          <a:p>
-            <a:pPr algn="ctr"/>
-            <a:endParaRPr lang="en-US"/>
-          </a:p>
-        </p:txBody>
-      </p:sp>
-      <p:sp>
-        <p:nvSpPr>
-          <p:cNvPr id="44" name="Freeform: Shape 43">
-            <a:extLst>
-              <a:ext uri="{FF2B5EF4-FFF2-40B4-BE49-F238E27FC236}">
-                <a16:creationId xmlns:a16="http://schemas.microsoft.com/office/drawing/2014/main" id="{8289F684-779F-4375-ADAA-44443C506488}"/>
-              </a:ext>
-            </a:extLst>
-          </p:cNvPr>
-          <p:cNvSpPr/>
-          <p:nvPr/>
-        </p:nvSpPr>
-        <p:spPr>
-          <a:xfrm>
-            <a:off x="5575651" y="3459907"/>
-            <a:ext cx="1542794" cy="586214"/>
-          </a:xfrm>
-          <a:custGeom>
-            <a:avLst/>
-            <a:gdLst>
-              <a:gd name="connsiteX0" fmla="*/ 1173480 w 1542794"/>
-              <a:gd name="connsiteY0" fmla="*/ 0 h 586214"/>
-              <a:gd name="connsiteX1" fmla="*/ 1393982 w 1542794"/>
-              <a:gd name="connsiteY1" fmla="*/ 0 h 586214"/>
-              <a:gd name="connsiteX2" fmla="*/ 1541183 w 1542794"/>
-              <a:gd name="connsiteY2" fmla="*/ 97571 h 586214"/>
-              <a:gd name="connsiteX3" fmla="*/ 1542794 w 1542794"/>
-              <a:gd name="connsiteY3" fmla="*/ 105553 h 586214"/>
-              <a:gd name="connsiteX4" fmla="*/ 1542794 w 1542794"/>
-              <a:gd name="connsiteY4" fmla="*/ 480661 h 586214"/>
-              <a:gd name="connsiteX5" fmla="*/ 1541183 w 1542794"/>
-              <a:gd name="connsiteY5" fmla="*/ 488643 h 586214"/>
-              <a:gd name="connsiteX6" fmla="*/ 1393982 w 1542794"/>
-              <a:gd name="connsiteY6" fmla="*/ 586214 h 586214"/>
-              <a:gd name="connsiteX7" fmla="*/ 0 w 1542794"/>
-              <a:gd name="connsiteY7" fmla="*/ 586214 h 586214"/>
-            </a:gdLst>
-            <a:ahLst/>
-            <a:cxnLst>
-              <a:cxn ang="0">
-                <a:pos x="connsiteX0" y="connsiteY0"/>
-              </a:cxn>
-              <a:cxn ang="0">
-                <a:pos x="connsiteX1" y="connsiteY1"/>
-              </a:cxn>
-              <a:cxn ang="0">
-                <a:pos x="connsiteX2" y="connsiteY2"/>
-              </a:cxn>
-              <a:cxn ang="0">
-                <a:pos x="connsiteX3" y="connsiteY3"/>
-              </a:cxn>
-              <a:cxn ang="0">
-                <a:pos x="connsiteX4" y="connsiteY4"/>
-              </a:cxn>
-              <a:cxn ang="0">
-                <a:pos x="connsiteX5" y="connsiteY5"/>
-              </a:cxn>
-              <a:cxn ang="0">
-                <a:pos x="connsiteX6" y="connsiteY6"/>
-              </a:cxn>
-              <a:cxn ang="0">
-                <a:pos x="connsiteX7" y="connsiteY7"/>
-              </a:cxn>
-            </a:cxnLst>
-            <a:rect l="l" t="t" r="r" b="b"/>
-            <a:pathLst>
-              <a:path w="1542794" h="586214">
-                <a:moveTo>
-                  <a:pt x="1173480" y="0"/>
-                </a:moveTo>
-                <a:lnTo>
-                  <a:pt x="1393982" y="0"/>
-                </a:lnTo>
-                <a:cubicBezTo>
-                  <a:pt x="1460155" y="0"/>
-                  <a:pt x="1516931" y="40233"/>
-                  <a:pt x="1541183" y="97571"/>
-                </a:cubicBezTo>
-                <a:lnTo>
-                  <a:pt x="1542794" y="105553"/>
-                </a:lnTo>
-                <a:lnTo>
-                  <a:pt x="1542794" y="480661"/>
-                </a:lnTo>
-                <a:lnTo>
-                  <a:pt x="1541183" y="488643"/>
-                </a:lnTo>
-                <a:cubicBezTo>
-                  <a:pt x="1516931" y="545981"/>
-                  <a:pt x="1460155" y="586214"/>
-                  <a:pt x="1393982" y="586214"/>
-                </a:cubicBezTo>
-                <a:lnTo>
-                  <a:pt x="0" y="586214"/>
-                </a:lnTo>
-                <a:close/>
-              </a:path>
-            </a:pathLst>
-          </a:custGeom>
-          <a:solidFill>
-            <a:srgbClr val="FFFFFF">
-              <a:alpha val="5098"/>
-            </a:srgbClr>
-          </a:solidFill>
-          <a:ln>
-            <a:noFill/>
-          </a:ln>
-        </p:spPr>
-        <p:style>
-          <a:lnRef idx="2">
-            <a:schemeClr val="accent1">
-              <a:shade val="50000"/>
-            </a:schemeClr>
-          </a:lnRef>
-          <a:fillRef idx="1">
-            <a:schemeClr val="accent1"/>
-          </a:fillRef>
-          <a:effectRef idx="0">
-            <a:schemeClr val="accent1"/>
-          </a:effectRef>
-          <a:fontRef idx="minor">
-            <a:schemeClr val="lt1"/>
-          </a:fontRef>
-        </p:style>
-        <p:txBody>
-          <a:bodyPr rtlCol="0" anchor="ctr"/>
-          <a:lstStyle/>
-          <a:p>
-            <a:pPr algn="ctr"/>
-            <a:endParaRPr lang="en-US"/>
-          </a:p>
-        </p:txBody>
-      </p:sp>
-      <p:grpSp>
-        <p:nvGrpSpPr>
-          <p:cNvPr id="45" name="Group 44">
-            <a:extLst>
-              <a:ext uri="{FF2B5EF4-FFF2-40B4-BE49-F238E27FC236}">
-                <a16:creationId xmlns:a16="http://schemas.microsoft.com/office/drawing/2014/main" id="{3AD58302-6B97-490E-BC62-2EEE4C68A8D6}"/>
-              </a:ext>
-            </a:extLst>
-          </p:cNvPr>
-          <p:cNvGrpSpPr/>
-          <p:nvPr/>
-        </p:nvGrpSpPr>
-        <p:grpSpPr>
-          <a:xfrm>
-            <a:off x="5246029" y="2260686"/>
-            <a:ext cx="1423994" cy="307777"/>
-            <a:chOff x="5229162" y="2228521"/>
-            <a:chExt cx="1423994" cy="307777"/>
-          </a:xfrm>
-        </p:grpSpPr>
-        <p:sp>
-          <p:nvSpPr>
-            <p:cNvPr id="46" name="Rectangle 45">
-              <a:extLst>
-                <a:ext uri="{FF2B5EF4-FFF2-40B4-BE49-F238E27FC236}">
-                  <a16:creationId xmlns:a16="http://schemas.microsoft.com/office/drawing/2014/main" id="{A42FB915-ECA4-4F26-BC11-60935BC747BA}"/>
-                </a:ext>
-              </a:extLst>
-            </p:cNvPr>
-            <p:cNvSpPr/>
-            <p:nvPr/>
-          </p:nvSpPr>
-          <p:spPr>
-            <a:xfrm>
-              <a:off x="5498674" y="2228521"/>
-              <a:ext cx="1154482" cy="307777"/>
-            </a:xfrm>
-            <a:prstGeom prst="rect">
-              <a:avLst/>
-            </a:prstGeom>
-            <a:noFill/>
-          </p:spPr>
-          <p:txBody>
-            <a:bodyPr wrap="none" lIns="91440" tIns="45720" rIns="91440" bIns="45720">
-              <a:spAutoFit/>
-            </a:bodyPr>
-            <a:lstStyle/>
-            <a:p>
-              <a:pPr algn="ctr"/>
-              <a:r>
-                <a:rPr lang="en-US" sz="1400" b="1" cap="none" spc="0" dirty="0">
-                  <a:ln w="0"/>
-                  <a:solidFill>
-                    <a:schemeClr val="bg1"/>
-                  </a:solidFill>
-                  <a:latin typeface="Bahnschrift Light" panose="020B0502040204020203" pitchFamily="34" charset="0"/>
-                  <a:ea typeface="Arial Unicode MS" panose="020B0604020202020204" pitchFamily="34" charset="-128"/>
-                  <a:cs typeface="Arial Unicode MS" panose="020B0604020202020204" pitchFamily="34" charset="-128"/>
-                </a:rPr>
-                <a:t>Post a shout</a:t>
-              </a:r>
-            </a:p>
-          </p:txBody>
-        </p:sp>
-        <p:pic>
-          <p:nvPicPr>
-            <p:cNvPr id="47" name="Picture 46">
-              <a:extLst>
-                <a:ext uri="{FF2B5EF4-FFF2-40B4-BE49-F238E27FC236}">
-                  <a16:creationId xmlns:a16="http://schemas.microsoft.com/office/drawing/2014/main" id="{8D98524B-DECD-40C6-8107-E245770E1DC3}"/>
-                </a:ext>
-              </a:extLst>
-            </p:cNvPr>
-            <p:cNvPicPr>
-              <a:picLocks noChangeAspect="1"/>
-            </p:cNvPicPr>
-            <p:nvPr/>
-          </p:nvPicPr>
-          <p:blipFill>
-            <a:blip r:embed="rId2">
-              <a:extLst>
-                <a:ext uri="{BEBA8EAE-BF5A-486C-A8C5-ECC9F3942E4B}">
-                  <a14:imgProps xmlns:a14="http://schemas.microsoft.com/office/drawing/2010/main">
-                    <a14:imgLayer r:embed="rId3">
-                      <a14:imgEffect>
-                        <a14:brightnessContrast bright="100000"/>
-                      </a14:imgEffect>
-                    </a14:imgLayer>
-                  </a14:imgProps>
-                </a:ext>
-                <a:ext uri="{28A0092B-C50C-407E-A947-70E740481C1C}">
-                  <a14:useLocalDpi xmlns:a14="http://schemas.microsoft.com/office/drawing/2010/main" val="0"/>
-                </a:ext>
-              </a:extLst>
-            </a:blip>
-            <a:stretch>
-              <a:fillRect/>
-            </a:stretch>
-          </p:blipFill>
-          <p:spPr>
-            <a:xfrm>
-              <a:off x="5229162" y="2243324"/>
-              <a:ext cx="278171" cy="278171"/>
-            </a:xfrm>
-            <a:prstGeom prst="rect">
-              <a:avLst/>
-            </a:prstGeom>
-          </p:spPr>
-        </p:pic>
-      </p:grpSp>
-      <p:grpSp>
-        <p:nvGrpSpPr>
-          <p:cNvPr id="48" name="Group 47">
-            <a:extLst>
-              <a:ext uri="{FF2B5EF4-FFF2-40B4-BE49-F238E27FC236}">
-                <a16:creationId xmlns:a16="http://schemas.microsoft.com/office/drawing/2014/main" id="{207FBA84-D70A-42CF-A083-7014EC468A13}"/>
-              </a:ext>
-            </a:extLst>
-          </p:cNvPr>
-          <p:cNvGrpSpPr/>
-          <p:nvPr/>
-        </p:nvGrpSpPr>
-        <p:grpSpPr>
-          <a:xfrm>
-            <a:off x="5220684" y="2928638"/>
-            <a:ext cx="1474685" cy="307777"/>
-            <a:chOff x="5220684" y="2928638"/>
-            <a:chExt cx="1474685" cy="307777"/>
-          </a:xfrm>
-        </p:grpSpPr>
-        <p:pic>
-          <p:nvPicPr>
-            <p:cNvPr id="49" name="Picture 48">
-              <a:extLst>
-                <a:ext uri="{FF2B5EF4-FFF2-40B4-BE49-F238E27FC236}">
-                  <a16:creationId xmlns:a16="http://schemas.microsoft.com/office/drawing/2014/main" id="{69D875E1-DC86-4C60-B5F6-32686057453B}"/>
-                </a:ext>
-              </a:extLst>
-            </p:cNvPr>
-            <p:cNvPicPr>
-              <a:picLocks noChangeAspect="1"/>
-            </p:cNvPicPr>
-            <p:nvPr/>
-          </p:nvPicPr>
-          <p:blipFill>
-            <a:blip r:embed="rId4">
-              <a:extLst>
-                <a:ext uri="{BEBA8EAE-BF5A-486C-A8C5-ECC9F3942E4B}">
-                  <a14:imgProps xmlns:a14="http://schemas.microsoft.com/office/drawing/2010/main">
-                    <a14:imgLayer r:embed="rId5">
-                      <a14:imgEffect>
-                        <a14:brightnessContrast bright="100000"/>
-                      </a14:imgEffect>
-                    </a14:imgLayer>
-                  </a14:imgProps>
-                </a:ext>
-                <a:ext uri="{28A0092B-C50C-407E-A947-70E740481C1C}">
-                  <a14:useLocalDpi xmlns:a14="http://schemas.microsoft.com/office/drawing/2010/main" val="0"/>
-                </a:ext>
-              </a:extLst>
-            </a:blip>
-            <a:stretch>
-              <a:fillRect/>
-            </a:stretch>
-          </p:blipFill>
-          <p:spPr>
-            <a:xfrm>
-              <a:off x="5220684" y="2958707"/>
-              <a:ext cx="247638" cy="247638"/>
-            </a:xfrm>
-            <a:prstGeom prst="rect">
-              <a:avLst/>
-            </a:prstGeom>
-          </p:spPr>
-        </p:pic>
-        <p:sp>
-          <p:nvSpPr>
-            <p:cNvPr id="50" name="Rectangle 49">
-              <a:extLst>
-                <a:ext uri="{FF2B5EF4-FFF2-40B4-BE49-F238E27FC236}">
-                  <a16:creationId xmlns:a16="http://schemas.microsoft.com/office/drawing/2014/main" id="{A5C1958E-B295-4F44-BCC9-F7FD6DC09452}"/>
-                </a:ext>
-              </a:extLst>
-            </p:cNvPr>
-            <p:cNvSpPr/>
-            <p:nvPr/>
-          </p:nvSpPr>
-          <p:spPr>
-            <a:xfrm>
-              <a:off x="5446309" y="2928638"/>
-              <a:ext cx="1249060" cy="307777"/>
-            </a:xfrm>
-            <a:prstGeom prst="rect">
-              <a:avLst/>
-            </a:prstGeom>
-            <a:noFill/>
-          </p:spPr>
-          <p:txBody>
-            <a:bodyPr wrap="none" lIns="91440" tIns="45720" rIns="91440" bIns="45720">
-              <a:spAutoFit/>
-            </a:bodyPr>
-            <a:lstStyle/>
-            <a:p>
-              <a:pPr algn="ctr"/>
-              <a:r>
-                <a:rPr lang="en-US" sz="1400" b="1" dirty="0">
-                  <a:ln w="0"/>
-                  <a:solidFill>
-                    <a:schemeClr val="bg1"/>
-                  </a:solidFill>
-                  <a:latin typeface="Bahnschrift Light" panose="020B0502040204020203" pitchFamily="34" charset="0"/>
-                  <a:ea typeface="Arial Unicode MS" panose="020B0604020202020204" pitchFamily="34" charset="-128"/>
-                  <a:cs typeface="Arial Unicode MS" panose="020B0604020202020204" pitchFamily="34" charset="-128"/>
-                </a:rPr>
-                <a:t>Review shout</a:t>
-              </a:r>
-              <a:endParaRPr lang="en-US" sz="1400" b="1" cap="none" spc="0" dirty="0">
-                <a:ln w="0"/>
-                <a:solidFill>
-                  <a:schemeClr val="bg1"/>
-                </a:solidFill>
-                <a:latin typeface="Bahnschrift Light" panose="020B0502040204020203" pitchFamily="34" charset="0"/>
-                <a:ea typeface="Arial Unicode MS" panose="020B0604020202020204" pitchFamily="34" charset="-128"/>
-                <a:cs typeface="Arial Unicode MS" panose="020B0604020202020204" pitchFamily="34" charset="-128"/>
-              </a:endParaRPr>
-            </a:p>
-          </p:txBody>
-        </p:sp>
-      </p:grpSp>
-      <p:grpSp>
-        <p:nvGrpSpPr>
-          <p:cNvPr id="51" name="Group 50">
-            <a:extLst>
-              <a:ext uri="{FF2B5EF4-FFF2-40B4-BE49-F238E27FC236}">
-                <a16:creationId xmlns:a16="http://schemas.microsoft.com/office/drawing/2014/main" id="{625850B0-BC80-4844-BB3C-1ACD31BE4AC6}"/>
-              </a:ext>
-            </a:extLst>
-          </p:cNvPr>
-          <p:cNvGrpSpPr/>
-          <p:nvPr/>
-        </p:nvGrpSpPr>
-        <p:grpSpPr>
-          <a:xfrm>
-            <a:off x="5389973" y="3611994"/>
-            <a:ext cx="1168502" cy="307777"/>
-            <a:chOff x="5410099" y="3584596"/>
-            <a:chExt cx="1168502" cy="307777"/>
-          </a:xfrm>
-        </p:grpSpPr>
-        <p:pic>
-          <p:nvPicPr>
-            <p:cNvPr id="52" name="Picture 51">
-              <a:extLst>
-                <a:ext uri="{FF2B5EF4-FFF2-40B4-BE49-F238E27FC236}">
-                  <a16:creationId xmlns:a16="http://schemas.microsoft.com/office/drawing/2014/main" id="{320A9FA4-4844-442A-A463-E102B4919EEF}"/>
-                </a:ext>
-              </a:extLst>
-            </p:cNvPr>
-            <p:cNvPicPr>
-              <a:picLocks noChangeAspect="1"/>
-            </p:cNvPicPr>
-            <p:nvPr/>
-          </p:nvPicPr>
-          <p:blipFill>
-            <a:blip r:embed="rId6">
-              <a:extLst>
-                <a:ext uri="{BEBA8EAE-BF5A-486C-A8C5-ECC9F3942E4B}">
-                  <a14:imgProps xmlns:a14="http://schemas.microsoft.com/office/drawing/2010/main">
-                    <a14:imgLayer r:embed="rId7">
-                      <a14:imgEffect>
-                        <a14:brightnessContrast bright="100000"/>
-                      </a14:imgEffect>
-                    </a14:imgLayer>
-                  </a14:imgProps>
-                </a:ext>
-                <a:ext uri="{28A0092B-C50C-407E-A947-70E740481C1C}">
-                  <a14:useLocalDpi xmlns:a14="http://schemas.microsoft.com/office/drawing/2010/main" val="0"/>
-                </a:ext>
-              </a:extLst>
-            </a:blip>
-            <a:stretch>
-              <a:fillRect/>
-            </a:stretch>
-          </p:blipFill>
-          <p:spPr>
-            <a:xfrm>
-              <a:off x="5410099" y="3584596"/>
-              <a:ext cx="225004" cy="225004"/>
-            </a:xfrm>
-            <a:prstGeom prst="rect">
-              <a:avLst/>
-            </a:prstGeom>
-          </p:spPr>
-        </p:pic>
-        <p:sp>
-          <p:nvSpPr>
-            <p:cNvPr id="53" name="Rectangle 52">
-              <a:extLst>
-                <a:ext uri="{FF2B5EF4-FFF2-40B4-BE49-F238E27FC236}">
-                  <a16:creationId xmlns:a16="http://schemas.microsoft.com/office/drawing/2014/main" id="{5575CAD3-773A-41C6-B7B6-6C590E889354}"/>
-                </a:ext>
-              </a:extLst>
-            </p:cNvPr>
-            <p:cNvSpPr/>
-            <p:nvPr/>
-          </p:nvSpPr>
-          <p:spPr>
-            <a:xfrm>
-              <a:off x="5643730" y="3584596"/>
-              <a:ext cx="934871" cy="307777"/>
-            </a:xfrm>
-            <a:prstGeom prst="rect">
-              <a:avLst/>
-            </a:prstGeom>
-            <a:noFill/>
-          </p:spPr>
-          <p:txBody>
-            <a:bodyPr wrap="none" lIns="91440" tIns="45720" rIns="91440" bIns="45720">
-              <a:spAutoFit/>
-            </a:bodyPr>
-            <a:lstStyle/>
-            <a:p>
-              <a:pPr algn="ctr"/>
-              <a:r>
-                <a:rPr lang="en-US" sz="1400" b="1" dirty="0">
-                  <a:ln w="0"/>
-                  <a:solidFill>
-                    <a:schemeClr val="bg1"/>
-                  </a:solidFill>
-                  <a:latin typeface="Bahnschrift Light" panose="020B0502040204020203" pitchFamily="34" charset="0"/>
-                  <a:ea typeface="Arial Unicode MS" panose="020B0604020202020204" pitchFamily="34" charset="-128"/>
-                  <a:cs typeface="Arial Unicode MS" panose="020B0604020202020204" pitchFamily="34" charset="-128"/>
-                </a:rPr>
-                <a:t>Statistics</a:t>
-              </a:r>
-              <a:endParaRPr lang="en-US" sz="1400" b="1" cap="none" spc="0" dirty="0">
-                <a:ln w="0"/>
-                <a:solidFill>
-                  <a:schemeClr val="bg1"/>
-                </a:solidFill>
-                <a:latin typeface="Bahnschrift Light" panose="020B0502040204020203" pitchFamily="34" charset="0"/>
-                <a:ea typeface="Arial Unicode MS" panose="020B0604020202020204" pitchFamily="34" charset="-128"/>
-                <a:cs typeface="Arial Unicode MS" panose="020B0604020202020204" pitchFamily="34" charset="-128"/>
-              </a:endParaRPr>
-            </a:p>
-          </p:txBody>
-        </p:sp>
-      </p:grpSp>
-    </p:spTree>
-    <p:extLst>
-      <p:ext uri="{BB962C8B-B14F-4D97-AF65-F5344CB8AC3E}">
-        <p14:creationId xmlns:p14="http://schemas.microsoft.com/office/powerpoint/2010/main" val="130262161"/>
-      </p:ext>
-    </p:extLst>
-  </p:cSld>
-  <p:clrMapOvr>
-    <a:masterClrMapping/>
-  </p:clrMapOvr>
-</p:sld>
-</file>
-
-<file path=ppt/slides/slide6.xml><?xml version="1.0" encoding="utf-8"?>
-<p:sld xmlns:a="http://schemas.openxmlformats.org/drawingml/2006/main" xmlns:r="http://schemas.openxmlformats.org/officeDocument/2006/relationships" xmlns:p="http://schemas.openxmlformats.org/presentationml/2006/main">
-  <p:cSld>
-    <p:bg>
-      <p:bgPr>
-        <a:solidFill>
-          <a:schemeClr val="bg1">
-            <a:lumMod val="85000"/>
-          </a:schemeClr>
-        </a:solidFill>
-        <a:effectLst/>
-      </p:bgPr>
-    </p:bg>
-    <p:spTree>
-      <p:nvGrpSpPr>
-        <p:cNvPr id="1" name=""/>
-        <p:cNvGrpSpPr/>
-        <p:nvPr/>
-      </p:nvGrpSpPr>
-      <p:grpSpPr>
-        <a:xfrm>
-          <a:off x="0" y="0"/>
-          <a:ext cx="0" cy="0"/>
-          <a:chOff x="0" y="0"/>
-          <a:chExt cx="0" cy="0"/>
-        </a:xfrm>
-      </p:grpSpPr>
-      <p:grpSp>
-        <p:nvGrpSpPr>
-          <p:cNvPr id="15" name="Group 14">
-            <a:extLst>
-              <a:ext uri="{FF2B5EF4-FFF2-40B4-BE49-F238E27FC236}">
-                <a16:creationId xmlns:a16="http://schemas.microsoft.com/office/drawing/2014/main" id="{533944E2-2586-425A-B77A-55384999AB49}"/>
-              </a:ext>
-            </a:extLst>
-          </p:cNvPr>
-          <p:cNvGrpSpPr/>
-          <p:nvPr/>
-        </p:nvGrpSpPr>
-        <p:grpSpPr>
-          <a:xfrm>
-            <a:off x="4584040" y="701831"/>
-            <a:ext cx="2742258" cy="1304522"/>
-            <a:chOff x="4584040" y="701831"/>
-            <a:chExt cx="2742258" cy="1304522"/>
-          </a:xfrm>
-        </p:grpSpPr>
-        <p:sp>
-          <p:nvSpPr>
-            <p:cNvPr id="16" name="Freeform: Shape 15">
-              <a:extLst>
-                <a:ext uri="{FF2B5EF4-FFF2-40B4-BE49-F238E27FC236}">
-                  <a16:creationId xmlns:a16="http://schemas.microsoft.com/office/drawing/2014/main" id="{E7188DB1-46ED-4C37-AB82-D17E11B4AC31}"/>
-                </a:ext>
-              </a:extLst>
-            </p:cNvPr>
-            <p:cNvSpPr/>
-            <p:nvPr/>
-          </p:nvSpPr>
-          <p:spPr>
-            <a:xfrm>
-              <a:off x="4589756" y="701831"/>
-              <a:ext cx="2725444" cy="1304522"/>
+              <a:off x="4588639" y="3632325"/>
+              <a:ext cx="2119924" cy="2930494"/>
             </a:xfrm>
             <a:custGeom>
               <a:avLst/>
               <a:gdLst>
-                <a:gd name="connsiteX0" fmla="*/ 331768 w 2725444"/>
-                <a:gd name="connsiteY0" fmla="*/ 0 h 1304522"/>
-                <a:gd name="connsiteX1" fmla="*/ 2393676 w 2725444"/>
-                <a:gd name="connsiteY1" fmla="*/ 0 h 1304522"/>
-                <a:gd name="connsiteX2" fmla="*/ 2725444 w 2725444"/>
-                <a:gd name="connsiteY2" fmla="*/ 331768 h 1304522"/>
-                <a:gd name="connsiteX3" fmla="*/ 2725444 w 2725444"/>
-                <a:gd name="connsiteY3" fmla="*/ 974843 h 1304522"/>
-                <a:gd name="connsiteX4" fmla="*/ 2593773 w 2725444"/>
-                <a:gd name="connsiteY4" fmla="*/ 1045093 h 1304522"/>
-                <a:gd name="connsiteX5" fmla="*/ 1362722 w 2725444"/>
-                <a:gd name="connsiteY5" fmla="*/ 1304522 h 1304522"/>
-                <a:gd name="connsiteX6" fmla="*/ 131672 w 2725444"/>
-                <a:gd name="connsiteY6" fmla="*/ 1045093 h 1304522"/>
-                <a:gd name="connsiteX7" fmla="*/ 0 w 2725444"/>
-                <a:gd name="connsiteY7" fmla="*/ 974843 h 1304522"/>
-                <a:gd name="connsiteX8" fmla="*/ 0 w 2725444"/>
-                <a:gd name="connsiteY8" fmla="*/ 331768 h 1304522"/>
-                <a:gd name="connsiteX9" fmla="*/ 331768 w 2725444"/>
-                <a:gd name="connsiteY9" fmla="*/ 0 h 1304522"/>
+                <a:gd name="connsiteX0" fmla="*/ 569879 w 2119924"/>
+                <a:gd name="connsiteY0" fmla="*/ 0 h 2930494"/>
+                <a:gd name="connsiteX1" fmla="*/ 1950868 w 2119924"/>
+                <a:gd name="connsiteY1" fmla="*/ 2676071 h 2930494"/>
+                <a:gd name="connsiteX2" fmla="*/ 2119924 w 2119924"/>
+                <a:gd name="connsiteY2" fmla="*/ 2930494 h 2930494"/>
+                <a:gd name="connsiteX3" fmla="*/ 331768 w 2119924"/>
+                <a:gd name="connsiteY3" fmla="*/ 2930494 h 2930494"/>
+                <a:gd name="connsiteX4" fmla="*/ 0 w 2119924"/>
+                <a:gd name="connsiteY4" fmla="*/ 2598726 h 2930494"/>
+                <a:gd name="connsiteX5" fmla="*/ 0 w 2119924"/>
+                <a:gd name="connsiteY5" fmla="*/ 666944 h 2930494"/>
+                <a:gd name="connsiteX6" fmla="*/ 569879 w 2119924"/>
+                <a:gd name="connsiteY6" fmla="*/ 0 h 2930494"/>
               </a:gdLst>
               <a:ahLst/>
               <a:cxnLst>
@@ -6810,215 +5320,36 @@
                 <a:cxn ang="0">
                   <a:pos x="connsiteX6" y="connsiteY6"/>
                 </a:cxn>
-                <a:cxn ang="0">
-                  <a:pos x="connsiteX7" y="connsiteY7"/>
-                </a:cxn>
-                <a:cxn ang="0">
-                  <a:pos x="connsiteX8" y="connsiteY8"/>
-                </a:cxn>
-                <a:cxn ang="0">
-                  <a:pos x="connsiteX9" y="connsiteY9"/>
-                </a:cxn>
               </a:cxnLst>
               <a:rect l="l" t="t" r="r" b="b"/>
               <a:pathLst>
-                <a:path w="2725444" h="1304522">
+                <a:path w="2119924" h="2930494">
                   <a:moveTo>
-                    <a:pt x="331768" y="0"/>
+                    <a:pt x="569879" y="0"/>
                   </a:moveTo>
+                  <a:cubicBezTo>
+                    <a:pt x="1070938" y="182"/>
+                    <a:pt x="1406972" y="1724357"/>
+                    <a:pt x="1950868" y="2676071"/>
+                  </a:cubicBezTo>
                   <a:lnTo>
-                    <a:pt x="2393676" y="0"/>
+                    <a:pt x="2119924" y="2930494"/>
+                  </a:lnTo>
+                  <a:lnTo>
+                    <a:pt x="331768" y="2930494"/>
                   </a:lnTo>
                   <a:cubicBezTo>
-                    <a:pt x="2576906" y="0"/>
-                    <a:pt x="2725444" y="148538"/>
-                    <a:pt x="2725444" y="331768"/>
+                    <a:pt x="148538" y="2930494"/>
+                    <a:pt x="0" y="2781956"/>
+                    <a:pt x="0" y="2598726"/>
                   </a:cubicBezTo>
                   <a:lnTo>
-                    <a:pt x="2725444" y="974843"/>
-                  </a:lnTo>
-                  <a:lnTo>
-                    <a:pt x="2593773" y="1045093"/>
+                    <a:pt x="0" y="666944"/>
                   </a:lnTo>
                   <a:cubicBezTo>
-                    <a:pt x="2259233" y="1207164"/>
-                    <a:pt x="1830346" y="1304522"/>
-                    <a:pt x="1362722" y="1304522"/>
-                  </a:cubicBezTo>
-                  <a:cubicBezTo>
-                    <a:pt x="895099" y="1304522"/>
-                    <a:pt x="466211" y="1207164"/>
-                    <a:pt x="131672" y="1045093"/>
-                  </a:cubicBezTo>
-                  <a:lnTo>
-                    <a:pt x="0" y="974843"/>
-                  </a:lnTo>
-                  <a:lnTo>
-                    <a:pt x="0" y="331768"/>
-                  </a:lnTo>
-                  <a:cubicBezTo>
-                    <a:pt x="0" y="148538"/>
-                    <a:pt x="148538" y="0"/>
-                    <a:pt x="331768" y="0"/>
-                  </a:cubicBezTo>
-                  <a:close/>
-                </a:path>
-              </a:pathLst>
-            </a:custGeom>
-            <a:solidFill>
-              <a:srgbClr val="D93931"/>
-            </a:solidFill>
-            <a:ln>
-              <a:noFill/>
-            </a:ln>
-          </p:spPr>
-          <p:style>
-            <a:lnRef idx="2">
-              <a:schemeClr val="accent1">
-                <a:shade val="50000"/>
-              </a:schemeClr>
-            </a:lnRef>
-            <a:fillRef idx="1">
-              <a:schemeClr val="accent1"/>
-            </a:fillRef>
-            <a:effectRef idx="0">
-              <a:schemeClr val="accent1"/>
-            </a:effectRef>
-            <a:fontRef idx="minor">
-              <a:schemeClr val="lt1"/>
-            </a:fontRef>
-          </p:style>
-          <p:txBody>
-            <a:bodyPr rtlCol="0" anchor="ctr"/>
-            <a:lstStyle/>
-            <a:p>
-              <a:pPr algn="ctr"/>
-              <a:endParaRPr lang="en-US"/>
-            </a:p>
-          </p:txBody>
-        </p:sp>
-        <p:sp>
-          <p:nvSpPr>
-            <p:cNvPr id="17" name="Freeform: Shape 16">
-              <a:extLst>
-                <a:ext uri="{FF2B5EF4-FFF2-40B4-BE49-F238E27FC236}">
-                  <a16:creationId xmlns:a16="http://schemas.microsoft.com/office/drawing/2014/main" id="{8D891AD2-AAE6-4340-B6ED-3F34E0E46052}"/>
-                </a:ext>
-              </a:extLst>
-            </p:cNvPr>
-            <p:cNvSpPr/>
-            <p:nvPr/>
-          </p:nvSpPr>
-          <p:spPr>
-            <a:xfrm>
-              <a:off x="4589756" y="1205349"/>
-              <a:ext cx="2736542" cy="801004"/>
-            </a:xfrm>
-            <a:custGeom>
-              <a:avLst/>
-              <a:gdLst>
-                <a:gd name="connsiteX0" fmla="*/ 615620 w 2725444"/>
-                <a:gd name="connsiteY0" fmla="*/ 917 h 801004"/>
-                <a:gd name="connsiteX1" fmla="*/ 2504282 w 2725444"/>
-                <a:gd name="connsiteY1" fmla="*/ 396015 h 801004"/>
-                <a:gd name="connsiteX2" fmla="*/ 2725444 w 2725444"/>
-                <a:gd name="connsiteY2" fmla="*/ 401740 h 801004"/>
-                <a:gd name="connsiteX3" fmla="*/ 2725444 w 2725444"/>
-                <a:gd name="connsiteY3" fmla="*/ 471325 h 801004"/>
-                <a:gd name="connsiteX4" fmla="*/ 2593773 w 2725444"/>
-                <a:gd name="connsiteY4" fmla="*/ 541575 h 801004"/>
-                <a:gd name="connsiteX5" fmla="*/ 1362722 w 2725444"/>
-                <a:gd name="connsiteY5" fmla="*/ 801004 h 801004"/>
-                <a:gd name="connsiteX6" fmla="*/ 131672 w 2725444"/>
-                <a:gd name="connsiteY6" fmla="*/ 541575 h 801004"/>
-                <a:gd name="connsiteX7" fmla="*/ 0 w 2725444"/>
-                <a:gd name="connsiteY7" fmla="*/ 471325 h 801004"/>
-                <a:gd name="connsiteX8" fmla="*/ 0 w 2725444"/>
-                <a:gd name="connsiteY8" fmla="*/ 46765 h 801004"/>
-                <a:gd name="connsiteX9" fmla="*/ 203443 w 2725444"/>
-                <a:gd name="connsiteY9" fmla="*/ 19351 h 801004"/>
-                <a:gd name="connsiteX10" fmla="*/ 615620 w 2725444"/>
-                <a:gd name="connsiteY10" fmla="*/ 917 h 801004"/>
-              </a:gdLst>
-              <a:ahLst/>
-              <a:cxnLst>
-                <a:cxn ang="0">
-                  <a:pos x="connsiteX0" y="connsiteY0"/>
-                </a:cxn>
-                <a:cxn ang="0">
-                  <a:pos x="connsiteX1" y="connsiteY1"/>
-                </a:cxn>
-                <a:cxn ang="0">
-                  <a:pos x="connsiteX2" y="connsiteY2"/>
-                </a:cxn>
-                <a:cxn ang="0">
-                  <a:pos x="connsiteX3" y="connsiteY3"/>
-                </a:cxn>
-                <a:cxn ang="0">
-                  <a:pos x="connsiteX4" y="connsiteY4"/>
-                </a:cxn>
-                <a:cxn ang="0">
-                  <a:pos x="connsiteX5" y="connsiteY5"/>
-                </a:cxn>
-                <a:cxn ang="0">
-                  <a:pos x="connsiteX6" y="connsiteY6"/>
-                </a:cxn>
-                <a:cxn ang="0">
-                  <a:pos x="connsiteX7" y="connsiteY7"/>
-                </a:cxn>
-                <a:cxn ang="0">
-                  <a:pos x="connsiteX8" y="connsiteY8"/>
-                </a:cxn>
-                <a:cxn ang="0">
-                  <a:pos x="connsiteX9" y="connsiteY9"/>
-                </a:cxn>
-                <a:cxn ang="0">
-                  <a:pos x="connsiteX10" y="connsiteY10"/>
-                </a:cxn>
-              </a:cxnLst>
-              <a:rect l="l" t="t" r="r" b="b"/>
-              <a:pathLst>
-                <a:path w="2725444" h="801004">
-                  <a:moveTo>
-                    <a:pt x="615620" y="917"/>
-                  </a:moveTo>
-                  <a:cubicBezTo>
-                    <a:pt x="1345357" y="20445"/>
-                    <a:pt x="1574178" y="346039"/>
-                    <a:pt x="2504282" y="396015"/>
-                  </a:cubicBezTo>
-                  <a:lnTo>
-                    <a:pt x="2725444" y="401740"/>
-                  </a:lnTo>
-                  <a:lnTo>
-                    <a:pt x="2725444" y="471325"/>
-                  </a:lnTo>
-                  <a:lnTo>
-                    <a:pt x="2593773" y="541575"/>
-                  </a:lnTo>
-                  <a:cubicBezTo>
-                    <a:pt x="2259233" y="703646"/>
-                    <a:pt x="1830346" y="801004"/>
-                    <a:pt x="1362722" y="801004"/>
-                  </a:cubicBezTo>
-                  <a:cubicBezTo>
-                    <a:pt x="895099" y="801004"/>
-                    <a:pt x="466211" y="703646"/>
-                    <a:pt x="131672" y="541575"/>
-                  </a:cubicBezTo>
-                  <a:lnTo>
-                    <a:pt x="0" y="471325"/>
-                  </a:lnTo>
-                  <a:lnTo>
-                    <a:pt x="0" y="46765"/>
-                  </a:lnTo>
-                  <a:lnTo>
-                    <a:pt x="203443" y="19351"/>
-                  </a:lnTo>
-                  <a:cubicBezTo>
-                    <a:pt x="358460" y="2909"/>
-                    <a:pt x="493997" y="-2338"/>
-                    <a:pt x="615620" y="917"/>
+                    <a:pt x="217503" y="191434"/>
+                    <a:pt x="402859" y="-61"/>
+                    <a:pt x="569879" y="0"/>
                   </a:cubicBezTo>
                   <a:close/>
                 </a:path>
@@ -7060,10 +5391,10 @@
         </p:sp>
         <p:sp>
           <p:nvSpPr>
-            <p:cNvPr id="18" name="Freeform: Shape 17">
+            <p:cNvPr id="74" name="Rectangle: Rounded Corners 73">
               <a:extLst>
                 <a:ext uri="{FF2B5EF4-FFF2-40B4-BE49-F238E27FC236}">
-                  <a16:creationId xmlns:a16="http://schemas.microsoft.com/office/drawing/2014/main" id="{B6F09C17-CD7C-45F2-B3E8-3C54CC341F4D}"/>
+                  <a16:creationId xmlns:a16="http://schemas.microsoft.com/office/drawing/2014/main" id="{48A9C473-9087-493E-8D15-05CD669426CC}"/>
                 </a:ext>
               </a:extLst>
             </p:cNvPr>
@@ -7071,116 +5402,71 @@
             <p:nvPr/>
           </p:nvSpPr>
           <p:spPr>
-            <a:xfrm flipH="1" flipV="1">
-              <a:off x="4584040" y="957072"/>
-              <a:ext cx="2731159" cy="1049281"/>
+            <a:xfrm>
+              <a:off x="4588639" y="701831"/>
+              <a:ext cx="2725444" cy="5860988"/>
             </a:xfrm>
-            <a:custGeom>
-              <a:avLst/>
-              <a:gdLst>
-                <a:gd name="connsiteX0" fmla="*/ 378047 w 2716960"/>
-                <a:gd name="connsiteY0" fmla="*/ 973957 h 975492"/>
-                <a:gd name="connsiteX1" fmla="*/ 159154 w 2716960"/>
-                <a:gd name="connsiteY1" fmla="*/ 957296 h 975492"/>
-                <a:gd name="connsiteX2" fmla="*/ 0 w 2716960"/>
-                <a:gd name="connsiteY2" fmla="*/ 933561 h 975492"/>
-                <a:gd name="connsiteX3" fmla="*/ 0 w 2716960"/>
-                <a:gd name="connsiteY3" fmla="*/ 329679 h 975492"/>
-                <a:gd name="connsiteX4" fmla="*/ 131671 w 2716960"/>
-                <a:gd name="connsiteY4" fmla="*/ 259429 h 975492"/>
-                <a:gd name="connsiteX5" fmla="*/ 1362722 w 2716960"/>
-                <a:gd name="connsiteY5" fmla="*/ 0 h 975492"/>
-                <a:gd name="connsiteX6" fmla="*/ 2593772 w 2716960"/>
-                <a:gd name="connsiteY6" fmla="*/ 259429 h 975492"/>
-                <a:gd name="connsiteX7" fmla="*/ 2716960 w 2716960"/>
-                <a:gd name="connsiteY7" fmla="*/ 325153 h 975492"/>
-                <a:gd name="connsiteX8" fmla="*/ 2716585 w 2716960"/>
-                <a:gd name="connsiteY8" fmla="*/ 459607 h 975492"/>
-                <a:gd name="connsiteX9" fmla="*/ 378047 w 2716960"/>
-                <a:gd name="connsiteY9" fmla="*/ 973957 h 975492"/>
-              </a:gdLst>
-              <a:ahLst/>
-              <a:cxnLst>
-                <a:cxn ang="0">
-                  <a:pos x="connsiteX0" y="connsiteY0"/>
-                </a:cxn>
-                <a:cxn ang="0">
-                  <a:pos x="connsiteX1" y="connsiteY1"/>
-                </a:cxn>
-                <a:cxn ang="0">
-                  <a:pos x="connsiteX2" y="connsiteY2"/>
-                </a:cxn>
-                <a:cxn ang="0">
-                  <a:pos x="connsiteX3" y="connsiteY3"/>
-                </a:cxn>
-                <a:cxn ang="0">
-                  <a:pos x="connsiteX4" y="connsiteY4"/>
-                </a:cxn>
-                <a:cxn ang="0">
-                  <a:pos x="connsiteX5" y="connsiteY5"/>
-                </a:cxn>
-                <a:cxn ang="0">
-                  <a:pos x="connsiteX6" y="connsiteY6"/>
-                </a:cxn>
-                <a:cxn ang="0">
-                  <a:pos x="connsiteX7" y="connsiteY7"/>
-                </a:cxn>
-                <a:cxn ang="0">
-                  <a:pos x="connsiteX8" y="connsiteY8"/>
-                </a:cxn>
-                <a:cxn ang="0">
-                  <a:pos x="connsiteX9" y="connsiteY9"/>
-                </a:cxn>
-              </a:cxnLst>
-              <a:rect l="l" t="t" r="r" b="b"/>
-              <a:pathLst>
-                <a:path w="2716960" h="975492">
-                  <a:moveTo>
-                    <a:pt x="378047" y="973957"/>
-                  </a:moveTo>
-                  <a:cubicBezTo>
-                    <a:pt x="309462" y="971514"/>
-                    <a:pt x="236728" y="966098"/>
-                    <a:pt x="159154" y="957296"/>
-                  </a:cubicBezTo>
-                  <a:lnTo>
-                    <a:pt x="0" y="933561"/>
-                  </a:lnTo>
-                  <a:lnTo>
-                    <a:pt x="0" y="329679"/>
-                  </a:lnTo>
-                  <a:lnTo>
-                    <a:pt x="131671" y="259429"/>
-                  </a:lnTo>
-                  <a:cubicBezTo>
-                    <a:pt x="466211" y="97358"/>
-                    <a:pt x="895098" y="0"/>
-                    <a:pt x="1362722" y="0"/>
-                  </a:cubicBezTo>
-                  <a:cubicBezTo>
-                    <a:pt x="1830345" y="0"/>
-                    <a:pt x="2259233" y="97358"/>
-                    <a:pt x="2593772" y="259429"/>
-                  </a:cubicBezTo>
-                  <a:lnTo>
-                    <a:pt x="2716960" y="325153"/>
-                  </a:lnTo>
-                  <a:lnTo>
-                    <a:pt x="2716585" y="459607"/>
-                  </a:lnTo>
-                  <a:cubicBezTo>
-                    <a:pt x="1485363" y="459607"/>
-                    <a:pt x="1338243" y="1008160"/>
-                    <a:pt x="378047" y="973957"/>
-                  </a:cubicBezTo>
-                  <a:close/>
-                </a:path>
-              </a:pathLst>
-            </a:custGeom>
+            <a:prstGeom prst="roundRect">
+              <a:avLst>
+                <a:gd name="adj" fmla="val 12173"/>
+              </a:avLst>
+            </a:prstGeom>
+            <a:noFill/>
+            <a:ln w="57150">
+              <a:solidFill>
+                <a:schemeClr val="tx1"/>
+              </a:solidFill>
+            </a:ln>
+          </p:spPr>
+          <p:style>
+            <a:lnRef idx="2">
+              <a:schemeClr val="accent1">
+                <a:shade val="50000"/>
+              </a:schemeClr>
+            </a:lnRef>
+            <a:fillRef idx="1">
+              <a:schemeClr val="accent1"/>
+            </a:fillRef>
+            <a:effectRef idx="0">
+              <a:schemeClr val="accent1"/>
+            </a:effectRef>
+            <a:fontRef idx="minor">
+              <a:schemeClr val="lt1"/>
+            </a:fontRef>
+          </p:style>
+          <p:txBody>
+            <a:bodyPr rtlCol="0" anchor="ctr"/>
+            <a:lstStyle/>
+            <a:p>
+              <a:pPr algn="ctr"/>
+              <a:endParaRPr lang="en-US"/>
+            </a:p>
+          </p:txBody>
+        </p:sp>
+        <p:sp>
+          <p:nvSpPr>
+            <p:cNvPr id="75" name="Rectangle: Rounded Corners 74">
+              <a:extLst>
+                <a:ext uri="{FF2B5EF4-FFF2-40B4-BE49-F238E27FC236}">
+                  <a16:creationId xmlns:a16="http://schemas.microsoft.com/office/drawing/2014/main" id="{336CD476-7289-4451-AA28-E8120FC68A65}"/>
+                </a:ext>
+              </a:extLst>
+            </p:cNvPr>
+            <p:cNvSpPr/>
+            <p:nvPr/>
+          </p:nvSpPr>
+          <p:spPr>
+            <a:xfrm>
+              <a:off x="5786450" y="6408454"/>
+              <a:ext cx="353937" cy="47006"/>
+            </a:xfrm>
+            <a:prstGeom prst="roundRect">
+              <a:avLst>
+                <a:gd name="adj" fmla="val 50000"/>
+              </a:avLst>
+            </a:prstGeom>
             <a:solidFill>
-              <a:srgbClr val="FFFFFF">
-                <a:alpha val="10196"/>
-              </a:srgbClr>
+              <a:schemeClr val="bg1"/>
             </a:solidFill>
             <a:ln>
               <a:noFill/>
@@ -7207,74 +5493,53 @@
             <a:lstStyle/>
             <a:p>
               <a:pPr algn="ctr"/>
-              <a:endParaRPr lang="en-US" dirty="0"/>
+              <a:endParaRPr lang="en-US"/>
             </a:p>
           </p:txBody>
         </p:sp>
       </p:grpSp>
-      <p:sp>
-        <p:nvSpPr>
-          <p:cNvPr id="19" name="Rectangle: Top Corners Rounded 18">
-            <a:extLst>
-              <a:ext uri="{FF2B5EF4-FFF2-40B4-BE49-F238E27FC236}">
-                <a16:creationId xmlns:a16="http://schemas.microsoft.com/office/drawing/2014/main" id="{BE1F38BF-A7D9-472D-8604-9E65F539E2B1}"/>
-              </a:ext>
-            </a:extLst>
-          </p:cNvPr>
-          <p:cNvSpPr/>
+      <p:pic>
+        <p:nvPicPr>
+          <p:cNvPr id="78" name="Picture 77">
+            <a:extLst>
+              <a:ext uri="{FF2B5EF4-FFF2-40B4-BE49-F238E27FC236}">
+                <a16:creationId xmlns:a16="http://schemas.microsoft.com/office/drawing/2014/main" id="{85622918-84AB-4FE9-B1A4-EA7286AE1C16}"/>
+              </a:ext>
+            </a:extLst>
+          </p:cNvPr>
+          <p:cNvPicPr>
+            <a:picLocks noChangeAspect="1"/>
+          </p:cNvPicPr>
           <p:nvPr/>
-        </p:nvSpPr>
+        </p:nvPicPr>
+        <p:blipFill>
+          <a:blip r:embed="rId5">
+            <a:extLst>
+              <a:ext uri="{28A0092B-C50C-407E-A947-70E740481C1C}">
+                <a14:useLocalDpi xmlns:a14="http://schemas.microsoft.com/office/drawing/2010/main" val="0"/>
+              </a:ext>
+            </a:extLst>
+          </a:blip>
+          <a:stretch>
+            <a:fillRect/>
+          </a:stretch>
+        </p:blipFill>
         <p:spPr>
-          <a:xfrm flipV="1">
-            <a:off x="5322572" y="701831"/>
-            <a:ext cx="1259810" cy="197727"/>
+          <a:xfrm>
+            <a:off x="5142920" y="1998389"/>
+            <a:ext cx="1585171" cy="933583"/>
           </a:xfrm>
-          <a:prstGeom prst="round2SameRect">
-            <a:avLst>
-              <a:gd name="adj1" fmla="val 50000"/>
-              <a:gd name="adj2" fmla="val 0"/>
-            </a:avLst>
+          <a:prstGeom prst="rect">
+            <a:avLst/>
           </a:prstGeom>
-          <a:solidFill>
-            <a:schemeClr val="tx1"/>
-          </a:solidFill>
-          <a:ln w="57150">
-            <a:solidFill>
-              <a:schemeClr val="tx1"/>
-            </a:solidFill>
-          </a:ln>
         </p:spPr>
-        <p:style>
-          <a:lnRef idx="2">
-            <a:schemeClr val="accent1">
-              <a:shade val="50000"/>
-            </a:schemeClr>
-          </a:lnRef>
-          <a:fillRef idx="1">
-            <a:schemeClr val="accent1"/>
-          </a:fillRef>
-          <a:effectRef idx="0">
-            <a:schemeClr val="accent1"/>
-          </a:effectRef>
-          <a:fontRef idx="minor">
-            <a:schemeClr val="lt1"/>
-          </a:fontRef>
-        </p:style>
-        <p:txBody>
-          <a:bodyPr rtlCol="0" anchor="ctr"/>
-          <a:lstStyle/>
-          <a:p>
-            <a:pPr algn="ctr"/>
-            <a:endParaRPr lang="en-US"/>
-          </a:p>
-        </p:txBody>
-      </p:sp>
+      </p:pic>
       <p:grpSp>
         <p:nvGrpSpPr>
-          <p:cNvPr id="5" name="Group 4">
-            <a:extLst>
-              <a:ext uri="{FF2B5EF4-FFF2-40B4-BE49-F238E27FC236}">
-                <a16:creationId xmlns:a16="http://schemas.microsoft.com/office/drawing/2014/main" id="{4C950636-E0E5-4C76-82D9-AFADB94982EB}"/>
+          <p:cNvPr id="12" name="Group 11">
+            <a:extLst>
+              <a:ext uri="{FF2B5EF4-FFF2-40B4-BE49-F238E27FC236}">
+                <a16:creationId xmlns:a16="http://schemas.microsoft.com/office/drawing/2014/main" id="{44D7583D-3049-4C0A-A1B6-4E838F48FD2C}"/>
               </a:ext>
             </a:extLst>
           </p:cNvPr>
@@ -7283,18 +5548,18 @@
         </p:nvGrpSpPr>
         <p:grpSpPr>
           <a:xfrm>
-            <a:off x="6829943" y="1225038"/>
-            <a:ext cx="283074" cy="227055"/>
-            <a:chOff x="6643507" y="1098670"/>
-            <a:chExt cx="283074" cy="227055"/>
+            <a:off x="5041684" y="3230881"/>
+            <a:ext cx="1819354" cy="237490"/>
+            <a:chOff x="5041684" y="2778121"/>
+            <a:chExt cx="1819354" cy="237490"/>
           </a:xfrm>
         </p:grpSpPr>
         <p:sp>
           <p:nvSpPr>
-            <p:cNvPr id="4" name="Rectangle: Rounded Corners 3">
+            <p:cNvPr id="3" name="Rectangle: Rounded Corners 2">
               <a:extLst>
                 <a:ext uri="{FF2B5EF4-FFF2-40B4-BE49-F238E27FC236}">
-                  <a16:creationId xmlns:a16="http://schemas.microsoft.com/office/drawing/2014/main" id="{E01667F1-4301-471D-95C3-A3B0420E8140}"/>
+                  <a16:creationId xmlns:a16="http://schemas.microsoft.com/office/drawing/2014/main" id="{D5BC17B4-2C32-4AA8-8FD1-B4B8F9B8D5E0}"/>
                 </a:ext>
               </a:extLst>
             </p:cNvPr>
@@ -7303,8 +5568,8 @@
           </p:nvSpPr>
           <p:spPr>
             <a:xfrm>
-              <a:off x="6643507" y="1098670"/>
-              <a:ext cx="283074" cy="45719"/>
+              <a:off x="5041684" y="2778121"/>
+              <a:ext cx="1819354" cy="237490"/>
             </a:xfrm>
             <a:prstGeom prst="roundRect">
               <a:avLst>
@@ -7345,10 +5610,10 @@
         </p:sp>
         <p:sp>
           <p:nvSpPr>
-            <p:cNvPr id="14" name="Rectangle: Rounded Corners 13">
+            <p:cNvPr id="84" name="Rectangle 83">
               <a:extLst>
                 <a:ext uri="{FF2B5EF4-FFF2-40B4-BE49-F238E27FC236}">
-                  <a16:creationId xmlns:a16="http://schemas.microsoft.com/office/drawing/2014/main" id="{90E77706-0032-4762-813C-FEB7546B2C60}"/>
+                  <a16:creationId xmlns:a16="http://schemas.microsoft.com/office/drawing/2014/main" id="{F28000F6-4927-4D62-B340-5A17915C0F86}"/>
                 </a:ext>
               </a:extLst>
             </p:cNvPr>
@@ -7357,8 +5622,85 @@
           </p:nvSpPr>
           <p:spPr>
             <a:xfrm>
-              <a:off x="6643507" y="1189338"/>
-              <a:ext cx="283074" cy="45719"/>
+              <a:off x="5132695" y="2789144"/>
+              <a:ext cx="758541" cy="215444"/>
+            </a:xfrm>
+            <a:prstGeom prst="rect">
+              <a:avLst/>
+            </a:prstGeom>
+            <a:noFill/>
+          </p:spPr>
+          <p:txBody>
+            <a:bodyPr wrap="none" lIns="91440" tIns="45720" rIns="91440" bIns="45720">
+              <a:spAutoFit/>
+            </a:bodyPr>
+            <a:lstStyle/>
+            <a:p>
+              <a:pPr algn="ctr"/>
+              <a:r>
+                <a:rPr lang="en-US" sz="800" i="1" dirty="0">
+                  <a:ln w="0"/>
+                  <a:solidFill>
+                    <a:srgbClr val="E26A64"/>
+                  </a:solidFill>
+                  <a:latin typeface="Bahnschrift Light" panose="020B0502040204020203" pitchFamily="34" charset="0"/>
+                  <a:ea typeface="Arial Unicode MS" panose="020B0604020202020204" pitchFamily="34" charset="-128"/>
+                  <a:cs typeface="Arial Unicode MS" panose="020B0604020202020204" pitchFamily="34" charset="-128"/>
+                </a:rPr>
+                <a:t>e</a:t>
+              </a:r>
+              <a:r>
+                <a:rPr lang="en-US" sz="800" i="1" cap="none" spc="0" dirty="0">
+                  <a:ln w="0"/>
+                  <a:solidFill>
+                    <a:srgbClr val="E26A64"/>
+                  </a:solidFill>
+                  <a:latin typeface="Bahnschrift Light" panose="020B0502040204020203" pitchFamily="34" charset="0"/>
+                  <a:ea typeface="Arial Unicode MS" panose="020B0604020202020204" pitchFamily="34" charset="-128"/>
+                  <a:cs typeface="Arial Unicode MS" panose="020B0604020202020204" pitchFamily="34" charset="-128"/>
+                </a:rPr>
+                <a:t>mail/phone</a:t>
+              </a:r>
+            </a:p>
+          </p:txBody>
+        </p:sp>
+      </p:grpSp>
+      <p:grpSp>
+        <p:nvGrpSpPr>
+          <p:cNvPr id="21" name="Group 20">
+            <a:extLst>
+              <a:ext uri="{FF2B5EF4-FFF2-40B4-BE49-F238E27FC236}">
+                <a16:creationId xmlns:a16="http://schemas.microsoft.com/office/drawing/2014/main" id="{DEB87A76-F65D-400A-928D-BFE588CC2E03}"/>
+              </a:ext>
+            </a:extLst>
+          </p:cNvPr>
+          <p:cNvGrpSpPr/>
+          <p:nvPr/>
+        </p:nvGrpSpPr>
+        <p:grpSpPr>
+          <a:xfrm>
+            <a:off x="5041684" y="3571901"/>
+            <a:ext cx="1819354" cy="237490"/>
+            <a:chOff x="5041684" y="3119141"/>
+            <a:chExt cx="1819354" cy="237490"/>
+          </a:xfrm>
+        </p:grpSpPr>
+        <p:sp>
+          <p:nvSpPr>
+            <p:cNvPr id="85" name="Rectangle: Rounded Corners 84">
+              <a:extLst>
+                <a:ext uri="{FF2B5EF4-FFF2-40B4-BE49-F238E27FC236}">
+                  <a16:creationId xmlns:a16="http://schemas.microsoft.com/office/drawing/2014/main" id="{638BB2FE-EA2D-4A2F-B3FB-35DE8AB8E6C7}"/>
+                </a:ext>
+              </a:extLst>
+            </p:cNvPr>
+            <p:cNvSpPr/>
+            <p:nvPr/>
+          </p:nvSpPr>
+          <p:spPr>
+            <a:xfrm>
+              <a:off x="5041684" y="3119141"/>
+              <a:ext cx="1819354" cy="237490"/>
             </a:xfrm>
             <a:prstGeom prst="roundRect">
               <a:avLst>
@@ -7399,10 +5741,10 @@
         </p:sp>
         <p:sp>
           <p:nvSpPr>
-            <p:cNvPr id="20" name="Rectangle: Rounded Corners 19">
+            <p:cNvPr id="86" name="Rectangle 85">
               <a:extLst>
                 <a:ext uri="{FF2B5EF4-FFF2-40B4-BE49-F238E27FC236}">
-                  <a16:creationId xmlns:a16="http://schemas.microsoft.com/office/drawing/2014/main" id="{01CA6B35-7149-4503-B2AB-5AAFC3F0AA3A}"/>
+                  <a16:creationId xmlns:a16="http://schemas.microsoft.com/office/drawing/2014/main" id="{7FD7E480-3E36-4CAB-B536-0EAE0516BEE5}"/>
                 </a:ext>
               </a:extLst>
             </p:cNvPr>
@@ -7411,813 +5753,8 @@
           </p:nvSpPr>
           <p:spPr>
             <a:xfrm>
-              <a:off x="6643507" y="1280006"/>
-              <a:ext cx="283074" cy="45719"/>
-            </a:xfrm>
-            <a:prstGeom prst="roundRect">
-              <a:avLst>
-                <a:gd name="adj" fmla="val 50000"/>
-              </a:avLst>
-            </a:prstGeom>
-            <a:solidFill>
-              <a:schemeClr val="bg1"/>
-            </a:solidFill>
-            <a:ln>
-              <a:noFill/>
-            </a:ln>
-          </p:spPr>
-          <p:style>
-            <a:lnRef idx="2">
-              <a:schemeClr val="accent1">
-                <a:shade val="50000"/>
-              </a:schemeClr>
-            </a:lnRef>
-            <a:fillRef idx="1">
-              <a:schemeClr val="accent1"/>
-            </a:fillRef>
-            <a:effectRef idx="0">
-              <a:schemeClr val="accent1"/>
-            </a:effectRef>
-            <a:fontRef idx="minor">
-              <a:schemeClr val="lt1"/>
-            </a:fontRef>
-          </p:style>
-          <p:txBody>
-            <a:bodyPr rtlCol="0" anchor="ctr"/>
-            <a:lstStyle/>
-            <a:p>
-              <a:pPr algn="ctr"/>
-              <a:endParaRPr lang="en-US"/>
-            </a:p>
-          </p:txBody>
-        </p:sp>
-      </p:grpSp>
-      <p:sp>
-        <p:nvSpPr>
-          <p:cNvPr id="6" name="Rectangle 5">
-            <a:extLst>
-              <a:ext uri="{FF2B5EF4-FFF2-40B4-BE49-F238E27FC236}">
-                <a16:creationId xmlns:a16="http://schemas.microsoft.com/office/drawing/2014/main" id="{19C4D191-882D-45E8-9C15-2FB403D1BF48}"/>
-              </a:ext>
-            </a:extLst>
-          </p:cNvPr>
-          <p:cNvSpPr/>
-          <p:nvPr/>
-        </p:nvSpPr>
-        <p:spPr>
-          <a:xfrm>
-            <a:off x="4684935" y="1169288"/>
-            <a:ext cx="1069525" cy="369332"/>
-          </a:xfrm>
-          <a:prstGeom prst="rect">
-            <a:avLst/>
-          </a:prstGeom>
-          <a:noFill/>
-        </p:spPr>
-        <p:txBody>
-          <a:bodyPr wrap="none" lIns="91440" tIns="45720" rIns="91440" bIns="45720">
-            <a:spAutoFit/>
-          </a:bodyPr>
-          <a:lstStyle/>
-          <a:p>
-            <a:pPr algn="ctr"/>
-            <a:r>
-              <a:rPr lang="en-US" b="0" cap="none" spc="0" dirty="0">
-                <a:ln w="0"/>
-                <a:solidFill>
-                  <a:schemeClr val="bg1"/>
-                </a:solidFill>
-                <a:effectLst>
-                  <a:outerShdw blurRad="38100" dist="25400" dir="5400000" algn="ctr" rotWithShape="0">
-                    <a:srgbClr val="6E747A">
-                      <a:alpha val="43000"/>
-                    </a:srgbClr>
-                  </a:outerShdw>
-                </a:effectLst>
-                <a:latin typeface="Arial Rounded MT Bold" panose="020F0704030504030204" pitchFamily="34" charset="0"/>
-              </a:rPr>
-              <a:t>S h o u t</a:t>
-            </a:r>
-          </a:p>
-        </p:txBody>
-      </p:sp>
-      <p:cxnSp>
-        <p:nvCxnSpPr>
-          <p:cNvPr id="3" name="Straight Connector 2">
-            <a:extLst>
-              <a:ext uri="{FF2B5EF4-FFF2-40B4-BE49-F238E27FC236}">
-                <a16:creationId xmlns:a16="http://schemas.microsoft.com/office/drawing/2014/main" id="{F82738D2-1321-4A1C-8BC5-8F5BB517890D}"/>
-              </a:ext>
-            </a:extLst>
-          </p:cNvPr>
-          <p:cNvCxnSpPr/>
-          <p:nvPr/>
-        </p:nvCxnSpPr>
-        <p:spPr>
-          <a:xfrm>
-            <a:off x="4792093" y="0"/>
-            <a:ext cx="0" cy="6035040"/>
-          </a:xfrm>
-          <a:prstGeom prst="line">
-            <a:avLst/>
-          </a:prstGeom>
-        </p:spPr>
-        <p:style>
-          <a:lnRef idx="1">
-            <a:schemeClr val="accent1"/>
-          </a:lnRef>
-          <a:fillRef idx="0">
-            <a:schemeClr val="accent1"/>
-          </a:fillRef>
-          <a:effectRef idx="0">
-            <a:schemeClr val="accent1"/>
-          </a:effectRef>
-          <a:fontRef idx="minor">
-            <a:schemeClr val="tx1"/>
-          </a:fontRef>
-        </p:style>
-      </p:cxnSp>
-      <p:cxnSp>
-        <p:nvCxnSpPr>
-          <p:cNvPr id="28" name="Straight Connector 27">
-            <a:extLst>
-              <a:ext uri="{FF2B5EF4-FFF2-40B4-BE49-F238E27FC236}">
-                <a16:creationId xmlns:a16="http://schemas.microsoft.com/office/drawing/2014/main" id="{097CC390-6BF0-4611-9B5D-2EDD081AAB38}"/>
-              </a:ext>
-            </a:extLst>
-          </p:cNvPr>
-          <p:cNvCxnSpPr/>
-          <p:nvPr/>
-        </p:nvCxnSpPr>
-        <p:spPr>
-          <a:xfrm>
-            <a:off x="7118733" y="152400"/>
-            <a:ext cx="0" cy="6035040"/>
-          </a:xfrm>
-          <a:prstGeom prst="line">
-            <a:avLst/>
-          </a:prstGeom>
-        </p:spPr>
-        <p:style>
-          <a:lnRef idx="1">
-            <a:schemeClr val="accent1"/>
-          </a:lnRef>
-          <a:fillRef idx="0">
-            <a:schemeClr val="accent1"/>
-          </a:fillRef>
-          <a:effectRef idx="0">
-            <a:schemeClr val="accent1"/>
-          </a:effectRef>
-          <a:fontRef idx="minor">
-            <a:schemeClr val="tx1"/>
-          </a:fontRef>
-        </p:style>
-      </p:cxnSp>
-      <p:sp>
-        <p:nvSpPr>
-          <p:cNvPr id="32" name="Rectangle: Rounded Corners 31">
-            <a:extLst>
-              <a:ext uri="{FF2B5EF4-FFF2-40B4-BE49-F238E27FC236}">
-                <a16:creationId xmlns:a16="http://schemas.microsoft.com/office/drawing/2014/main" id="{71445B64-7955-486A-8029-573779865766}"/>
-              </a:ext>
-            </a:extLst>
-          </p:cNvPr>
-          <p:cNvSpPr/>
-          <p:nvPr/>
-        </p:nvSpPr>
-        <p:spPr>
-          <a:xfrm>
-            <a:off x="4792093" y="2789419"/>
-            <a:ext cx="2331867" cy="586214"/>
-          </a:xfrm>
-          <a:prstGeom prst="roundRect">
-            <a:avLst>
-              <a:gd name="adj" fmla="val 27252"/>
-            </a:avLst>
-          </a:prstGeom>
-          <a:gradFill flip="none" rotWithShape="1">
-            <a:gsLst>
-              <a:gs pos="0">
-                <a:srgbClr val="D93931"/>
-              </a:gs>
-              <a:gs pos="100000">
-                <a:srgbClr val="E1645E"/>
-              </a:gs>
-            </a:gsLst>
-            <a:lin ang="0" scaled="1"/>
-            <a:tileRect/>
-          </a:gradFill>
-          <a:ln>
-            <a:noFill/>
-          </a:ln>
-          <a:effectLst>
-            <a:outerShdw blurRad="304800" dist="165100" dir="480000" sx="77000" sy="77000" algn="ctr" rotWithShape="0">
-              <a:schemeClr val="bg1">
-                <a:alpha val="86000"/>
-              </a:schemeClr>
-            </a:outerShdw>
-          </a:effectLst>
-        </p:spPr>
-        <p:style>
-          <a:lnRef idx="2">
-            <a:schemeClr val="accent1">
-              <a:shade val="50000"/>
-            </a:schemeClr>
-          </a:lnRef>
-          <a:fillRef idx="1">
-            <a:schemeClr val="accent1"/>
-          </a:fillRef>
-          <a:effectRef idx="0">
-            <a:schemeClr val="accent1"/>
-          </a:effectRef>
-          <a:fontRef idx="minor">
-            <a:schemeClr val="lt1"/>
-          </a:fontRef>
-        </p:style>
-        <p:txBody>
-          <a:bodyPr rtlCol="0" anchor="ctr"/>
-          <a:lstStyle/>
-          <a:p>
-            <a:pPr algn="ctr"/>
-            <a:endParaRPr lang="en-US"/>
-          </a:p>
-        </p:txBody>
-      </p:sp>
-      <p:sp>
-        <p:nvSpPr>
-          <p:cNvPr id="35" name="Rectangle: Rounded Corners 34">
-            <a:extLst>
-              <a:ext uri="{FF2B5EF4-FFF2-40B4-BE49-F238E27FC236}">
-                <a16:creationId xmlns:a16="http://schemas.microsoft.com/office/drawing/2014/main" id="{88FF88F5-4FC0-4782-A7C4-0D7581835E71}"/>
-              </a:ext>
-            </a:extLst>
-          </p:cNvPr>
-          <p:cNvSpPr/>
-          <p:nvPr/>
-        </p:nvSpPr>
-        <p:spPr>
-          <a:xfrm>
-            <a:off x="4792093" y="3457371"/>
-            <a:ext cx="2331867" cy="586214"/>
-          </a:xfrm>
-          <a:prstGeom prst="roundRect">
-            <a:avLst>
-              <a:gd name="adj" fmla="val 27252"/>
-            </a:avLst>
-          </a:prstGeom>
-          <a:gradFill flip="none" rotWithShape="1">
-            <a:gsLst>
-              <a:gs pos="0">
-                <a:srgbClr val="D93931"/>
-              </a:gs>
-              <a:gs pos="100000">
-                <a:srgbClr val="E1645E"/>
-              </a:gs>
-            </a:gsLst>
-            <a:lin ang="0" scaled="1"/>
-            <a:tileRect/>
-          </a:gradFill>
-          <a:ln>
-            <a:noFill/>
-          </a:ln>
-          <a:effectLst>
-            <a:outerShdw blurRad="304800" dist="165100" dir="480000" sx="77000" sy="77000" algn="ctr" rotWithShape="0">
-              <a:schemeClr val="bg1">
-                <a:alpha val="86000"/>
-              </a:schemeClr>
-            </a:outerShdw>
-          </a:effectLst>
-        </p:spPr>
-        <p:style>
-          <a:lnRef idx="2">
-            <a:schemeClr val="accent1">
-              <a:shade val="50000"/>
-            </a:schemeClr>
-          </a:lnRef>
-          <a:fillRef idx="1">
-            <a:schemeClr val="accent1"/>
-          </a:fillRef>
-          <a:effectRef idx="0">
-            <a:schemeClr val="accent1"/>
-          </a:effectRef>
-          <a:fontRef idx="minor">
-            <a:schemeClr val="lt1"/>
-          </a:fontRef>
-        </p:style>
-        <p:txBody>
-          <a:bodyPr rtlCol="0" anchor="ctr"/>
-          <a:lstStyle/>
-          <a:p>
-            <a:pPr algn="ctr"/>
-            <a:endParaRPr lang="en-US"/>
-          </a:p>
-        </p:txBody>
-      </p:sp>
-      <p:sp>
-        <p:nvSpPr>
-          <p:cNvPr id="34" name="Rectangle: Rounded Corners 33">
-            <a:extLst>
-              <a:ext uri="{FF2B5EF4-FFF2-40B4-BE49-F238E27FC236}">
-                <a16:creationId xmlns:a16="http://schemas.microsoft.com/office/drawing/2014/main" id="{D3D30DC0-95AA-4692-8FC8-CF63BF60F298}"/>
-              </a:ext>
-            </a:extLst>
-          </p:cNvPr>
-          <p:cNvSpPr/>
-          <p:nvPr/>
-        </p:nvSpPr>
-        <p:spPr>
-          <a:xfrm>
-            <a:off x="4792093" y="2121467"/>
-            <a:ext cx="2331867" cy="586214"/>
-          </a:xfrm>
-          <a:prstGeom prst="roundRect">
-            <a:avLst>
-              <a:gd name="adj" fmla="val 27252"/>
-            </a:avLst>
-          </a:prstGeom>
-          <a:gradFill flip="none" rotWithShape="1">
-            <a:gsLst>
-              <a:gs pos="0">
-                <a:srgbClr val="D93931"/>
-              </a:gs>
-              <a:gs pos="100000">
-                <a:srgbClr val="E1645E"/>
-              </a:gs>
-            </a:gsLst>
-            <a:lin ang="0" scaled="1"/>
-            <a:tileRect/>
-          </a:gradFill>
-          <a:ln>
-            <a:noFill/>
-          </a:ln>
-          <a:effectLst>
-            <a:outerShdw blurRad="304800" dist="165100" dir="480000" sx="77000" sy="77000" algn="ctr" rotWithShape="0">
-              <a:schemeClr val="bg1">
-                <a:alpha val="86000"/>
-              </a:schemeClr>
-            </a:outerShdw>
-          </a:effectLst>
-        </p:spPr>
-        <p:style>
-          <a:lnRef idx="2">
-            <a:schemeClr val="accent1">
-              <a:shade val="50000"/>
-            </a:schemeClr>
-          </a:lnRef>
-          <a:fillRef idx="1">
-            <a:schemeClr val="accent1"/>
-          </a:fillRef>
-          <a:effectRef idx="0">
-            <a:schemeClr val="accent1"/>
-          </a:effectRef>
-          <a:fontRef idx="minor">
-            <a:schemeClr val="lt1"/>
-          </a:fontRef>
-        </p:style>
-        <p:txBody>
-          <a:bodyPr rtlCol="0" anchor="ctr"/>
-          <a:lstStyle/>
-          <a:p>
-            <a:pPr algn="ctr"/>
-            <a:endParaRPr lang="en-US"/>
-          </a:p>
-        </p:txBody>
-      </p:sp>
-      <p:sp>
-        <p:nvSpPr>
-          <p:cNvPr id="30" name="Freeform: Shape 29">
-            <a:extLst>
-              <a:ext uri="{FF2B5EF4-FFF2-40B4-BE49-F238E27FC236}">
-                <a16:creationId xmlns:a16="http://schemas.microsoft.com/office/drawing/2014/main" id="{BF230626-6AA9-420E-95ED-8966DBC152D9}"/>
-              </a:ext>
-            </a:extLst>
-          </p:cNvPr>
-          <p:cNvSpPr/>
-          <p:nvPr/>
-        </p:nvSpPr>
-        <p:spPr>
-          <a:xfrm>
-            <a:off x="5578796" y="2122741"/>
-            <a:ext cx="1542794" cy="586214"/>
-          </a:xfrm>
-          <a:custGeom>
-            <a:avLst/>
-            <a:gdLst>
-              <a:gd name="connsiteX0" fmla="*/ 1173480 w 1542794"/>
-              <a:gd name="connsiteY0" fmla="*/ 0 h 586214"/>
-              <a:gd name="connsiteX1" fmla="*/ 1393982 w 1542794"/>
-              <a:gd name="connsiteY1" fmla="*/ 0 h 586214"/>
-              <a:gd name="connsiteX2" fmla="*/ 1541183 w 1542794"/>
-              <a:gd name="connsiteY2" fmla="*/ 97571 h 586214"/>
-              <a:gd name="connsiteX3" fmla="*/ 1542794 w 1542794"/>
-              <a:gd name="connsiteY3" fmla="*/ 105553 h 586214"/>
-              <a:gd name="connsiteX4" fmla="*/ 1542794 w 1542794"/>
-              <a:gd name="connsiteY4" fmla="*/ 480661 h 586214"/>
-              <a:gd name="connsiteX5" fmla="*/ 1541183 w 1542794"/>
-              <a:gd name="connsiteY5" fmla="*/ 488643 h 586214"/>
-              <a:gd name="connsiteX6" fmla="*/ 1393982 w 1542794"/>
-              <a:gd name="connsiteY6" fmla="*/ 586214 h 586214"/>
-              <a:gd name="connsiteX7" fmla="*/ 0 w 1542794"/>
-              <a:gd name="connsiteY7" fmla="*/ 586214 h 586214"/>
-            </a:gdLst>
-            <a:ahLst/>
-            <a:cxnLst>
-              <a:cxn ang="0">
-                <a:pos x="connsiteX0" y="connsiteY0"/>
-              </a:cxn>
-              <a:cxn ang="0">
-                <a:pos x="connsiteX1" y="connsiteY1"/>
-              </a:cxn>
-              <a:cxn ang="0">
-                <a:pos x="connsiteX2" y="connsiteY2"/>
-              </a:cxn>
-              <a:cxn ang="0">
-                <a:pos x="connsiteX3" y="connsiteY3"/>
-              </a:cxn>
-              <a:cxn ang="0">
-                <a:pos x="connsiteX4" y="connsiteY4"/>
-              </a:cxn>
-              <a:cxn ang="0">
-                <a:pos x="connsiteX5" y="connsiteY5"/>
-              </a:cxn>
-              <a:cxn ang="0">
-                <a:pos x="connsiteX6" y="connsiteY6"/>
-              </a:cxn>
-              <a:cxn ang="0">
-                <a:pos x="connsiteX7" y="connsiteY7"/>
-              </a:cxn>
-            </a:cxnLst>
-            <a:rect l="l" t="t" r="r" b="b"/>
-            <a:pathLst>
-              <a:path w="1542794" h="586214">
-                <a:moveTo>
-                  <a:pt x="1173480" y="0"/>
-                </a:moveTo>
-                <a:lnTo>
-                  <a:pt x="1393982" y="0"/>
-                </a:lnTo>
-                <a:cubicBezTo>
-                  <a:pt x="1460155" y="0"/>
-                  <a:pt x="1516931" y="40233"/>
-                  <a:pt x="1541183" y="97571"/>
-                </a:cubicBezTo>
-                <a:lnTo>
-                  <a:pt x="1542794" y="105553"/>
-                </a:lnTo>
-                <a:lnTo>
-                  <a:pt x="1542794" y="480661"/>
-                </a:lnTo>
-                <a:lnTo>
-                  <a:pt x="1541183" y="488643"/>
-                </a:lnTo>
-                <a:cubicBezTo>
-                  <a:pt x="1516931" y="545981"/>
-                  <a:pt x="1460155" y="586214"/>
-                  <a:pt x="1393982" y="586214"/>
-                </a:cubicBezTo>
-                <a:lnTo>
-                  <a:pt x="0" y="586214"/>
-                </a:lnTo>
-                <a:close/>
-              </a:path>
-            </a:pathLst>
-          </a:custGeom>
-          <a:solidFill>
-            <a:srgbClr val="FFFFFF">
-              <a:alpha val="5098"/>
-            </a:srgbClr>
-          </a:solidFill>
-          <a:ln>
-            <a:noFill/>
-          </a:ln>
-        </p:spPr>
-        <p:style>
-          <a:lnRef idx="2">
-            <a:schemeClr val="accent1">
-              <a:shade val="50000"/>
-            </a:schemeClr>
-          </a:lnRef>
-          <a:fillRef idx="1">
-            <a:schemeClr val="accent1"/>
-          </a:fillRef>
-          <a:effectRef idx="0">
-            <a:schemeClr val="accent1"/>
-          </a:effectRef>
-          <a:fontRef idx="minor">
-            <a:schemeClr val="lt1"/>
-          </a:fontRef>
-        </p:style>
-        <p:txBody>
-          <a:bodyPr rtlCol="0" anchor="ctr"/>
-          <a:lstStyle/>
-          <a:p>
-            <a:pPr algn="ctr"/>
-            <a:endParaRPr lang="en-US"/>
-          </a:p>
-        </p:txBody>
-      </p:sp>
-      <p:sp>
-        <p:nvSpPr>
-          <p:cNvPr id="43" name="Freeform: Shape 42">
-            <a:extLst>
-              <a:ext uri="{FF2B5EF4-FFF2-40B4-BE49-F238E27FC236}">
-                <a16:creationId xmlns:a16="http://schemas.microsoft.com/office/drawing/2014/main" id="{CBFE791D-EE7E-4F42-B698-DC34DAAC2B30}"/>
-              </a:ext>
-            </a:extLst>
-          </p:cNvPr>
-          <p:cNvSpPr/>
-          <p:nvPr/>
-        </p:nvSpPr>
-        <p:spPr>
-          <a:xfrm>
-            <a:off x="5578176" y="2791324"/>
-            <a:ext cx="1542794" cy="586214"/>
-          </a:xfrm>
-          <a:custGeom>
-            <a:avLst/>
-            <a:gdLst>
-              <a:gd name="connsiteX0" fmla="*/ 1173480 w 1542794"/>
-              <a:gd name="connsiteY0" fmla="*/ 0 h 586214"/>
-              <a:gd name="connsiteX1" fmla="*/ 1393982 w 1542794"/>
-              <a:gd name="connsiteY1" fmla="*/ 0 h 586214"/>
-              <a:gd name="connsiteX2" fmla="*/ 1541183 w 1542794"/>
-              <a:gd name="connsiteY2" fmla="*/ 97571 h 586214"/>
-              <a:gd name="connsiteX3" fmla="*/ 1542794 w 1542794"/>
-              <a:gd name="connsiteY3" fmla="*/ 105553 h 586214"/>
-              <a:gd name="connsiteX4" fmla="*/ 1542794 w 1542794"/>
-              <a:gd name="connsiteY4" fmla="*/ 480661 h 586214"/>
-              <a:gd name="connsiteX5" fmla="*/ 1541183 w 1542794"/>
-              <a:gd name="connsiteY5" fmla="*/ 488643 h 586214"/>
-              <a:gd name="connsiteX6" fmla="*/ 1393982 w 1542794"/>
-              <a:gd name="connsiteY6" fmla="*/ 586214 h 586214"/>
-              <a:gd name="connsiteX7" fmla="*/ 0 w 1542794"/>
-              <a:gd name="connsiteY7" fmla="*/ 586214 h 586214"/>
-            </a:gdLst>
-            <a:ahLst/>
-            <a:cxnLst>
-              <a:cxn ang="0">
-                <a:pos x="connsiteX0" y="connsiteY0"/>
-              </a:cxn>
-              <a:cxn ang="0">
-                <a:pos x="connsiteX1" y="connsiteY1"/>
-              </a:cxn>
-              <a:cxn ang="0">
-                <a:pos x="connsiteX2" y="connsiteY2"/>
-              </a:cxn>
-              <a:cxn ang="0">
-                <a:pos x="connsiteX3" y="connsiteY3"/>
-              </a:cxn>
-              <a:cxn ang="0">
-                <a:pos x="connsiteX4" y="connsiteY4"/>
-              </a:cxn>
-              <a:cxn ang="0">
-                <a:pos x="connsiteX5" y="connsiteY5"/>
-              </a:cxn>
-              <a:cxn ang="0">
-                <a:pos x="connsiteX6" y="connsiteY6"/>
-              </a:cxn>
-              <a:cxn ang="0">
-                <a:pos x="connsiteX7" y="connsiteY7"/>
-              </a:cxn>
-            </a:cxnLst>
-            <a:rect l="l" t="t" r="r" b="b"/>
-            <a:pathLst>
-              <a:path w="1542794" h="586214">
-                <a:moveTo>
-                  <a:pt x="1173480" y="0"/>
-                </a:moveTo>
-                <a:lnTo>
-                  <a:pt x="1393982" y="0"/>
-                </a:lnTo>
-                <a:cubicBezTo>
-                  <a:pt x="1460155" y="0"/>
-                  <a:pt x="1516931" y="40233"/>
-                  <a:pt x="1541183" y="97571"/>
-                </a:cubicBezTo>
-                <a:lnTo>
-                  <a:pt x="1542794" y="105553"/>
-                </a:lnTo>
-                <a:lnTo>
-                  <a:pt x="1542794" y="480661"/>
-                </a:lnTo>
-                <a:lnTo>
-                  <a:pt x="1541183" y="488643"/>
-                </a:lnTo>
-                <a:cubicBezTo>
-                  <a:pt x="1516931" y="545981"/>
-                  <a:pt x="1460155" y="586214"/>
-                  <a:pt x="1393982" y="586214"/>
-                </a:cubicBezTo>
-                <a:lnTo>
-                  <a:pt x="0" y="586214"/>
-                </a:lnTo>
-                <a:close/>
-              </a:path>
-            </a:pathLst>
-          </a:custGeom>
-          <a:solidFill>
-            <a:srgbClr val="FFFFFF">
-              <a:alpha val="5098"/>
-            </a:srgbClr>
-          </a:solidFill>
-          <a:ln>
-            <a:noFill/>
-          </a:ln>
-        </p:spPr>
-        <p:style>
-          <a:lnRef idx="2">
-            <a:schemeClr val="accent1">
-              <a:shade val="50000"/>
-            </a:schemeClr>
-          </a:lnRef>
-          <a:fillRef idx="1">
-            <a:schemeClr val="accent1"/>
-          </a:fillRef>
-          <a:effectRef idx="0">
-            <a:schemeClr val="accent1"/>
-          </a:effectRef>
-          <a:fontRef idx="minor">
-            <a:schemeClr val="lt1"/>
-          </a:fontRef>
-        </p:style>
-        <p:txBody>
-          <a:bodyPr rtlCol="0" anchor="ctr"/>
-          <a:lstStyle/>
-          <a:p>
-            <a:pPr algn="ctr"/>
-            <a:endParaRPr lang="en-US"/>
-          </a:p>
-        </p:txBody>
-      </p:sp>
-      <p:sp>
-        <p:nvSpPr>
-          <p:cNvPr id="44" name="Freeform: Shape 43">
-            <a:extLst>
-              <a:ext uri="{FF2B5EF4-FFF2-40B4-BE49-F238E27FC236}">
-                <a16:creationId xmlns:a16="http://schemas.microsoft.com/office/drawing/2014/main" id="{8289F684-779F-4375-ADAA-44443C506488}"/>
-              </a:ext>
-            </a:extLst>
-          </p:cNvPr>
-          <p:cNvSpPr/>
-          <p:nvPr/>
-        </p:nvSpPr>
-        <p:spPr>
-          <a:xfrm>
-            <a:off x="5575651" y="3459907"/>
-            <a:ext cx="1542794" cy="586214"/>
-          </a:xfrm>
-          <a:custGeom>
-            <a:avLst/>
-            <a:gdLst>
-              <a:gd name="connsiteX0" fmla="*/ 1173480 w 1542794"/>
-              <a:gd name="connsiteY0" fmla="*/ 0 h 586214"/>
-              <a:gd name="connsiteX1" fmla="*/ 1393982 w 1542794"/>
-              <a:gd name="connsiteY1" fmla="*/ 0 h 586214"/>
-              <a:gd name="connsiteX2" fmla="*/ 1541183 w 1542794"/>
-              <a:gd name="connsiteY2" fmla="*/ 97571 h 586214"/>
-              <a:gd name="connsiteX3" fmla="*/ 1542794 w 1542794"/>
-              <a:gd name="connsiteY3" fmla="*/ 105553 h 586214"/>
-              <a:gd name="connsiteX4" fmla="*/ 1542794 w 1542794"/>
-              <a:gd name="connsiteY4" fmla="*/ 480661 h 586214"/>
-              <a:gd name="connsiteX5" fmla="*/ 1541183 w 1542794"/>
-              <a:gd name="connsiteY5" fmla="*/ 488643 h 586214"/>
-              <a:gd name="connsiteX6" fmla="*/ 1393982 w 1542794"/>
-              <a:gd name="connsiteY6" fmla="*/ 586214 h 586214"/>
-              <a:gd name="connsiteX7" fmla="*/ 0 w 1542794"/>
-              <a:gd name="connsiteY7" fmla="*/ 586214 h 586214"/>
-            </a:gdLst>
-            <a:ahLst/>
-            <a:cxnLst>
-              <a:cxn ang="0">
-                <a:pos x="connsiteX0" y="connsiteY0"/>
-              </a:cxn>
-              <a:cxn ang="0">
-                <a:pos x="connsiteX1" y="connsiteY1"/>
-              </a:cxn>
-              <a:cxn ang="0">
-                <a:pos x="connsiteX2" y="connsiteY2"/>
-              </a:cxn>
-              <a:cxn ang="0">
-                <a:pos x="connsiteX3" y="connsiteY3"/>
-              </a:cxn>
-              <a:cxn ang="0">
-                <a:pos x="connsiteX4" y="connsiteY4"/>
-              </a:cxn>
-              <a:cxn ang="0">
-                <a:pos x="connsiteX5" y="connsiteY5"/>
-              </a:cxn>
-              <a:cxn ang="0">
-                <a:pos x="connsiteX6" y="connsiteY6"/>
-              </a:cxn>
-              <a:cxn ang="0">
-                <a:pos x="connsiteX7" y="connsiteY7"/>
-              </a:cxn>
-            </a:cxnLst>
-            <a:rect l="l" t="t" r="r" b="b"/>
-            <a:pathLst>
-              <a:path w="1542794" h="586214">
-                <a:moveTo>
-                  <a:pt x="1173480" y="0"/>
-                </a:moveTo>
-                <a:lnTo>
-                  <a:pt x="1393982" y="0"/>
-                </a:lnTo>
-                <a:cubicBezTo>
-                  <a:pt x="1460155" y="0"/>
-                  <a:pt x="1516931" y="40233"/>
-                  <a:pt x="1541183" y="97571"/>
-                </a:cubicBezTo>
-                <a:lnTo>
-                  <a:pt x="1542794" y="105553"/>
-                </a:lnTo>
-                <a:lnTo>
-                  <a:pt x="1542794" y="480661"/>
-                </a:lnTo>
-                <a:lnTo>
-                  <a:pt x="1541183" y="488643"/>
-                </a:lnTo>
-                <a:cubicBezTo>
-                  <a:pt x="1516931" y="545981"/>
-                  <a:pt x="1460155" y="586214"/>
-                  <a:pt x="1393982" y="586214"/>
-                </a:cubicBezTo>
-                <a:lnTo>
-                  <a:pt x="0" y="586214"/>
-                </a:lnTo>
-                <a:close/>
-              </a:path>
-            </a:pathLst>
-          </a:custGeom>
-          <a:solidFill>
-            <a:srgbClr val="FFFFFF">
-              <a:alpha val="5098"/>
-            </a:srgbClr>
-          </a:solidFill>
-          <a:ln>
-            <a:noFill/>
-          </a:ln>
-        </p:spPr>
-        <p:style>
-          <a:lnRef idx="2">
-            <a:schemeClr val="accent1">
-              <a:shade val="50000"/>
-            </a:schemeClr>
-          </a:lnRef>
-          <a:fillRef idx="1">
-            <a:schemeClr val="accent1"/>
-          </a:fillRef>
-          <a:effectRef idx="0">
-            <a:schemeClr val="accent1"/>
-          </a:effectRef>
-          <a:fontRef idx="minor">
-            <a:schemeClr val="lt1"/>
-          </a:fontRef>
-        </p:style>
-        <p:txBody>
-          <a:bodyPr rtlCol="0" anchor="ctr"/>
-          <a:lstStyle/>
-          <a:p>
-            <a:pPr algn="ctr"/>
-            <a:endParaRPr lang="en-US"/>
-          </a:p>
-        </p:txBody>
-      </p:sp>
-      <p:grpSp>
-        <p:nvGrpSpPr>
-          <p:cNvPr id="45" name="Group 44">
-            <a:extLst>
-              <a:ext uri="{FF2B5EF4-FFF2-40B4-BE49-F238E27FC236}">
-                <a16:creationId xmlns:a16="http://schemas.microsoft.com/office/drawing/2014/main" id="{3AD58302-6B97-490E-BC62-2EEE4C68A8D6}"/>
-              </a:ext>
-            </a:extLst>
-          </p:cNvPr>
-          <p:cNvGrpSpPr/>
-          <p:nvPr/>
-        </p:nvGrpSpPr>
-        <p:grpSpPr>
-          <a:xfrm>
-            <a:off x="5246029" y="2260686"/>
-            <a:ext cx="1423994" cy="307777"/>
-            <a:chOff x="5229162" y="2228521"/>
-            <a:chExt cx="1423994" cy="307777"/>
-          </a:xfrm>
-        </p:grpSpPr>
-        <p:sp>
-          <p:nvSpPr>
-            <p:cNvPr id="46" name="Rectangle 45">
-              <a:extLst>
-                <a:ext uri="{FF2B5EF4-FFF2-40B4-BE49-F238E27FC236}">
-                  <a16:creationId xmlns:a16="http://schemas.microsoft.com/office/drawing/2014/main" id="{A42FB915-ECA4-4F26-BC11-60935BC747BA}"/>
-                </a:ext>
-              </a:extLst>
-            </p:cNvPr>
-            <p:cNvSpPr/>
-            <p:nvPr/>
-          </p:nvSpPr>
-          <p:spPr>
-            <a:xfrm>
-              <a:off x="5498674" y="2228521"/>
-              <a:ext cx="1154482" cy="307777"/>
+              <a:off x="5132695" y="3130164"/>
+              <a:ext cx="636713" cy="215444"/>
             </a:xfrm>
             <a:prstGeom prst="rect">
               <a:avLst/>
@@ -8232,176 +5769,21 @@
             <a:p>
               <a:pPr algn="ctr"/>
               <a:r>
-                <a:rPr lang="en-US" sz="1400" b="1" cap="none" spc="0" dirty="0">
+                <a:rPr lang="en-US" sz="800" i="1" dirty="0">
                   <a:ln w="0"/>
                   <a:solidFill>
-                    <a:schemeClr val="bg1"/>
+                    <a:srgbClr val="E26A64"/>
                   </a:solidFill>
                   <a:latin typeface="Bahnschrift Light" panose="020B0502040204020203" pitchFamily="34" charset="0"/>
                   <a:ea typeface="Arial Unicode MS" panose="020B0604020202020204" pitchFamily="34" charset="-128"/>
                   <a:cs typeface="Arial Unicode MS" panose="020B0604020202020204" pitchFamily="34" charset="-128"/>
                 </a:rPr>
-                <a:t>Post a shout</a:t>
+                <a:t>password</a:t>
               </a:r>
-            </a:p>
-          </p:txBody>
-        </p:sp>
-        <p:pic>
-          <p:nvPicPr>
-            <p:cNvPr id="47" name="Picture 46">
-              <a:extLst>
-                <a:ext uri="{FF2B5EF4-FFF2-40B4-BE49-F238E27FC236}">
-                  <a16:creationId xmlns:a16="http://schemas.microsoft.com/office/drawing/2014/main" id="{8D98524B-DECD-40C6-8107-E245770E1DC3}"/>
-                </a:ext>
-              </a:extLst>
-            </p:cNvPr>
-            <p:cNvPicPr>
-              <a:picLocks noChangeAspect="1"/>
-            </p:cNvPicPr>
-            <p:nvPr/>
-          </p:nvPicPr>
-          <p:blipFill>
-            <a:blip r:embed="rId2">
-              <a:extLst>
-                <a:ext uri="{BEBA8EAE-BF5A-486C-A8C5-ECC9F3942E4B}">
-                  <a14:imgProps xmlns:a14="http://schemas.microsoft.com/office/drawing/2010/main">
-                    <a14:imgLayer r:embed="rId3">
-                      <a14:imgEffect>
-                        <a14:brightnessContrast bright="100000"/>
-                      </a14:imgEffect>
-                    </a14:imgLayer>
-                  </a14:imgProps>
-                </a:ext>
-                <a:ext uri="{28A0092B-C50C-407E-A947-70E740481C1C}">
-                  <a14:useLocalDpi xmlns:a14="http://schemas.microsoft.com/office/drawing/2010/main" val="0"/>
-                </a:ext>
-              </a:extLst>
-            </a:blip>
-            <a:stretch>
-              <a:fillRect/>
-            </a:stretch>
-          </p:blipFill>
-          <p:spPr>
-            <a:xfrm>
-              <a:off x="5229162" y="2243324"/>
-              <a:ext cx="278171" cy="278171"/>
-            </a:xfrm>
-            <a:prstGeom prst="rect">
-              <a:avLst/>
-            </a:prstGeom>
-          </p:spPr>
-        </p:pic>
-      </p:grpSp>
-      <p:grpSp>
-        <p:nvGrpSpPr>
-          <p:cNvPr id="48" name="Group 47">
-            <a:extLst>
-              <a:ext uri="{FF2B5EF4-FFF2-40B4-BE49-F238E27FC236}">
-                <a16:creationId xmlns:a16="http://schemas.microsoft.com/office/drawing/2014/main" id="{207FBA84-D70A-42CF-A083-7014EC468A13}"/>
-              </a:ext>
-            </a:extLst>
-          </p:cNvPr>
-          <p:cNvGrpSpPr/>
-          <p:nvPr/>
-        </p:nvGrpSpPr>
-        <p:grpSpPr>
-          <a:xfrm>
-            <a:off x="5220684" y="2928638"/>
-            <a:ext cx="1474685" cy="307777"/>
-            <a:chOff x="5220684" y="2928638"/>
-            <a:chExt cx="1474685" cy="307777"/>
-          </a:xfrm>
-        </p:grpSpPr>
-        <p:pic>
-          <p:nvPicPr>
-            <p:cNvPr id="49" name="Picture 48">
-              <a:extLst>
-                <a:ext uri="{FF2B5EF4-FFF2-40B4-BE49-F238E27FC236}">
-                  <a16:creationId xmlns:a16="http://schemas.microsoft.com/office/drawing/2014/main" id="{69D875E1-DC86-4C60-B5F6-32686057453B}"/>
-                </a:ext>
-              </a:extLst>
-            </p:cNvPr>
-            <p:cNvPicPr>
-              <a:picLocks noChangeAspect="1"/>
-            </p:cNvPicPr>
-            <p:nvPr/>
-          </p:nvPicPr>
-          <p:blipFill>
-            <a:blip r:embed="rId4">
-              <a:extLst>
-                <a:ext uri="{BEBA8EAE-BF5A-486C-A8C5-ECC9F3942E4B}">
-                  <a14:imgProps xmlns:a14="http://schemas.microsoft.com/office/drawing/2010/main">
-                    <a14:imgLayer r:embed="rId5">
-                      <a14:imgEffect>
-                        <a14:brightnessContrast bright="100000"/>
-                      </a14:imgEffect>
-                    </a14:imgLayer>
-                  </a14:imgProps>
-                </a:ext>
-                <a:ext uri="{28A0092B-C50C-407E-A947-70E740481C1C}">
-                  <a14:useLocalDpi xmlns:a14="http://schemas.microsoft.com/office/drawing/2010/main" val="0"/>
-                </a:ext>
-              </a:extLst>
-            </a:blip>
-            <a:stretch>
-              <a:fillRect/>
-            </a:stretch>
-          </p:blipFill>
-          <p:spPr>
-            <a:xfrm>
-              <a:off x="5220684" y="2958707"/>
-              <a:ext cx="247638" cy="247638"/>
-            </a:xfrm>
-            <a:prstGeom prst="rect">
-              <a:avLst/>
-            </a:prstGeom>
-          </p:spPr>
-        </p:pic>
-        <p:sp>
-          <p:nvSpPr>
-            <p:cNvPr id="50" name="Rectangle 49">
-              <a:extLst>
-                <a:ext uri="{FF2B5EF4-FFF2-40B4-BE49-F238E27FC236}">
-                  <a16:creationId xmlns:a16="http://schemas.microsoft.com/office/drawing/2014/main" id="{A5C1958E-B295-4F44-BCC9-F7FD6DC09452}"/>
-                </a:ext>
-              </a:extLst>
-            </p:cNvPr>
-            <p:cNvSpPr/>
-            <p:nvPr/>
-          </p:nvSpPr>
-          <p:spPr>
-            <a:xfrm>
-              <a:off x="5446309" y="2928638"/>
-              <a:ext cx="1249060" cy="307777"/>
-            </a:xfrm>
-            <a:prstGeom prst="rect">
-              <a:avLst/>
-            </a:prstGeom>
-            <a:noFill/>
-          </p:spPr>
-          <p:txBody>
-            <a:bodyPr wrap="none" lIns="91440" tIns="45720" rIns="91440" bIns="45720">
-              <a:spAutoFit/>
-            </a:bodyPr>
-            <a:lstStyle/>
-            <a:p>
-              <a:pPr algn="ctr"/>
-              <a:r>
-                <a:rPr lang="en-US" sz="1400" b="1" dirty="0">
-                  <a:ln w="0"/>
-                  <a:solidFill>
-                    <a:schemeClr val="bg1"/>
-                  </a:solidFill>
-                  <a:latin typeface="Bahnschrift Light" panose="020B0502040204020203" pitchFamily="34" charset="0"/>
-                  <a:ea typeface="Arial Unicode MS" panose="020B0604020202020204" pitchFamily="34" charset="-128"/>
-                  <a:cs typeface="Arial Unicode MS" panose="020B0604020202020204" pitchFamily="34" charset="-128"/>
-                </a:rPr>
-                <a:t>Review shout</a:t>
-              </a:r>
-              <a:endParaRPr lang="en-US" sz="1400" b="1" cap="none" spc="0" dirty="0">
+              <a:endParaRPr lang="en-US" sz="800" i="1" cap="none" spc="0" dirty="0">
                 <a:ln w="0"/>
                 <a:solidFill>
-                  <a:schemeClr val="bg1"/>
+                  <a:srgbClr val="E26A64"/>
                 </a:solidFill>
                 <a:latin typeface="Bahnschrift Light" panose="020B0502040204020203" pitchFamily="34" charset="0"/>
                 <a:ea typeface="Arial Unicode MS" panose="020B0604020202020204" pitchFamily="34" charset="-128"/>
@@ -8413,10 +5795,10 @@
       </p:grpSp>
       <p:grpSp>
         <p:nvGrpSpPr>
-          <p:cNvPr id="51" name="Group 50">
-            <a:extLst>
-              <a:ext uri="{FF2B5EF4-FFF2-40B4-BE49-F238E27FC236}">
-                <a16:creationId xmlns:a16="http://schemas.microsoft.com/office/drawing/2014/main" id="{625850B0-BC80-4844-BB3C-1ACD31BE4AC6}"/>
+          <p:cNvPr id="24" name="Group 23">
+            <a:extLst>
+              <a:ext uri="{FF2B5EF4-FFF2-40B4-BE49-F238E27FC236}">
+                <a16:creationId xmlns:a16="http://schemas.microsoft.com/office/drawing/2014/main" id="{AF5E30D4-D164-4D45-B2C6-51647B185307}"/>
               </a:ext>
             </a:extLst>
           </p:cNvPr>
@@ -8425,63 +5807,18 @@
         </p:nvGrpSpPr>
         <p:grpSpPr>
           <a:xfrm>
-            <a:off x="5389973" y="3611994"/>
-            <a:ext cx="1168502" cy="307777"/>
-            <a:chOff x="5410099" y="3584596"/>
-            <a:chExt cx="1168502" cy="307777"/>
+            <a:off x="5041684" y="4011733"/>
+            <a:ext cx="1819354" cy="237490"/>
+            <a:chOff x="5041684" y="3558973"/>
+            <a:chExt cx="1819354" cy="237490"/>
           </a:xfrm>
         </p:grpSpPr>
-        <p:pic>
-          <p:nvPicPr>
-            <p:cNvPr id="52" name="Picture 51">
+        <p:sp>
+          <p:nvSpPr>
+            <p:cNvPr id="87" name="Rectangle: Rounded Corners 86">
               <a:extLst>
                 <a:ext uri="{FF2B5EF4-FFF2-40B4-BE49-F238E27FC236}">
-                  <a16:creationId xmlns:a16="http://schemas.microsoft.com/office/drawing/2014/main" id="{320A9FA4-4844-442A-A463-E102B4919EEF}"/>
-                </a:ext>
-              </a:extLst>
-            </p:cNvPr>
-            <p:cNvPicPr>
-              <a:picLocks noChangeAspect="1"/>
-            </p:cNvPicPr>
-            <p:nvPr/>
-          </p:nvPicPr>
-          <p:blipFill>
-            <a:blip r:embed="rId6">
-              <a:extLst>
-                <a:ext uri="{BEBA8EAE-BF5A-486C-A8C5-ECC9F3942E4B}">
-                  <a14:imgProps xmlns:a14="http://schemas.microsoft.com/office/drawing/2010/main">
-                    <a14:imgLayer r:embed="rId7">
-                      <a14:imgEffect>
-                        <a14:brightnessContrast bright="100000"/>
-                      </a14:imgEffect>
-                    </a14:imgLayer>
-                  </a14:imgProps>
-                </a:ext>
-                <a:ext uri="{28A0092B-C50C-407E-A947-70E740481C1C}">
-                  <a14:useLocalDpi xmlns:a14="http://schemas.microsoft.com/office/drawing/2010/main" val="0"/>
-                </a:ext>
-              </a:extLst>
-            </a:blip>
-            <a:stretch>
-              <a:fillRect/>
-            </a:stretch>
-          </p:blipFill>
-          <p:spPr>
-            <a:xfrm>
-              <a:off x="5410099" y="3584596"/>
-              <a:ext cx="225004" cy="225004"/>
-            </a:xfrm>
-            <a:prstGeom prst="rect">
-              <a:avLst/>
-            </a:prstGeom>
-          </p:spPr>
-        </p:pic>
-        <p:sp>
-          <p:nvSpPr>
-            <p:cNvPr id="53" name="Rectangle 52">
-              <a:extLst>
-                <a:ext uri="{FF2B5EF4-FFF2-40B4-BE49-F238E27FC236}">
-                  <a16:creationId xmlns:a16="http://schemas.microsoft.com/office/drawing/2014/main" id="{5575CAD3-773A-41C6-B7B6-6C590E889354}"/>
+                  <a16:creationId xmlns:a16="http://schemas.microsoft.com/office/drawing/2014/main" id="{8EDB0E4A-85F0-4F12-AA1F-ABFC941F334D}"/>
                 </a:ext>
               </a:extLst>
             </p:cNvPr>
@@ -8490,90 +5827,16 @@
           </p:nvSpPr>
           <p:spPr>
             <a:xfrm>
-              <a:off x="5643730" y="3584596"/>
-              <a:ext cx="934871" cy="307777"/>
-            </a:xfrm>
-            <a:prstGeom prst="rect">
-              <a:avLst/>
-            </a:prstGeom>
-            <a:noFill/>
-          </p:spPr>
-          <p:txBody>
-            <a:bodyPr wrap="none" lIns="91440" tIns="45720" rIns="91440" bIns="45720">
-              <a:spAutoFit/>
-            </a:bodyPr>
-            <a:lstStyle/>
-            <a:p>
-              <a:pPr algn="ctr"/>
-              <a:r>
-                <a:rPr lang="en-US" sz="1400" b="1" dirty="0">
-                  <a:ln w="0"/>
-                  <a:solidFill>
-                    <a:schemeClr val="bg1"/>
-                  </a:solidFill>
-                  <a:latin typeface="Bahnschrift Light" panose="020B0502040204020203" pitchFamily="34" charset="0"/>
-                  <a:ea typeface="Arial Unicode MS" panose="020B0604020202020204" pitchFamily="34" charset="-128"/>
-                  <a:cs typeface="Arial Unicode MS" panose="020B0604020202020204" pitchFamily="34" charset="-128"/>
-                </a:rPr>
-                <a:t>Statistics</a:t>
-              </a:r>
-              <a:endParaRPr lang="en-US" sz="1400" b="1" cap="none" spc="0" dirty="0">
-                <a:ln w="0"/>
-                <a:solidFill>
-                  <a:schemeClr val="bg1"/>
-                </a:solidFill>
-                <a:latin typeface="Bahnschrift Light" panose="020B0502040204020203" pitchFamily="34" charset="0"/>
-                <a:ea typeface="Arial Unicode MS" panose="020B0604020202020204" pitchFamily="34" charset="-128"/>
-                <a:cs typeface="Arial Unicode MS" panose="020B0604020202020204" pitchFamily="34" charset="-128"/>
-              </a:endParaRPr>
-            </a:p>
-          </p:txBody>
-        </p:sp>
-      </p:grpSp>
-      <p:grpSp>
-        <p:nvGrpSpPr>
-          <p:cNvPr id="40" name="Group 39">
-            <a:extLst>
-              <a:ext uri="{FF2B5EF4-FFF2-40B4-BE49-F238E27FC236}">
-                <a16:creationId xmlns:a16="http://schemas.microsoft.com/office/drawing/2014/main" id="{213752FD-F62B-4034-9BBD-E2ED5D772677}"/>
-              </a:ext>
-            </a:extLst>
-          </p:cNvPr>
-          <p:cNvGrpSpPr/>
-          <p:nvPr/>
-        </p:nvGrpSpPr>
-        <p:grpSpPr>
-          <a:xfrm>
-            <a:off x="4575668" y="4400973"/>
-            <a:ext cx="2739531" cy="2183498"/>
-            <a:chOff x="8128494" y="2217941"/>
-            <a:chExt cx="2739531" cy="2183498"/>
-          </a:xfrm>
-        </p:grpSpPr>
-        <p:sp>
-          <p:nvSpPr>
-            <p:cNvPr id="41" name="Rectangle: Rounded Corners 40">
-              <a:extLst>
-                <a:ext uri="{FF2B5EF4-FFF2-40B4-BE49-F238E27FC236}">
-                  <a16:creationId xmlns:a16="http://schemas.microsoft.com/office/drawing/2014/main" id="{BDE4BBF7-08AB-47D6-A79E-07FFBCCB64FD}"/>
-                </a:ext>
-              </a:extLst>
-            </p:cNvPr>
-            <p:cNvSpPr/>
-            <p:nvPr/>
-          </p:nvSpPr>
-          <p:spPr>
-            <a:xfrm>
-              <a:off x="8142582" y="2217941"/>
-              <a:ext cx="2725443" cy="2152129"/>
+              <a:off x="5041684" y="3558973"/>
+              <a:ext cx="1819354" cy="237490"/>
             </a:xfrm>
             <a:prstGeom prst="roundRect">
               <a:avLst>
-                <a:gd name="adj" fmla="val 15306"/>
+                <a:gd name="adj" fmla="val 50000"/>
               </a:avLst>
             </a:prstGeom>
             <a:solidFill>
-              <a:srgbClr val="D93931"/>
+              <a:srgbClr val="00B050"/>
             </a:solidFill>
             <a:ln>
               <a:noFill/>
@@ -8606,10 +5869,10 @@
         </p:sp>
         <p:sp>
           <p:nvSpPr>
-            <p:cNvPr id="42" name="Freeform: Shape 41">
+            <p:cNvPr id="88" name="Rectangle 87">
               <a:extLst>
                 <a:ext uri="{FF2B5EF4-FFF2-40B4-BE49-F238E27FC236}">
-                  <a16:creationId xmlns:a16="http://schemas.microsoft.com/office/drawing/2014/main" id="{658A0467-E5ED-4A44-B8D9-BAEF474F240A}"/>
+                  <a16:creationId xmlns:a16="http://schemas.microsoft.com/office/drawing/2014/main" id="{76A30353-D916-423F-91F8-AABEBAD2A1B2}"/>
                 </a:ext>
               </a:extLst>
             </p:cNvPr>
@@ -8618,514 +5881,8 @@
           </p:nvSpPr>
           <p:spPr>
             <a:xfrm>
-              <a:off x="8139592" y="2935039"/>
-              <a:ext cx="2724659" cy="1433362"/>
-            </a:xfrm>
-            <a:custGeom>
-              <a:avLst/>
-              <a:gdLst>
-                <a:gd name="connsiteX0" fmla="*/ 576067 w 2724659"/>
-                <a:gd name="connsiteY0" fmla="*/ 316 h 1433362"/>
-                <a:gd name="connsiteX1" fmla="*/ 679765 w 2724659"/>
-                <a:gd name="connsiteY1" fmla="*/ 2591 h 1433362"/>
-                <a:gd name="connsiteX2" fmla="*/ 2581404 w 2724659"/>
-                <a:gd name="connsiteY2" fmla="*/ 1084288 h 1433362"/>
-                <a:gd name="connsiteX3" fmla="*/ 2724659 w 2724659"/>
-                <a:gd name="connsiteY3" fmla="*/ 1111735 h 1433362"/>
-                <a:gd name="connsiteX4" fmla="*/ 2718751 w 2724659"/>
-                <a:gd name="connsiteY4" fmla="*/ 1170344 h 1433362"/>
-                <a:gd name="connsiteX5" fmla="*/ 2396038 w 2724659"/>
-                <a:gd name="connsiteY5" fmla="*/ 1433362 h 1433362"/>
-                <a:gd name="connsiteX6" fmla="*/ 329405 w 2724659"/>
-                <a:gd name="connsiteY6" fmla="*/ 1433362 h 1433362"/>
-                <a:gd name="connsiteX7" fmla="*/ 0 w 2724659"/>
-                <a:gd name="connsiteY7" fmla="*/ 1103957 h 1433362"/>
-                <a:gd name="connsiteX8" fmla="*/ 0 w 2724659"/>
-                <a:gd name="connsiteY8" fmla="*/ 132201 h 1433362"/>
-                <a:gd name="connsiteX9" fmla="*/ 224641 w 2724659"/>
-                <a:gd name="connsiteY9" fmla="*/ 54703 h 1433362"/>
-                <a:gd name="connsiteX10" fmla="*/ 576067 w 2724659"/>
-                <a:gd name="connsiteY10" fmla="*/ 316 h 1433362"/>
-              </a:gdLst>
-              <a:ahLst/>
-              <a:cxnLst>
-                <a:cxn ang="0">
-                  <a:pos x="connsiteX0" y="connsiteY0"/>
-                </a:cxn>
-                <a:cxn ang="0">
-                  <a:pos x="connsiteX1" y="connsiteY1"/>
-                </a:cxn>
-                <a:cxn ang="0">
-                  <a:pos x="connsiteX2" y="connsiteY2"/>
-                </a:cxn>
-                <a:cxn ang="0">
-                  <a:pos x="connsiteX3" y="connsiteY3"/>
-                </a:cxn>
-                <a:cxn ang="0">
-                  <a:pos x="connsiteX4" y="connsiteY4"/>
-                </a:cxn>
-                <a:cxn ang="0">
-                  <a:pos x="connsiteX5" y="connsiteY5"/>
-                </a:cxn>
-                <a:cxn ang="0">
-                  <a:pos x="connsiteX6" y="connsiteY6"/>
-                </a:cxn>
-                <a:cxn ang="0">
-                  <a:pos x="connsiteX7" y="connsiteY7"/>
-                </a:cxn>
-                <a:cxn ang="0">
-                  <a:pos x="connsiteX8" y="connsiteY8"/>
-                </a:cxn>
-                <a:cxn ang="0">
-                  <a:pos x="connsiteX9" y="connsiteY9"/>
-                </a:cxn>
-                <a:cxn ang="0">
-                  <a:pos x="connsiteX10" y="connsiteY10"/>
-                </a:cxn>
-              </a:cxnLst>
-              <a:rect l="l" t="t" r="r" b="b"/>
-              <a:pathLst>
-                <a:path w="2724659" h="1433362">
-                  <a:moveTo>
-                    <a:pt x="576067" y="316"/>
-                  </a:moveTo>
-                  <a:cubicBezTo>
-                    <a:pt x="611657" y="-507"/>
-                    <a:pt x="646191" y="291"/>
-                    <a:pt x="679765" y="2591"/>
-                  </a:cubicBezTo>
-                  <a:cubicBezTo>
-                    <a:pt x="1435177" y="54346"/>
-                    <a:pt x="1704458" y="866554"/>
-                    <a:pt x="2581404" y="1084288"/>
-                  </a:cubicBezTo>
-                  <a:lnTo>
-                    <a:pt x="2724659" y="1111735"/>
-                  </a:lnTo>
-                  <a:lnTo>
-                    <a:pt x="2718751" y="1170344"/>
-                  </a:lnTo>
-                  <a:cubicBezTo>
-                    <a:pt x="2688035" y="1320448"/>
-                    <a:pt x="2555222" y="1433362"/>
-                    <a:pt x="2396038" y="1433362"/>
-                  </a:cubicBezTo>
-                  <a:lnTo>
-                    <a:pt x="329405" y="1433362"/>
-                  </a:lnTo>
-                  <a:cubicBezTo>
-                    <a:pt x="147480" y="1433362"/>
-                    <a:pt x="0" y="1285882"/>
-                    <a:pt x="0" y="1103957"/>
-                  </a:cubicBezTo>
-                  <a:lnTo>
-                    <a:pt x="0" y="132201"/>
-                  </a:lnTo>
-                  <a:lnTo>
-                    <a:pt x="224641" y="54703"/>
-                  </a:lnTo>
-                  <a:cubicBezTo>
-                    <a:pt x="353018" y="19843"/>
-                    <a:pt x="469296" y="2784"/>
-                    <a:pt x="576067" y="316"/>
-                  </a:cubicBezTo>
-                  <a:close/>
-                </a:path>
-              </a:pathLst>
-            </a:custGeom>
-            <a:solidFill>
-              <a:srgbClr val="FFFFFF">
-                <a:alpha val="10196"/>
-              </a:srgbClr>
-            </a:solidFill>
-            <a:ln>
-              <a:noFill/>
-            </a:ln>
-          </p:spPr>
-          <p:style>
-            <a:lnRef idx="2">
-              <a:schemeClr val="accent1">
-                <a:shade val="50000"/>
-              </a:schemeClr>
-            </a:lnRef>
-            <a:fillRef idx="1">
-              <a:schemeClr val="accent1"/>
-            </a:fillRef>
-            <a:effectRef idx="0">
-              <a:schemeClr val="accent1"/>
-            </a:effectRef>
-            <a:fontRef idx="minor">
-              <a:schemeClr val="lt1"/>
-            </a:fontRef>
-          </p:style>
-          <p:txBody>
-            <a:bodyPr rtlCol="0" anchor="ctr"/>
-            <a:lstStyle/>
-            <a:p>
-              <a:pPr algn="ctr"/>
-              <a:endParaRPr lang="en-US" dirty="0"/>
-            </a:p>
-          </p:txBody>
-        </p:sp>
-        <p:sp>
-          <p:nvSpPr>
-            <p:cNvPr id="54" name="Freeform: Shape 53">
-              <a:extLst>
-                <a:ext uri="{FF2B5EF4-FFF2-40B4-BE49-F238E27FC236}">
-                  <a16:creationId xmlns:a16="http://schemas.microsoft.com/office/drawing/2014/main" id="{E0AE3D6A-7C3F-43BF-9C2B-E1783EBE676F}"/>
-                </a:ext>
-              </a:extLst>
-            </p:cNvPr>
-            <p:cNvSpPr/>
-            <p:nvPr/>
-          </p:nvSpPr>
-          <p:spPr>
-            <a:xfrm flipH="1" flipV="1">
-              <a:off x="8128494" y="3319448"/>
-              <a:ext cx="2725443" cy="1081991"/>
-            </a:xfrm>
-            <a:custGeom>
-              <a:avLst/>
-              <a:gdLst>
-                <a:gd name="connsiteX0" fmla="*/ 259242 w 2725443"/>
-                <a:gd name="connsiteY0" fmla="*/ 1079910 h 1081991"/>
-                <a:gd name="connsiteX1" fmla="*/ 12877 w 2725443"/>
-                <a:gd name="connsiteY1" fmla="*/ 1057328 h 1081991"/>
-                <a:gd name="connsiteX2" fmla="*/ 0 w 2725443"/>
-                <a:gd name="connsiteY2" fmla="*/ 1055016 h 1081991"/>
-                <a:gd name="connsiteX3" fmla="*/ 0 w 2725443"/>
-                <a:gd name="connsiteY3" fmla="*/ 329405 h 1081991"/>
-                <a:gd name="connsiteX4" fmla="*/ 329405 w 2725443"/>
-                <a:gd name="connsiteY4" fmla="*/ 0 h 1081991"/>
-                <a:gd name="connsiteX5" fmla="*/ 2396038 w 2725443"/>
-                <a:gd name="connsiteY5" fmla="*/ 0 h 1081991"/>
-                <a:gd name="connsiteX6" fmla="*/ 2725443 w 2725443"/>
-                <a:gd name="connsiteY6" fmla="*/ 329405 h 1081991"/>
-                <a:gd name="connsiteX7" fmla="*/ 2725443 w 2725443"/>
-                <a:gd name="connsiteY7" fmla="*/ 388399 h 1081991"/>
-                <a:gd name="connsiteX8" fmla="*/ 2645227 w 2725443"/>
-                <a:gd name="connsiteY8" fmla="*/ 391118 h 1081991"/>
-                <a:gd name="connsiteX9" fmla="*/ 259242 w 2725443"/>
-                <a:gd name="connsiteY9" fmla="*/ 1079910 h 1081991"/>
-              </a:gdLst>
-              <a:ahLst/>
-              <a:cxnLst>
-                <a:cxn ang="0">
-                  <a:pos x="connsiteX0" y="connsiteY0"/>
-                </a:cxn>
-                <a:cxn ang="0">
-                  <a:pos x="connsiteX1" y="connsiteY1"/>
-                </a:cxn>
-                <a:cxn ang="0">
-                  <a:pos x="connsiteX2" y="connsiteY2"/>
-                </a:cxn>
-                <a:cxn ang="0">
-                  <a:pos x="connsiteX3" y="connsiteY3"/>
-                </a:cxn>
-                <a:cxn ang="0">
-                  <a:pos x="connsiteX4" y="connsiteY4"/>
-                </a:cxn>
-                <a:cxn ang="0">
-                  <a:pos x="connsiteX5" y="connsiteY5"/>
-                </a:cxn>
-                <a:cxn ang="0">
-                  <a:pos x="connsiteX6" y="connsiteY6"/>
-                </a:cxn>
-                <a:cxn ang="0">
-                  <a:pos x="connsiteX7" y="connsiteY7"/>
-                </a:cxn>
-                <a:cxn ang="0">
-                  <a:pos x="connsiteX8" y="connsiteY8"/>
-                </a:cxn>
-                <a:cxn ang="0">
-                  <a:pos x="connsiteX9" y="connsiteY9"/>
-                </a:cxn>
-              </a:cxnLst>
-              <a:rect l="l" t="t" r="r" b="b"/>
-              <a:pathLst>
-                <a:path w="2725443" h="1081991">
-                  <a:moveTo>
-                    <a:pt x="259242" y="1079910"/>
-                  </a:moveTo>
-                  <a:cubicBezTo>
-                    <a:pt x="182049" y="1076599"/>
-                    <a:pt x="100186" y="1069258"/>
-                    <a:pt x="12877" y="1057328"/>
-                  </a:cubicBezTo>
-                  <a:lnTo>
-                    <a:pt x="0" y="1055016"/>
-                  </a:lnTo>
-                  <a:lnTo>
-                    <a:pt x="0" y="329405"/>
-                  </a:lnTo>
-                  <a:cubicBezTo>
-                    <a:pt x="0" y="147480"/>
-                    <a:pt x="147480" y="0"/>
-                    <a:pt x="329405" y="0"/>
-                  </a:cubicBezTo>
-                  <a:lnTo>
-                    <a:pt x="2396038" y="0"/>
-                  </a:lnTo>
-                  <a:cubicBezTo>
-                    <a:pt x="2577963" y="0"/>
-                    <a:pt x="2725443" y="147480"/>
-                    <a:pt x="2725443" y="329405"/>
-                  </a:cubicBezTo>
-                  <a:lnTo>
-                    <a:pt x="2725443" y="388399"/>
-                  </a:lnTo>
-                  <a:lnTo>
-                    <a:pt x="2645227" y="391118"/>
-                  </a:lnTo>
-                  <a:cubicBezTo>
-                    <a:pt x="1481258" y="472630"/>
-                    <a:pt x="1272403" y="1123370"/>
-                    <a:pt x="259242" y="1079910"/>
-                  </a:cubicBezTo>
-                  <a:close/>
-                </a:path>
-              </a:pathLst>
-            </a:custGeom>
-            <a:solidFill>
-              <a:srgbClr val="FFFFFF">
-                <a:alpha val="10196"/>
-              </a:srgbClr>
-            </a:solidFill>
-            <a:ln>
-              <a:noFill/>
-            </a:ln>
-          </p:spPr>
-          <p:style>
-            <a:lnRef idx="2">
-              <a:schemeClr val="accent1">
-                <a:shade val="50000"/>
-              </a:schemeClr>
-            </a:lnRef>
-            <a:fillRef idx="1">
-              <a:schemeClr val="accent1"/>
-            </a:fillRef>
-            <a:effectRef idx="0">
-              <a:schemeClr val="accent1"/>
-            </a:effectRef>
-            <a:fontRef idx="minor">
-              <a:schemeClr val="lt1"/>
-            </a:fontRef>
-          </p:style>
-          <p:txBody>
-            <a:bodyPr rtlCol="0" anchor="ctr"/>
-            <a:lstStyle/>
-            <a:p>
-              <a:pPr algn="ctr"/>
-              <a:endParaRPr lang="en-US"/>
-            </a:p>
-          </p:txBody>
-        </p:sp>
-      </p:grpSp>
-      <p:sp>
-        <p:nvSpPr>
-          <p:cNvPr id="13" name="Rectangle: Rounded Corners 12">
-            <a:extLst>
-              <a:ext uri="{FF2B5EF4-FFF2-40B4-BE49-F238E27FC236}">
-                <a16:creationId xmlns:a16="http://schemas.microsoft.com/office/drawing/2014/main" id="{63158E66-F349-454D-B08C-E09113EB757E}"/>
-              </a:ext>
-            </a:extLst>
-          </p:cNvPr>
-          <p:cNvSpPr/>
-          <p:nvPr/>
-        </p:nvSpPr>
-        <p:spPr>
-          <a:xfrm>
-            <a:off x="4589756" y="701831"/>
-            <a:ext cx="2725444" cy="5860988"/>
-          </a:xfrm>
-          <a:prstGeom prst="roundRect">
-            <a:avLst>
-              <a:gd name="adj" fmla="val 12173"/>
-            </a:avLst>
-          </a:prstGeom>
-          <a:noFill/>
-          <a:ln w="57150">
-            <a:solidFill>
-              <a:schemeClr val="tx1"/>
-            </a:solidFill>
-          </a:ln>
-        </p:spPr>
-        <p:style>
-          <a:lnRef idx="2">
-            <a:schemeClr val="accent1">
-              <a:shade val="50000"/>
-            </a:schemeClr>
-          </a:lnRef>
-          <a:fillRef idx="1">
-            <a:schemeClr val="accent1"/>
-          </a:fillRef>
-          <a:effectRef idx="0">
-            <a:schemeClr val="accent1"/>
-          </a:effectRef>
-          <a:fontRef idx="minor">
-            <a:schemeClr val="lt1"/>
-          </a:fontRef>
-        </p:style>
-        <p:txBody>
-          <a:bodyPr rtlCol="0" anchor="ctr"/>
-          <a:lstStyle/>
-          <a:p>
-            <a:pPr algn="ctr"/>
-            <a:endParaRPr lang="en-US"/>
-          </a:p>
-        </p:txBody>
-      </p:sp>
-      <p:sp>
-        <p:nvSpPr>
-          <p:cNvPr id="55" name="Rectangle: Rounded Corners 54">
-            <a:extLst>
-              <a:ext uri="{FF2B5EF4-FFF2-40B4-BE49-F238E27FC236}">
-                <a16:creationId xmlns:a16="http://schemas.microsoft.com/office/drawing/2014/main" id="{19C1287F-5464-4B6D-A917-FD7D85B43978}"/>
-              </a:ext>
-            </a:extLst>
-          </p:cNvPr>
-          <p:cNvSpPr/>
-          <p:nvPr/>
-        </p:nvSpPr>
-        <p:spPr>
-          <a:xfrm>
-            <a:off x="4797810" y="4251600"/>
-            <a:ext cx="2331867" cy="360382"/>
-          </a:xfrm>
-          <a:prstGeom prst="roundRect">
-            <a:avLst>
-              <a:gd name="adj" fmla="val 50000"/>
-            </a:avLst>
-          </a:prstGeom>
-          <a:solidFill>
-            <a:schemeClr val="bg1"/>
-          </a:solidFill>
-          <a:ln>
-            <a:solidFill>
-              <a:srgbClr val="D93931"/>
-            </a:solidFill>
-          </a:ln>
-          <a:effectLst>
-            <a:outerShdw blurRad="520700" dist="165100" dir="17460000" sx="35000" sy="35000" algn="ctr" rotWithShape="0">
-              <a:srgbClr val="D93931">
-                <a:alpha val="86000"/>
-              </a:srgbClr>
-            </a:outerShdw>
-          </a:effectLst>
-        </p:spPr>
-        <p:style>
-          <a:lnRef idx="2">
-            <a:schemeClr val="accent1">
-              <a:shade val="50000"/>
-            </a:schemeClr>
-          </a:lnRef>
-          <a:fillRef idx="1">
-            <a:schemeClr val="accent1"/>
-          </a:fillRef>
-          <a:effectRef idx="0">
-            <a:schemeClr val="accent1"/>
-          </a:effectRef>
-          <a:fontRef idx="minor">
-            <a:schemeClr val="lt1"/>
-          </a:fontRef>
-        </p:style>
-        <p:txBody>
-          <a:bodyPr rtlCol="0" anchor="ctr"/>
-          <a:lstStyle/>
-          <a:p>
-            <a:pPr algn="ctr"/>
-            <a:endParaRPr lang="en-US"/>
-          </a:p>
-        </p:txBody>
-      </p:sp>
-      <p:grpSp>
-        <p:nvGrpSpPr>
-          <p:cNvPr id="11" name="Group 10">
-            <a:extLst>
-              <a:ext uri="{FF2B5EF4-FFF2-40B4-BE49-F238E27FC236}">
-                <a16:creationId xmlns:a16="http://schemas.microsoft.com/office/drawing/2014/main" id="{8E2BCB11-D76F-4B56-88C1-56F5C04DB20F}"/>
-              </a:ext>
-            </a:extLst>
-          </p:cNvPr>
-          <p:cNvGrpSpPr/>
-          <p:nvPr/>
-        </p:nvGrpSpPr>
-        <p:grpSpPr>
-          <a:xfrm>
-            <a:off x="5332019" y="4284737"/>
-            <a:ext cx="1423468" cy="276999"/>
-            <a:chOff x="5327552" y="4290004"/>
-            <a:chExt cx="1423468" cy="276999"/>
-          </a:xfrm>
-        </p:grpSpPr>
-        <p:pic>
-          <p:nvPicPr>
-            <p:cNvPr id="10" name="Picture 9">
-              <a:extLst>
-                <a:ext uri="{FF2B5EF4-FFF2-40B4-BE49-F238E27FC236}">
-                  <a16:creationId xmlns:a16="http://schemas.microsoft.com/office/drawing/2014/main" id="{15E43A07-0FD2-434F-89B0-AF7A3A90BDC6}"/>
-                </a:ext>
-              </a:extLst>
-            </p:cNvPr>
-            <p:cNvPicPr>
-              <a:picLocks noChangeAspect="1"/>
-            </p:cNvPicPr>
-            <p:nvPr/>
-          </p:nvPicPr>
-          <p:blipFill>
-            <a:blip r:embed="rId8">
-              <a:duotone>
-                <a:prstClr val="black"/>
-                <a:srgbClr val="C00000">
-                  <a:tint val="45000"/>
-                  <a:satMod val="400000"/>
-                </a:srgbClr>
-              </a:duotone>
-              <a:extLst>
-                <a:ext uri="{BEBA8EAE-BF5A-486C-A8C5-ECC9F3942E4B}">
-                  <a14:imgProps xmlns:a14="http://schemas.microsoft.com/office/drawing/2010/main">
-                    <a14:imgLayer r:embed="rId9">
-                      <a14:imgEffect>
-                        <a14:brightnessContrast bright="100000" contrast="-65000"/>
-                      </a14:imgEffect>
-                    </a14:imgLayer>
-                  </a14:imgProps>
-                </a:ext>
-                <a:ext uri="{28A0092B-C50C-407E-A947-70E740481C1C}">
-                  <a14:useLocalDpi xmlns:a14="http://schemas.microsoft.com/office/drawing/2010/main" val="0"/>
-                </a:ext>
-              </a:extLst>
-            </a:blip>
-            <a:stretch>
-              <a:fillRect/>
-            </a:stretch>
-          </p:blipFill>
-          <p:spPr>
-            <a:xfrm>
-              <a:off x="5327552" y="4357458"/>
-              <a:ext cx="157331" cy="157331"/>
-            </a:xfrm>
-            <a:prstGeom prst="rect">
-              <a:avLst/>
-            </a:prstGeom>
-          </p:spPr>
-        </p:pic>
-        <p:sp>
-          <p:nvSpPr>
-            <p:cNvPr id="56" name="Rectangle 55">
-              <a:extLst>
-                <a:ext uri="{FF2B5EF4-FFF2-40B4-BE49-F238E27FC236}">
-                  <a16:creationId xmlns:a16="http://schemas.microsoft.com/office/drawing/2014/main" id="{99F49B1D-4D1A-4A34-807E-6E69CDC7066E}"/>
-                </a:ext>
-              </a:extLst>
-            </p:cNvPr>
-            <p:cNvSpPr/>
-            <p:nvPr/>
-          </p:nvSpPr>
-          <p:spPr>
-            <a:xfrm>
-              <a:off x="5436238" y="4290004"/>
-              <a:ext cx="1314782" cy="276999"/>
+              <a:off x="5722773" y="3569996"/>
+              <a:ext cx="457177" cy="215444"/>
             </a:xfrm>
             <a:prstGeom prst="rect">
               <a:avLst/>
@@ -9140,21 +5897,21 @@
             <a:p>
               <a:pPr algn="ctr"/>
               <a:r>
-                <a:rPr lang="en-US" sz="1200" dirty="0">
+                <a:rPr lang="en-US" sz="800" i="1" dirty="0">
                   <a:ln w="0"/>
                   <a:solidFill>
-                    <a:srgbClr val="C26E6E"/>
+                    <a:schemeClr val="bg1"/>
                   </a:solidFill>
                   <a:latin typeface="Bahnschrift Light" panose="020B0502040204020203" pitchFamily="34" charset="0"/>
                   <a:ea typeface="Arial Unicode MS" panose="020B0604020202020204" pitchFamily="34" charset="-128"/>
                   <a:cs typeface="Arial Unicode MS" panose="020B0604020202020204" pitchFamily="34" charset="-128"/>
                 </a:rPr>
-                <a:t>Set your location</a:t>
+                <a:t>Log in</a:t>
               </a:r>
-              <a:endParaRPr lang="en-US" sz="1200" cap="none" spc="0" dirty="0">
+              <a:endParaRPr lang="en-US" sz="800" i="1" cap="none" spc="0" dirty="0">
                 <a:ln w="0"/>
                 <a:solidFill>
-                  <a:srgbClr val="C26E6E"/>
+                  <a:schemeClr val="bg1"/>
                 </a:solidFill>
                 <a:latin typeface="Bahnschrift Light" panose="020B0502040204020203" pitchFamily="34" charset="0"/>
                 <a:ea typeface="Arial Unicode MS" panose="020B0604020202020204" pitchFamily="34" charset="-128"/>
@@ -9166,10 +5923,10 @@
       </p:grpSp>
       <p:sp>
         <p:nvSpPr>
-          <p:cNvPr id="62" name="Rectangle: Rounded Corners 61">
-            <a:extLst>
-              <a:ext uri="{FF2B5EF4-FFF2-40B4-BE49-F238E27FC236}">
-                <a16:creationId xmlns:a16="http://schemas.microsoft.com/office/drawing/2014/main" id="{B492CD5B-F312-446A-97FC-932AF6C8EA39}"/>
+          <p:cNvPr id="89" name="Rectangle 88">
+            <a:extLst>
+              <a:ext uri="{FF2B5EF4-FFF2-40B4-BE49-F238E27FC236}">
+                <a16:creationId xmlns:a16="http://schemas.microsoft.com/office/drawing/2014/main" id="{ECC02794-B128-4E44-A154-5EE98AFF803B}"/>
               </a:ext>
             </a:extLst>
           </p:cNvPr>
@@ -9178,246 +5935,8 @@
         </p:nvSpPr>
         <p:spPr>
           <a:xfrm>
-            <a:off x="4803192" y="4701706"/>
-            <a:ext cx="2331867" cy="749148"/>
-          </a:xfrm>
-          <a:prstGeom prst="roundRect">
-            <a:avLst>
-              <a:gd name="adj" fmla="val 14253"/>
-            </a:avLst>
-          </a:prstGeom>
-          <a:solidFill>
-            <a:schemeClr val="bg1"/>
-          </a:solidFill>
-          <a:ln>
-            <a:noFill/>
-          </a:ln>
-          <a:effectLst>
-            <a:outerShdw blurRad="304800" dist="165100" dir="480000" sx="1000" sy="1000" algn="ctr" rotWithShape="0">
-              <a:schemeClr val="bg1">
-                <a:alpha val="86000"/>
-              </a:schemeClr>
-            </a:outerShdw>
-          </a:effectLst>
-        </p:spPr>
-        <p:style>
-          <a:lnRef idx="2">
-            <a:schemeClr val="accent1">
-              <a:shade val="50000"/>
-            </a:schemeClr>
-          </a:lnRef>
-          <a:fillRef idx="1">
-            <a:schemeClr val="accent1"/>
-          </a:fillRef>
-          <a:effectRef idx="0">
-            <a:schemeClr val="accent1"/>
-          </a:effectRef>
-          <a:fontRef idx="minor">
-            <a:schemeClr val="lt1"/>
-          </a:fontRef>
-        </p:style>
-        <p:txBody>
-          <a:bodyPr rtlCol="0" anchor="ctr"/>
-          <a:lstStyle/>
-          <a:p>
-            <a:pPr algn="ctr"/>
-            <a:endParaRPr lang="en-US"/>
-          </a:p>
-        </p:txBody>
-      </p:sp>
-      <p:sp>
-        <p:nvSpPr>
-          <p:cNvPr id="60" name="Freeform: Shape 59">
-            <a:extLst>
-              <a:ext uri="{FF2B5EF4-FFF2-40B4-BE49-F238E27FC236}">
-                <a16:creationId xmlns:a16="http://schemas.microsoft.com/office/drawing/2014/main" id="{D555FEF5-D6D9-45EC-8B6D-2DB0865660E6}"/>
-              </a:ext>
-            </a:extLst>
-          </p:cNvPr>
-          <p:cNvSpPr/>
-          <p:nvPr/>
-        </p:nvSpPr>
-        <p:spPr>
-          <a:xfrm>
-            <a:off x="5505955" y="4702826"/>
-            <a:ext cx="1632094" cy="764260"/>
-          </a:xfrm>
-          <a:custGeom>
-            <a:avLst/>
-            <a:gdLst>
-              <a:gd name="connsiteX0" fmla="*/ 1014422 w 1632094"/>
-              <a:gd name="connsiteY0" fmla="*/ 0 h 586214"/>
-              <a:gd name="connsiteX1" fmla="*/ 1548541 w 1632094"/>
-              <a:gd name="connsiteY1" fmla="*/ 0 h 586214"/>
-              <a:gd name="connsiteX2" fmla="*/ 1632094 w 1632094"/>
-              <a:gd name="connsiteY2" fmla="*/ 83553 h 586214"/>
-              <a:gd name="connsiteX3" fmla="*/ 1632094 w 1632094"/>
-              <a:gd name="connsiteY3" fmla="*/ 502661 h 586214"/>
-              <a:gd name="connsiteX4" fmla="*/ 1548541 w 1632094"/>
-              <a:gd name="connsiteY4" fmla="*/ 586214 h 586214"/>
-              <a:gd name="connsiteX5" fmla="*/ 0 w 1632094"/>
-              <a:gd name="connsiteY5" fmla="*/ 586214 h 586214"/>
-            </a:gdLst>
-            <a:ahLst/>
-            <a:cxnLst>
-              <a:cxn ang="0">
-                <a:pos x="connsiteX0" y="connsiteY0"/>
-              </a:cxn>
-              <a:cxn ang="0">
-                <a:pos x="connsiteX1" y="connsiteY1"/>
-              </a:cxn>
-              <a:cxn ang="0">
-                <a:pos x="connsiteX2" y="connsiteY2"/>
-              </a:cxn>
-              <a:cxn ang="0">
-                <a:pos x="connsiteX3" y="connsiteY3"/>
-              </a:cxn>
-              <a:cxn ang="0">
-                <a:pos x="connsiteX4" y="connsiteY4"/>
-              </a:cxn>
-              <a:cxn ang="0">
-                <a:pos x="connsiteX5" y="connsiteY5"/>
-              </a:cxn>
-            </a:cxnLst>
-            <a:rect l="l" t="t" r="r" b="b"/>
-            <a:pathLst>
-              <a:path w="1632094" h="586214">
-                <a:moveTo>
-                  <a:pt x="1014422" y="0"/>
-                </a:moveTo>
-                <a:lnTo>
-                  <a:pt x="1548541" y="0"/>
-                </a:lnTo>
-                <a:cubicBezTo>
-                  <a:pt x="1594686" y="0"/>
-                  <a:pt x="1632094" y="37408"/>
-                  <a:pt x="1632094" y="83553"/>
-                </a:cubicBezTo>
-                <a:lnTo>
-                  <a:pt x="1632094" y="502661"/>
-                </a:lnTo>
-                <a:cubicBezTo>
-                  <a:pt x="1632094" y="548806"/>
-                  <a:pt x="1594686" y="586214"/>
-                  <a:pt x="1548541" y="586214"/>
-                </a:cubicBezTo>
-                <a:lnTo>
-                  <a:pt x="0" y="586214"/>
-                </a:lnTo>
-                <a:close/>
-              </a:path>
-            </a:pathLst>
-          </a:custGeom>
-          <a:solidFill>
-            <a:schemeClr val="bg1">
-              <a:lumMod val="85000"/>
-              <a:alpha val="20000"/>
-            </a:schemeClr>
-          </a:solidFill>
-          <a:ln>
-            <a:noFill/>
-          </a:ln>
-          <a:effectLst>
-            <a:outerShdw blurRad="304800" dist="165100" dir="480000" sx="1000" sy="1000" algn="ctr" rotWithShape="0">
-              <a:schemeClr val="bg1">
-                <a:alpha val="86000"/>
-              </a:schemeClr>
-            </a:outerShdw>
-          </a:effectLst>
-        </p:spPr>
-        <p:style>
-          <a:lnRef idx="2">
-            <a:schemeClr val="accent1">
-              <a:shade val="50000"/>
-            </a:schemeClr>
-          </a:lnRef>
-          <a:fillRef idx="1">
-            <a:schemeClr val="accent1"/>
-          </a:fillRef>
-          <a:effectRef idx="0">
-            <a:schemeClr val="accent1"/>
-          </a:effectRef>
-          <a:fontRef idx="minor">
-            <a:schemeClr val="lt1"/>
-          </a:fontRef>
-        </p:style>
-        <p:txBody>
-          <a:bodyPr rtlCol="0" anchor="ctr"/>
-          <a:lstStyle/>
-          <a:p>
-            <a:pPr algn="ctr"/>
-            <a:endParaRPr lang="en-US"/>
-          </a:p>
-        </p:txBody>
-      </p:sp>
-      <p:pic>
-        <p:nvPicPr>
-          <p:cNvPr id="22" name="Picture 21">
-            <a:extLst>
-              <a:ext uri="{FF2B5EF4-FFF2-40B4-BE49-F238E27FC236}">
-                <a16:creationId xmlns:a16="http://schemas.microsoft.com/office/drawing/2014/main" id="{15652756-679F-41A3-82CE-1D251678BF99}"/>
-              </a:ext>
-            </a:extLst>
-          </p:cNvPr>
-          <p:cNvPicPr>
-            <a:picLocks noChangeAspect="1"/>
-          </p:cNvPicPr>
-          <p:nvPr/>
-        </p:nvPicPr>
-        <p:blipFill>
-          <a:blip r:embed="rId10">
-            <a:duotone>
-              <a:prstClr val="black"/>
-              <a:srgbClr val="D93931">
-                <a:tint val="45000"/>
-                <a:satMod val="400000"/>
-              </a:srgbClr>
-            </a:duotone>
-            <a:extLst>
-              <a:ext uri="{BEBA8EAE-BF5A-486C-A8C5-ECC9F3942E4B}">
-                <a14:imgProps xmlns:a14="http://schemas.microsoft.com/office/drawing/2010/main">
-                  <a14:imgLayer r:embed="rId11">
-                    <a14:imgEffect>
-                      <a14:brightnessContrast bright="100000" contrast="-64000"/>
-                    </a14:imgEffect>
-                  </a14:imgLayer>
-                </a14:imgProps>
-              </a:ext>
-              <a:ext uri="{28A0092B-C50C-407E-A947-70E740481C1C}">
-                <a14:useLocalDpi xmlns:a14="http://schemas.microsoft.com/office/drawing/2010/main" val="0"/>
-              </a:ext>
-            </a:extLst>
-          </a:blip>
-          <a:stretch>
-            <a:fillRect/>
-          </a:stretch>
-        </p:blipFill>
-        <p:spPr>
-          <a:xfrm>
-            <a:off x="4939856" y="4943306"/>
-            <a:ext cx="317169" cy="317169"/>
-          </a:xfrm>
-          <a:prstGeom prst="rect">
-            <a:avLst/>
-          </a:prstGeom>
-        </p:spPr>
-      </p:pic>
-      <p:sp>
-        <p:nvSpPr>
-          <p:cNvPr id="65" name="Rectangle 64">
-            <a:extLst>
-              <a:ext uri="{FF2B5EF4-FFF2-40B4-BE49-F238E27FC236}">
-                <a16:creationId xmlns:a16="http://schemas.microsoft.com/office/drawing/2014/main" id="{B6A03FAA-EE38-4437-8FC7-960080C21632}"/>
-              </a:ext>
-            </a:extLst>
-          </p:cNvPr>
-          <p:cNvSpPr/>
-          <p:nvPr/>
-        </p:nvSpPr>
-        <p:spPr>
-          <a:xfrm>
-            <a:off x="5268123" y="4785863"/>
-            <a:ext cx="1447832" cy="246221"/>
+            <a:off x="5605789" y="4279977"/>
+            <a:ext cx="715260" cy="215444"/>
           </a:xfrm>
           <a:prstGeom prst="rect">
             <a:avLst/>
@@ -9432,21 +5951,21 @@
           <a:p>
             <a:pPr algn="ctr"/>
             <a:r>
-              <a:rPr lang="en-US" sz="1000" b="1" i="1" dirty="0">
+              <a:rPr lang="en-US" sz="800" i="1" dirty="0">
                 <a:ln w="0"/>
                 <a:solidFill>
-                  <a:srgbClr val="C26E6E"/>
+                  <a:schemeClr val="bg1"/>
                 </a:solidFill>
                 <a:latin typeface="Bahnschrift Light" panose="020B0502040204020203" pitchFamily="34" charset="0"/>
                 <a:ea typeface="Arial Unicode MS" panose="020B0604020202020204" pitchFamily="34" charset="-128"/>
                 <a:cs typeface="Arial Unicode MS" panose="020B0604020202020204" pitchFamily="34" charset="-128"/>
               </a:rPr>
-              <a:t>Nearest Police Station</a:t>
+              <a:t>Sign in here</a:t>
             </a:r>
-            <a:endParaRPr lang="en-US" sz="1000" b="1" i="1" cap="none" spc="0" dirty="0">
+            <a:endParaRPr lang="en-US" sz="800" i="1" cap="none" spc="0" dirty="0">
               <a:ln w="0"/>
               <a:solidFill>
-                <a:srgbClr val="C26E6E"/>
+                <a:schemeClr val="bg1"/>
               </a:solidFill>
               <a:latin typeface="Bahnschrift Light" panose="020B0502040204020203" pitchFamily="34" charset="0"/>
               <a:ea typeface="Arial Unicode MS" panose="020B0604020202020204" pitchFamily="34" charset="-128"/>
@@ -9457,10 +5976,10 @@
       </p:sp>
       <p:sp>
         <p:nvSpPr>
-          <p:cNvPr id="66" name="Rectangle 65">
-            <a:extLst>
-              <a:ext uri="{FF2B5EF4-FFF2-40B4-BE49-F238E27FC236}">
-                <a16:creationId xmlns:a16="http://schemas.microsoft.com/office/drawing/2014/main" id="{1E9802E5-2237-4282-81EF-1493D194B28E}"/>
+          <p:cNvPr id="90" name="Rectangle 89">
+            <a:extLst>
+              <a:ext uri="{FF2B5EF4-FFF2-40B4-BE49-F238E27FC236}">
+                <a16:creationId xmlns:a16="http://schemas.microsoft.com/office/drawing/2014/main" id="{E687E9A6-2553-48B2-9E26-0F743236A247}"/>
               </a:ext>
             </a:extLst>
           </p:cNvPr>
@@ -9469,8 +5988,8 @@
         </p:nvSpPr>
         <p:spPr>
           <a:xfrm>
-            <a:off x="5349150" y="4968675"/>
-            <a:ext cx="1628972" cy="230832"/>
+            <a:off x="4920644" y="2686346"/>
+            <a:ext cx="2029723" cy="215444"/>
           </a:xfrm>
           <a:prstGeom prst="rect">
             <a:avLst/>
@@ -9485,444 +6004,21 @@
           <a:p>
             <a:pPr algn="ctr"/>
             <a:r>
-              <a:rPr lang="en-US" sz="900" dirty="0" err="1">
+              <a:rPr lang="en-US" sz="800" dirty="0">
                 <a:ln w="0"/>
                 <a:solidFill>
-                  <a:srgbClr val="C26E6E"/>
+                  <a:srgbClr val="FFFFFF"/>
                 </a:solidFill>
                 <a:latin typeface="Bahnschrift Light" panose="020B0502040204020203" pitchFamily="34" charset="0"/>
                 <a:ea typeface="Arial Unicode MS" panose="020B0604020202020204" pitchFamily="34" charset="-128"/>
                 <a:cs typeface="Arial Unicode MS" panose="020B0604020202020204" pitchFamily="34" charset="-128"/>
               </a:rPr>
-              <a:t>Rajsjhai</a:t>
+              <a:t>Voice of mass people for problem solving</a:t>
             </a:r>
-            <a:r>
-              <a:rPr lang="en-US" sz="900" dirty="0">
-                <a:ln w="0"/>
-                <a:solidFill>
-                  <a:srgbClr val="C26E6E"/>
-                </a:solidFill>
-                <a:latin typeface="Bahnschrift Light" panose="020B0502040204020203" pitchFamily="34" charset="0"/>
-                <a:ea typeface="Arial Unicode MS" panose="020B0604020202020204" pitchFamily="34" charset="-128"/>
-                <a:cs typeface="Arial Unicode MS" panose="020B0604020202020204" pitchFamily="34" charset="-128"/>
-              </a:rPr>
-              <a:t> </a:t>
-            </a:r>
-            <a:r>
-              <a:rPr lang="en-US" sz="900" dirty="0" err="1">
-                <a:ln w="0"/>
-                <a:solidFill>
-                  <a:srgbClr val="C26E6E"/>
-                </a:solidFill>
-                <a:latin typeface="Bahnschrift Light" panose="020B0502040204020203" pitchFamily="34" charset="0"/>
-                <a:ea typeface="Arial Unicode MS" panose="020B0604020202020204" pitchFamily="34" charset="-128"/>
-                <a:cs typeface="Arial Unicode MS" panose="020B0604020202020204" pitchFamily="34" charset="-128"/>
-              </a:rPr>
-              <a:t>Metropoliton</a:t>
-            </a:r>
-            <a:r>
-              <a:rPr lang="en-US" sz="900" dirty="0">
-                <a:ln w="0"/>
-                <a:solidFill>
-                  <a:srgbClr val="C26E6E"/>
-                </a:solidFill>
-                <a:latin typeface="Bahnschrift Light" panose="020B0502040204020203" pitchFamily="34" charset="0"/>
-                <a:ea typeface="Arial Unicode MS" panose="020B0604020202020204" pitchFamily="34" charset="-128"/>
-                <a:cs typeface="Arial Unicode MS" panose="020B0604020202020204" pitchFamily="34" charset="-128"/>
-              </a:rPr>
-              <a:t> Police</a:t>
-            </a:r>
-          </a:p>
-        </p:txBody>
-      </p:sp>
-      <p:sp>
-        <p:nvSpPr>
-          <p:cNvPr id="23" name="Oval 22">
-            <a:extLst>
-              <a:ext uri="{FF2B5EF4-FFF2-40B4-BE49-F238E27FC236}">
-                <a16:creationId xmlns:a16="http://schemas.microsoft.com/office/drawing/2014/main" id="{A0094EF3-2A1A-4020-B1D9-41A01F23A796}"/>
-              </a:ext>
-            </a:extLst>
-          </p:cNvPr>
-          <p:cNvSpPr/>
-          <p:nvPr/>
-        </p:nvSpPr>
-        <p:spPr>
-          <a:xfrm>
-            <a:off x="5363814" y="5063497"/>
-            <a:ext cx="61639" cy="61639"/>
-          </a:xfrm>
-          <a:prstGeom prst="ellipse">
-            <a:avLst/>
-          </a:prstGeom>
-          <a:solidFill>
-            <a:srgbClr val="C76C6A"/>
-          </a:solidFill>
-          <a:ln>
-            <a:noFill/>
-          </a:ln>
-        </p:spPr>
-        <p:style>
-          <a:lnRef idx="2">
-            <a:schemeClr val="accent1">
-              <a:shade val="50000"/>
-            </a:schemeClr>
-          </a:lnRef>
-          <a:fillRef idx="1">
-            <a:schemeClr val="accent1"/>
-          </a:fillRef>
-          <a:effectRef idx="0">
-            <a:schemeClr val="accent1"/>
-          </a:effectRef>
-          <a:fontRef idx="minor">
-            <a:schemeClr val="lt1"/>
-          </a:fontRef>
-        </p:style>
-        <p:txBody>
-          <a:bodyPr rtlCol="0" anchor="ctr"/>
-          <a:lstStyle/>
-          <a:p>
-            <a:pPr algn="ctr"/>
-            <a:endParaRPr lang="en-US"/>
-          </a:p>
-        </p:txBody>
-      </p:sp>
-      <p:sp>
-        <p:nvSpPr>
-          <p:cNvPr id="68" name="Rectangle: Rounded Corners 67">
-            <a:extLst>
-              <a:ext uri="{FF2B5EF4-FFF2-40B4-BE49-F238E27FC236}">
-                <a16:creationId xmlns:a16="http://schemas.microsoft.com/office/drawing/2014/main" id="{99373633-3FC7-44EA-A9A5-0FB2EA23443F}"/>
-              </a:ext>
-            </a:extLst>
-          </p:cNvPr>
-          <p:cNvSpPr/>
-          <p:nvPr/>
-        </p:nvSpPr>
-        <p:spPr>
-          <a:xfrm>
-            <a:off x="5594379" y="5242223"/>
-            <a:ext cx="738078" cy="110184"/>
-          </a:xfrm>
-          <a:prstGeom prst="roundRect">
-            <a:avLst>
-              <a:gd name="adj" fmla="val 50000"/>
-            </a:avLst>
-          </a:prstGeom>
-          <a:solidFill>
-            <a:srgbClr val="C76C6A"/>
-          </a:solidFill>
-          <a:ln>
-            <a:noFill/>
-          </a:ln>
-          <a:effectLst>
-            <a:outerShdw blurRad="304800" dist="165100" dir="480000" sx="1000" sy="1000" algn="ctr" rotWithShape="0">
-              <a:schemeClr val="bg1">
-                <a:alpha val="86000"/>
-              </a:schemeClr>
-            </a:outerShdw>
-          </a:effectLst>
-        </p:spPr>
-        <p:style>
-          <a:lnRef idx="2">
-            <a:schemeClr val="accent1">
-              <a:shade val="50000"/>
-            </a:schemeClr>
-          </a:lnRef>
-          <a:fillRef idx="1">
-            <a:schemeClr val="accent1"/>
-          </a:fillRef>
-          <a:effectRef idx="0">
-            <a:schemeClr val="accent1"/>
-          </a:effectRef>
-          <a:fontRef idx="minor">
-            <a:schemeClr val="lt1"/>
-          </a:fontRef>
-        </p:style>
-        <p:txBody>
-          <a:bodyPr rtlCol="0" anchor="ctr"/>
-          <a:lstStyle/>
-          <a:p>
-            <a:pPr algn="ctr"/>
-            <a:endParaRPr lang="en-US" dirty="0"/>
-          </a:p>
-        </p:txBody>
-      </p:sp>
-      <p:sp>
-        <p:nvSpPr>
-          <p:cNvPr id="67" name="Rectangle 66">
-            <a:extLst>
-              <a:ext uri="{FF2B5EF4-FFF2-40B4-BE49-F238E27FC236}">
-                <a16:creationId xmlns:a16="http://schemas.microsoft.com/office/drawing/2014/main" id="{889AC11D-5C4D-4B1B-9202-475D7465D982}"/>
-              </a:ext>
-            </a:extLst>
-          </p:cNvPr>
-          <p:cNvSpPr/>
-          <p:nvPr/>
-        </p:nvSpPr>
-        <p:spPr>
-          <a:xfrm>
-            <a:off x="5701166" y="5210345"/>
-            <a:ext cx="524503" cy="169277"/>
-          </a:xfrm>
-          <a:prstGeom prst="rect">
-            <a:avLst/>
-          </a:prstGeom>
-          <a:noFill/>
-        </p:spPr>
-        <p:txBody>
-          <a:bodyPr wrap="none" lIns="91440" tIns="45720" rIns="91440" bIns="45720">
-            <a:spAutoFit/>
-          </a:bodyPr>
-          <a:lstStyle/>
-          <a:p>
-            <a:pPr algn="ctr"/>
-            <a:r>
-              <a:rPr lang="en-US" sz="500" cap="none" spc="0" dirty="0">
-                <a:ln w="0"/>
-                <a:solidFill>
-                  <a:schemeClr val="bg1"/>
-                </a:solidFill>
-                <a:latin typeface="Bahnschrift Light" panose="020B0502040204020203" pitchFamily="34" charset="0"/>
-                <a:ea typeface="Arial Unicode MS" panose="020B0604020202020204" pitchFamily="34" charset="-128"/>
-                <a:cs typeface="Arial Unicode MS" panose="020B0604020202020204" pitchFamily="34" charset="-128"/>
-              </a:rPr>
-              <a:t>View details</a:t>
-            </a:r>
-          </a:p>
-        </p:txBody>
-      </p:sp>
-      <p:sp>
-        <p:nvSpPr>
-          <p:cNvPr id="76" name="Rectangle: Rounded Corners 75">
-            <a:extLst>
-              <a:ext uri="{FF2B5EF4-FFF2-40B4-BE49-F238E27FC236}">
-                <a16:creationId xmlns:a16="http://schemas.microsoft.com/office/drawing/2014/main" id="{3E2E9864-2F67-40B9-ADFD-3AB317BFD649}"/>
-              </a:ext>
-            </a:extLst>
-          </p:cNvPr>
-          <p:cNvSpPr/>
-          <p:nvPr/>
-        </p:nvSpPr>
-        <p:spPr>
-          <a:xfrm>
-            <a:off x="4803192" y="5524639"/>
-            <a:ext cx="2331867" cy="749148"/>
-          </a:xfrm>
-          <a:prstGeom prst="roundRect">
-            <a:avLst>
-              <a:gd name="adj" fmla="val 14253"/>
-            </a:avLst>
-          </a:prstGeom>
-          <a:solidFill>
-            <a:schemeClr val="bg1"/>
-          </a:solidFill>
-          <a:ln>
-            <a:noFill/>
-          </a:ln>
-          <a:effectLst>
-            <a:outerShdw blurRad="304800" dist="165100" dir="480000" sx="1000" sy="1000" algn="ctr" rotWithShape="0">
-              <a:schemeClr val="bg1">
-                <a:alpha val="86000"/>
-              </a:schemeClr>
-            </a:outerShdw>
-          </a:effectLst>
-        </p:spPr>
-        <p:style>
-          <a:lnRef idx="2">
-            <a:schemeClr val="accent1">
-              <a:shade val="50000"/>
-            </a:schemeClr>
-          </a:lnRef>
-          <a:fillRef idx="1">
-            <a:schemeClr val="accent1"/>
-          </a:fillRef>
-          <a:effectRef idx="0">
-            <a:schemeClr val="accent1"/>
-          </a:effectRef>
-          <a:fontRef idx="minor">
-            <a:schemeClr val="lt1"/>
-          </a:fontRef>
-        </p:style>
-        <p:txBody>
-          <a:bodyPr rtlCol="0" anchor="ctr"/>
-          <a:lstStyle/>
-          <a:p>
-            <a:pPr algn="ctr"/>
-            <a:endParaRPr lang="en-US"/>
-          </a:p>
-        </p:txBody>
-      </p:sp>
-      <p:sp>
-        <p:nvSpPr>
-          <p:cNvPr id="77" name="Freeform: Shape 76">
-            <a:extLst>
-              <a:ext uri="{FF2B5EF4-FFF2-40B4-BE49-F238E27FC236}">
-                <a16:creationId xmlns:a16="http://schemas.microsoft.com/office/drawing/2014/main" id="{053456EC-ABC7-4E8F-B5F4-3FAEF5828576}"/>
-              </a:ext>
-            </a:extLst>
-          </p:cNvPr>
-          <p:cNvSpPr/>
-          <p:nvPr/>
-        </p:nvSpPr>
-        <p:spPr>
-          <a:xfrm>
-            <a:off x="5505955" y="5525759"/>
-            <a:ext cx="1632094" cy="764260"/>
-          </a:xfrm>
-          <a:custGeom>
-            <a:avLst/>
-            <a:gdLst>
-              <a:gd name="connsiteX0" fmla="*/ 1014422 w 1632094"/>
-              <a:gd name="connsiteY0" fmla="*/ 0 h 586214"/>
-              <a:gd name="connsiteX1" fmla="*/ 1548541 w 1632094"/>
-              <a:gd name="connsiteY1" fmla="*/ 0 h 586214"/>
-              <a:gd name="connsiteX2" fmla="*/ 1632094 w 1632094"/>
-              <a:gd name="connsiteY2" fmla="*/ 83553 h 586214"/>
-              <a:gd name="connsiteX3" fmla="*/ 1632094 w 1632094"/>
-              <a:gd name="connsiteY3" fmla="*/ 502661 h 586214"/>
-              <a:gd name="connsiteX4" fmla="*/ 1548541 w 1632094"/>
-              <a:gd name="connsiteY4" fmla="*/ 586214 h 586214"/>
-              <a:gd name="connsiteX5" fmla="*/ 0 w 1632094"/>
-              <a:gd name="connsiteY5" fmla="*/ 586214 h 586214"/>
-            </a:gdLst>
-            <a:ahLst/>
-            <a:cxnLst>
-              <a:cxn ang="0">
-                <a:pos x="connsiteX0" y="connsiteY0"/>
-              </a:cxn>
-              <a:cxn ang="0">
-                <a:pos x="connsiteX1" y="connsiteY1"/>
-              </a:cxn>
-              <a:cxn ang="0">
-                <a:pos x="connsiteX2" y="connsiteY2"/>
-              </a:cxn>
-              <a:cxn ang="0">
-                <a:pos x="connsiteX3" y="connsiteY3"/>
-              </a:cxn>
-              <a:cxn ang="0">
-                <a:pos x="connsiteX4" y="connsiteY4"/>
-              </a:cxn>
-              <a:cxn ang="0">
-                <a:pos x="connsiteX5" y="connsiteY5"/>
-              </a:cxn>
-            </a:cxnLst>
-            <a:rect l="l" t="t" r="r" b="b"/>
-            <a:pathLst>
-              <a:path w="1632094" h="586214">
-                <a:moveTo>
-                  <a:pt x="1014422" y="0"/>
-                </a:moveTo>
-                <a:lnTo>
-                  <a:pt x="1548541" y="0"/>
-                </a:lnTo>
-                <a:cubicBezTo>
-                  <a:pt x="1594686" y="0"/>
-                  <a:pt x="1632094" y="37408"/>
-                  <a:pt x="1632094" y="83553"/>
-                </a:cubicBezTo>
-                <a:lnTo>
-                  <a:pt x="1632094" y="502661"/>
-                </a:lnTo>
-                <a:cubicBezTo>
-                  <a:pt x="1632094" y="548806"/>
-                  <a:pt x="1594686" y="586214"/>
-                  <a:pt x="1548541" y="586214"/>
-                </a:cubicBezTo>
-                <a:lnTo>
-                  <a:pt x="0" y="586214"/>
-                </a:lnTo>
-                <a:close/>
-              </a:path>
-            </a:pathLst>
-          </a:custGeom>
-          <a:solidFill>
-            <a:schemeClr val="bg1">
-              <a:lumMod val="85000"/>
-              <a:alpha val="20000"/>
-            </a:schemeClr>
-          </a:solidFill>
-          <a:ln>
-            <a:noFill/>
-          </a:ln>
-          <a:effectLst>
-            <a:outerShdw blurRad="304800" dist="165100" dir="480000" sx="1000" sy="1000" algn="ctr" rotWithShape="0">
-              <a:schemeClr val="bg1">
-                <a:alpha val="86000"/>
-              </a:schemeClr>
-            </a:outerShdw>
-          </a:effectLst>
-        </p:spPr>
-        <p:style>
-          <a:lnRef idx="2">
-            <a:schemeClr val="accent1">
-              <a:shade val="50000"/>
-            </a:schemeClr>
-          </a:lnRef>
-          <a:fillRef idx="1">
-            <a:schemeClr val="accent1"/>
-          </a:fillRef>
-          <a:effectRef idx="0">
-            <a:schemeClr val="accent1"/>
-          </a:effectRef>
-          <a:fontRef idx="minor">
-            <a:schemeClr val="lt1"/>
-          </a:fontRef>
-        </p:style>
-        <p:txBody>
-          <a:bodyPr rtlCol="0" anchor="ctr"/>
-          <a:lstStyle/>
-          <a:p>
-            <a:pPr algn="ctr"/>
-            <a:endParaRPr lang="en-US"/>
-          </a:p>
-        </p:txBody>
-      </p:sp>
-      <p:sp>
-        <p:nvSpPr>
-          <p:cNvPr id="79" name="Rectangle 78">
-            <a:extLst>
-              <a:ext uri="{FF2B5EF4-FFF2-40B4-BE49-F238E27FC236}">
-                <a16:creationId xmlns:a16="http://schemas.microsoft.com/office/drawing/2014/main" id="{B9F4250B-B7FD-4971-B239-54D40276E85E}"/>
-              </a:ext>
-            </a:extLst>
-          </p:cNvPr>
-          <p:cNvSpPr/>
-          <p:nvPr/>
-        </p:nvSpPr>
-        <p:spPr>
-          <a:xfrm>
-            <a:off x="5244006" y="5616532"/>
-            <a:ext cx="1776448" cy="246221"/>
-          </a:xfrm>
-          <a:prstGeom prst="rect">
-            <a:avLst/>
-          </a:prstGeom>
-          <a:noFill/>
-        </p:spPr>
-        <p:txBody>
-          <a:bodyPr wrap="none" lIns="91440" tIns="45720" rIns="91440" bIns="45720">
-            <a:spAutoFit/>
-          </a:bodyPr>
-          <a:lstStyle/>
-          <a:p>
-            <a:pPr algn="ctr"/>
-            <a:r>
-              <a:rPr lang="en-US" sz="1000" b="1" i="1" dirty="0">
-                <a:ln w="0"/>
-                <a:solidFill>
-                  <a:srgbClr val="C26E6E"/>
-                </a:solidFill>
-                <a:latin typeface="Bahnschrift Light" panose="020B0502040204020203" pitchFamily="34" charset="0"/>
-                <a:ea typeface="Arial Unicode MS" panose="020B0604020202020204" pitchFamily="34" charset="-128"/>
-                <a:cs typeface="Arial Unicode MS" panose="020B0604020202020204" pitchFamily="34" charset="-128"/>
-              </a:rPr>
-              <a:t>Nearest Fire Service Station</a:t>
-            </a:r>
-            <a:endParaRPr lang="en-US" sz="1000" b="1" i="1" cap="none" spc="0" dirty="0">
+            <a:endParaRPr lang="en-US" sz="800" cap="none" spc="0" dirty="0">
               <a:ln w="0"/>
               <a:solidFill>
-                <a:srgbClr val="C26E6E"/>
+                <a:srgbClr val="FFFFFF"/>
               </a:solidFill>
               <a:latin typeface="Bahnschrift Light" panose="020B0502040204020203" pitchFamily="34" charset="0"/>
               <a:ea typeface="Arial Unicode MS" panose="020B0604020202020204" pitchFamily="34" charset="-128"/>
@@ -9931,329 +6027,10 @@
           </a:p>
         </p:txBody>
       </p:sp>
-      <p:sp>
-        <p:nvSpPr>
-          <p:cNvPr id="80" name="Rectangle 79">
-            <a:extLst>
-              <a:ext uri="{FF2B5EF4-FFF2-40B4-BE49-F238E27FC236}">
-                <a16:creationId xmlns:a16="http://schemas.microsoft.com/office/drawing/2014/main" id="{A9815762-BC9F-4C76-8C6C-E3D8385C8488}"/>
-              </a:ext>
-            </a:extLst>
-          </p:cNvPr>
-          <p:cNvSpPr/>
-          <p:nvPr/>
-        </p:nvSpPr>
-        <p:spPr>
-          <a:xfrm>
-            <a:off x="5360897" y="5790952"/>
-            <a:ext cx="1433406" cy="230832"/>
-          </a:xfrm>
-          <a:prstGeom prst="rect">
-            <a:avLst/>
-          </a:prstGeom>
-          <a:noFill/>
-        </p:spPr>
-        <p:txBody>
-          <a:bodyPr wrap="none" lIns="91440" tIns="45720" rIns="91440" bIns="45720">
-            <a:spAutoFit/>
-          </a:bodyPr>
-          <a:lstStyle/>
-          <a:p>
-            <a:pPr algn="ctr"/>
-            <a:r>
-              <a:rPr lang="en-US" sz="900" dirty="0" err="1">
-                <a:ln w="0"/>
-                <a:solidFill>
-                  <a:srgbClr val="C26E6E"/>
-                </a:solidFill>
-                <a:latin typeface="Bahnschrift Light" panose="020B0502040204020203" pitchFamily="34" charset="0"/>
-                <a:ea typeface="Arial Unicode MS" panose="020B0604020202020204" pitchFamily="34" charset="-128"/>
-                <a:cs typeface="Arial Unicode MS" panose="020B0604020202020204" pitchFamily="34" charset="-128"/>
-              </a:rPr>
-              <a:t>Rajshahi</a:t>
-            </a:r>
-            <a:r>
-              <a:rPr lang="en-US" sz="900" dirty="0">
-                <a:ln w="0"/>
-                <a:solidFill>
-                  <a:srgbClr val="C26E6E"/>
-                </a:solidFill>
-                <a:latin typeface="Bahnschrift Light" panose="020B0502040204020203" pitchFamily="34" charset="0"/>
-                <a:ea typeface="Arial Unicode MS" panose="020B0604020202020204" pitchFamily="34" charset="-128"/>
-                <a:cs typeface="Arial Unicode MS" panose="020B0604020202020204" pitchFamily="34" charset="-128"/>
-              </a:rPr>
-              <a:t> Division Station</a:t>
-            </a:r>
-          </a:p>
-        </p:txBody>
-      </p:sp>
-      <p:sp>
-        <p:nvSpPr>
-          <p:cNvPr id="81" name="Oval 80">
-            <a:extLst>
-              <a:ext uri="{FF2B5EF4-FFF2-40B4-BE49-F238E27FC236}">
-                <a16:creationId xmlns:a16="http://schemas.microsoft.com/office/drawing/2014/main" id="{0CBB10DE-9F3E-4086-A518-5B51A9C15C2D}"/>
-              </a:ext>
-            </a:extLst>
-          </p:cNvPr>
-          <p:cNvSpPr/>
-          <p:nvPr/>
-        </p:nvSpPr>
-        <p:spPr>
-          <a:xfrm>
-            <a:off x="5363814" y="5886430"/>
-            <a:ext cx="61639" cy="61639"/>
-          </a:xfrm>
-          <a:prstGeom prst="ellipse">
-            <a:avLst/>
-          </a:prstGeom>
-          <a:solidFill>
-            <a:srgbClr val="C76C6A"/>
-          </a:solidFill>
-          <a:ln>
-            <a:noFill/>
-          </a:ln>
-        </p:spPr>
-        <p:style>
-          <a:lnRef idx="2">
-            <a:schemeClr val="accent1">
-              <a:shade val="50000"/>
-            </a:schemeClr>
-          </a:lnRef>
-          <a:fillRef idx="1">
-            <a:schemeClr val="accent1"/>
-          </a:fillRef>
-          <a:effectRef idx="0">
-            <a:schemeClr val="accent1"/>
-          </a:effectRef>
-          <a:fontRef idx="minor">
-            <a:schemeClr val="lt1"/>
-          </a:fontRef>
-        </p:style>
-        <p:txBody>
-          <a:bodyPr rtlCol="0" anchor="ctr"/>
-          <a:lstStyle/>
-          <a:p>
-            <a:pPr algn="ctr"/>
-            <a:endParaRPr lang="en-US"/>
-          </a:p>
-        </p:txBody>
-      </p:sp>
-      <p:sp>
-        <p:nvSpPr>
-          <p:cNvPr id="82" name="Rectangle: Rounded Corners 81">
-            <a:extLst>
-              <a:ext uri="{FF2B5EF4-FFF2-40B4-BE49-F238E27FC236}">
-                <a16:creationId xmlns:a16="http://schemas.microsoft.com/office/drawing/2014/main" id="{B8A07E65-3BE1-4229-B3B9-37315CA8B5A4}"/>
-              </a:ext>
-            </a:extLst>
-          </p:cNvPr>
-          <p:cNvSpPr/>
-          <p:nvPr/>
-        </p:nvSpPr>
-        <p:spPr>
-          <a:xfrm>
-            <a:off x="5594379" y="6065156"/>
-            <a:ext cx="738078" cy="110184"/>
-          </a:xfrm>
-          <a:prstGeom prst="roundRect">
-            <a:avLst>
-              <a:gd name="adj" fmla="val 50000"/>
-            </a:avLst>
-          </a:prstGeom>
-          <a:solidFill>
-            <a:srgbClr val="C76C6A"/>
-          </a:solidFill>
-          <a:ln>
-            <a:noFill/>
-          </a:ln>
-          <a:effectLst>
-            <a:outerShdw blurRad="304800" dist="165100" dir="480000" sx="1000" sy="1000" algn="ctr" rotWithShape="0">
-              <a:schemeClr val="bg1">
-                <a:alpha val="86000"/>
-              </a:schemeClr>
-            </a:outerShdw>
-          </a:effectLst>
-        </p:spPr>
-        <p:style>
-          <a:lnRef idx="2">
-            <a:schemeClr val="accent1">
-              <a:shade val="50000"/>
-            </a:schemeClr>
-          </a:lnRef>
-          <a:fillRef idx="1">
-            <a:schemeClr val="accent1"/>
-          </a:fillRef>
-          <a:effectRef idx="0">
-            <a:schemeClr val="accent1"/>
-          </a:effectRef>
-          <a:fontRef idx="minor">
-            <a:schemeClr val="lt1"/>
-          </a:fontRef>
-        </p:style>
-        <p:txBody>
-          <a:bodyPr rtlCol="0" anchor="ctr"/>
-          <a:lstStyle/>
-          <a:p>
-            <a:pPr algn="ctr"/>
-            <a:endParaRPr lang="en-US"/>
-          </a:p>
-        </p:txBody>
-      </p:sp>
-      <p:sp>
-        <p:nvSpPr>
-          <p:cNvPr id="83" name="Rectangle 82">
-            <a:extLst>
-              <a:ext uri="{FF2B5EF4-FFF2-40B4-BE49-F238E27FC236}">
-                <a16:creationId xmlns:a16="http://schemas.microsoft.com/office/drawing/2014/main" id="{0F3CC56E-2D01-4C3A-A5C9-DD1952D84D9B}"/>
-              </a:ext>
-            </a:extLst>
-          </p:cNvPr>
-          <p:cNvSpPr/>
-          <p:nvPr/>
-        </p:nvSpPr>
-        <p:spPr>
-          <a:xfrm>
-            <a:off x="5701166" y="6033278"/>
-            <a:ext cx="524503" cy="169277"/>
-          </a:xfrm>
-          <a:prstGeom prst="rect">
-            <a:avLst/>
-          </a:prstGeom>
-          <a:noFill/>
-        </p:spPr>
-        <p:txBody>
-          <a:bodyPr wrap="none" lIns="91440" tIns="45720" rIns="91440" bIns="45720">
-            <a:spAutoFit/>
-          </a:bodyPr>
-          <a:lstStyle/>
-          <a:p>
-            <a:pPr algn="ctr"/>
-            <a:r>
-              <a:rPr lang="en-US" sz="500" cap="none" spc="0" dirty="0">
-                <a:ln w="0"/>
-                <a:solidFill>
-                  <a:schemeClr val="bg1"/>
-                </a:solidFill>
-                <a:latin typeface="Bahnschrift Light" panose="020B0502040204020203" pitchFamily="34" charset="0"/>
-                <a:ea typeface="Arial Unicode MS" panose="020B0604020202020204" pitchFamily="34" charset="-128"/>
-                <a:cs typeface="Arial Unicode MS" panose="020B0604020202020204" pitchFamily="34" charset="-128"/>
-              </a:rPr>
-              <a:t>View details</a:t>
-            </a:r>
-          </a:p>
-        </p:txBody>
-      </p:sp>
-      <p:pic>
-        <p:nvPicPr>
-          <p:cNvPr id="26" name="Picture 25">
-            <a:extLst>
-              <a:ext uri="{FF2B5EF4-FFF2-40B4-BE49-F238E27FC236}">
-                <a16:creationId xmlns:a16="http://schemas.microsoft.com/office/drawing/2014/main" id="{03176CC2-FAC9-4909-86ED-1CE4D096800E}"/>
-              </a:ext>
-            </a:extLst>
-          </p:cNvPr>
-          <p:cNvPicPr>
-            <a:picLocks noChangeAspect="1"/>
-          </p:cNvPicPr>
-          <p:nvPr/>
-        </p:nvPicPr>
-        <p:blipFill>
-          <a:blip r:embed="rId12">
-            <a:duotone>
-              <a:prstClr val="black"/>
-              <a:srgbClr val="C76C6A">
-                <a:tint val="45000"/>
-                <a:satMod val="400000"/>
-              </a:srgbClr>
-            </a:duotone>
-            <a:extLst>
-              <a:ext uri="{BEBA8EAE-BF5A-486C-A8C5-ECC9F3942E4B}">
-                <a14:imgProps xmlns:a14="http://schemas.microsoft.com/office/drawing/2010/main">
-                  <a14:imgLayer r:embed="rId13">
-                    <a14:imgEffect>
-                      <a14:brightnessContrast bright="100000" contrast="-64000"/>
-                    </a14:imgEffect>
-                  </a14:imgLayer>
-                </a14:imgProps>
-              </a:ext>
-              <a:ext uri="{28A0092B-C50C-407E-A947-70E740481C1C}">
-                <a14:useLocalDpi xmlns:a14="http://schemas.microsoft.com/office/drawing/2010/main" val="0"/>
-              </a:ext>
-            </a:extLst>
-          </a:blip>
-          <a:stretch>
-            <a:fillRect/>
-          </a:stretch>
-        </p:blipFill>
-        <p:spPr>
-          <a:xfrm>
-            <a:off x="4944682" y="5766520"/>
-            <a:ext cx="317936" cy="275112"/>
-          </a:xfrm>
-          <a:prstGeom prst="rect">
-            <a:avLst/>
-          </a:prstGeom>
-        </p:spPr>
-      </p:pic>
-      <p:sp>
-        <p:nvSpPr>
-          <p:cNvPr id="27" name="Rectangle: Rounded Corners 26">
-            <a:extLst>
-              <a:ext uri="{FF2B5EF4-FFF2-40B4-BE49-F238E27FC236}">
-                <a16:creationId xmlns:a16="http://schemas.microsoft.com/office/drawing/2014/main" id="{1C59BBEB-4E6F-4CA3-BB65-CDDAEA1ED41D}"/>
-              </a:ext>
-            </a:extLst>
-          </p:cNvPr>
-          <p:cNvSpPr/>
-          <p:nvPr/>
-        </p:nvSpPr>
-        <p:spPr>
-          <a:xfrm>
-            <a:off x="5786450" y="6437029"/>
-            <a:ext cx="353937" cy="47006"/>
-          </a:xfrm>
-          <a:prstGeom prst="roundRect">
-            <a:avLst>
-              <a:gd name="adj" fmla="val 50000"/>
-            </a:avLst>
-          </a:prstGeom>
-          <a:solidFill>
-            <a:schemeClr val="bg1"/>
-          </a:solidFill>
-          <a:ln>
-            <a:noFill/>
-          </a:ln>
-        </p:spPr>
-        <p:style>
-          <a:lnRef idx="2">
-            <a:schemeClr val="accent1">
-              <a:shade val="50000"/>
-            </a:schemeClr>
-          </a:lnRef>
-          <a:fillRef idx="1">
-            <a:schemeClr val="accent1"/>
-          </a:fillRef>
-          <a:effectRef idx="0">
-            <a:schemeClr val="accent1"/>
-          </a:effectRef>
-          <a:fontRef idx="minor">
-            <a:schemeClr val="lt1"/>
-          </a:fontRef>
-        </p:style>
-        <p:txBody>
-          <a:bodyPr rtlCol="0" anchor="ctr"/>
-          <a:lstStyle/>
-          <a:p>
-            <a:pPr algn="ctr"/>
-            <a:endParaRPr lang="en-US"/>
-          </a:p>
-        </p:txBody>
-      </p:sp>
     </p:spTree>
     <p:extLst>
       <p:ext uri="{BB962C8B-B14F-4D97-AF65-F5344CB8AC3E}">
-        <p14:creationId xmlns:p14="http://schemas.microsoft.com/office/powerpoint/2010/main" val="2488780863"/>
+        <p14:creationId xmlns:p14="http://schemas.microsoft.com/office/powerpoint/2010/main" val="1651369846"/>
       </p:ext>
     </p:extLst>
   </p:cSld>
@@ -10263,7 +6040,7 @@
 </p:sld>
 </file>
 
-<file path=ppt/slides/slide7.xml><?xml version="1.0" encoding="utf-8"?>
+<file path=ppt/slides/slide6.xml><?xml version="1.0" encoding="utf-8"?>
 <p:sld xmlns:a="http://schemas.openxmlformats.org/drawingml/2006/main" xmlns:r="http://schemas.openxmlformats.org/officeDocument/2006/relationships" xmlns:p="http://schemas.openxmlformats.org/presentationml/2006/main">
   <p:cSld>
     <p:bg>
@@ -13876,7 +9653,7 @@
     </p:spTree>
     <p:extLst>
       <p:ext uri="{BB962C8B-B14F-4D97-AF65-F5344CB8AC3E}">
-        <p14:creationId xmlns:p14="http://schemas.microsoft.com/office/powerpoint/2010/main" val="1651369846"/>
+        <p14:creationId xmlns:p14="http://schemas.microsoft.com/office/powerpoint/2010/main" val="2142541691"/>
       </p:ext>
     </p:extLst>
   </p:cSld>
